--- a/Emplyoee Salary prediction.pptx
+++ b/Emplyoee Salary prediction.pptx
@@ -2,14 +2,41 @@
 <file path=ppt/presentation.xml><?xml version="1.0" encoding="utf-8"?>
 <p:presentation xmlns:a="http://schemas.openxmlformats.org/drawingml/2006/main" xmlns:r="http://schemas.openxmlformats.org/officeDocument/2006/relationships" xmlns:p="http://schemas.openxmlformats.org/presentationml/2006/main" autoCompressPictures="0">
   <p:sldMasterIdLst>
-    <p:sldMasterId id="2147483648" r:id="rId1"/>
+    <p:sldMasterId id="2147483660" r:id="rId1"/>
   </p:sldMasterIdLst>
   <p:sldIdLst>
     <p:sldId id="256" r:id="rId2"/>
     <p:sldId id="257" r:id="rId3"/>
     <p:sldId id="258" r:id="rId4"/>
-    <p:sldId id="259" r:id="rId5"/>
-    <p:sldId id="260" r:id="rId6"/>
+    <p:sldId id="296" r:id="rId5"/>
+    <p:sldId id="264" r:id="rId6"/>
+    <p:sldId id="271" r:id="rId7"/>
+    <p:sldId id="273" r:id="rId8"/>
+    <p:sldId id="276" r:id="rId9"/>
+    <p:sldId id="277" r:id="rId10"/>
+    <p:sldId id="307" r:id="rId11"/>
+    <p:sldId id="274" r:id="rId12"/>
+    <p:sldId id="269" r:id="rId13"/>
+    <p:sldId id="284" r:id="rId14"/>
+    <p:sldId id="288" r:id="rId15"/>
+    <p:sldId id="301" r:id="rId16"/>
+    <p:sldId id="302" r:id="rId17"/>
+    <p:sldId id="303" r:id="rId18"/>
+    <p:sldId id="304" r:id="rId19"/>
+    <p:sldId id="305" r:id="rId20"/>
+    <p:sldId id="261" r:id="rId21"/>
+    <p:sldId id="297" r:id="rId22"/>
+    <p:sldId id="298" r:id="rId23"/>
+    <p:sldId id="283" r:id="rId24"/>
+    <p:sldId id="280" r:id="rId25"/>
+    <p:sldId id="279" r:id="rId26"/>
+    <p:sldId id="281" r:id="rId27"/>
+    <p:sldId id="282" r:id="rId28"/>
+    <p:sldId id="308" r:id="rId29"/>
+    <p:sldId id="267" r:id="rId30"/>
+    <p:sldId id="295" r:id="rId31"/>
+    <p:sldId id="268" r:id="rId32"/>
+    <p:sldId id="294" r:id="rId33"/>
   </p:sldIdLst>
   <p:sldSz cx="12192000" cy="6858000"/>
   <p:notesSz cx="6858000" cy="9144000"/>
@@ -17,7 +44,7 @@
     <a:defPPr>
       <a:defRPr lang="en-US"/>
     </a:defPPr>
-    <a:lvl1pPr marL="0" algn="l" defTabSz="457200" rtl="0" eaLnBrk="1" latinLnBrk="0" hangingPunct="1">
+    <a:lvl1pPr marL="0" algn="l" defTabSz="914400" rtl="0" eaLnBrk="1" latinLnBrk="0" hangingPunct="1">
       <a:defRPr sz="1800" kern="1200">
         <a:solidFill>
           <a:schemeClr val="tx1"/>
@@ -27,7 +54,7 @@
         <a:cs typeface="+mn-cs"/>
       </a:defRPr>
     </a:lvl1pPr>
-    <a:lvl2pPr marL="457200" algn="l" defTabSz="457200" rtl="0" eaLnBrk="1" latinLnBrk="0" hangingPunct="1">
+    <a:lvl2pPr marL="457200" algn="l" defTabSz="914400" rtl="0" eaLnBrk="1" latinLnBrk="0" hangingPunct="1">
       <a:defRPr sz="1800" kern="1200">
         <a:solidFill>
           <a:schemeClr val="tx1"/>
@@ -37,7 +64,7 @@
         <a:cs typeface="+mn-cs"/>
       </a:defRPr>
     </a:lvl2pPr>
-    <a:lvl3pPr marL="914400" algn="l" defTabSz="457200" rtl="0" eaLnBrk="1" latinLnBrk="0" hangingPunct="1">
+    <a:lvl3pPr marL="914400" algn="l" defTabSz="914400" rtl="0" eaLnBrk="1" latinLnBrk="0" hangingPunct="1">
       <a:defRPr sz="1800" kern="1200">
         <a:solidFill>
           <a:schemeClr val="tx1"/>
@@ -47,7 +74,7 @@
         <a:cs typeface="+mn-cs"/>
       </a:defRPr>
     </a:lvl3pPr>
-    <a:lvl4pPr marL="1371600" algn="l" defTabSz="457200" rtl="0" eaLnBrk="1" latinLnBrk="0" hangingPunct="1">
+    <a:lvl4pPr marL="1371600" algn="l" defTabSz="914400" rtl="0" eaLnBrk="1" latinLnBrk="0" hangingPunct="1">
       <a:defRPr sz="1800" kern="1200">
         <a:solidFill>
           <a:schemeClr val="tx1"/>
@@ -57,7 +84,7 @@
         <a:cs typeface="+mn-cs"/>
       </a:defRPr>
     </a:lvl4pPr>
-    <a:lvl5pPr marL="1828800" algn="l" defTabSz="457200" rtl="0" eaLnBrk="1" latinLnBrk="0" hangingPunct="1">
+    <a:lvl5pPr marL="1828800" algn="l" defTabSz="914400" rtl="0" eaLnBrk="1" latinLnBrk="0" hangingPunct="1">
       <a:defRPr sz="1800" kern="1200">
         <a:solidFill>
           <a:schemeClr val="tx1"/>
@@ -67,7 +94,7 @@
         <a:cs typeface="+mn-cs"/>
       </a:defRPr>
     </a:lvl5pPr>
-    <a:lvl6pPr marL="2286000" algn="l" defTabSz="457200" rtl="0" eaLnBrk="1" latinLnBrk="0" hangingPunct="1">
+    <a:lvl6pPr marL="2286000" algn="l" defTabSz="914400" rtl="0" eaLnBrk="1" latinLnBrk="0" hangingPunct="1">
       <a:defRPr sz="1800" kern="1200">
         <a:solidFill>
           <a:schemeClr val="tx1"/>
@@ -77,7 +104,7 @@
         <a:cs typeface="+mn-cs"/>
       </a:defRPr>
     </a:lvl6pPr>
-    <a:lvl7pPr marL="2743200" algn="l" defTabSz="457200" rtl="0" eaLnBrk="1" latinLnBrk="0" hangingPunct="1">
+    <a:lvl7pPr marL="2743200" algn="l" defTabSz="914400" rtl="0" eaLnBrk="1" latinLnBrk="0" hangingPunct="1">
       <a:defRPr sz="1800" kern="1200">
         <a:solidFill>
           <a:schemeClr val="tx1"/>
@@ -87,7 +114,7 @@
         <a:cs typeface="+mn-cs"/>
       </a:defRPr>
     </a:lvl7pPr>
-    <a:lvl8pPr marL="3200400" algn="l" defTabSz="457200" rtl="0" eaLnBrk="1" latinLnBrk="0" hangingPunct="1">
+    <a:lvl8pPr marL="3200400" algn="l" defTabSz="914400" rtl="0" eaLnBrk="1" latinLnBrk="0" hangingPunct="1">
       <a:defRPr sz="1800" kern="1200">
         <a:solidFill>
           <a:schemeClr val="tx1"/>
@@ -97,7 +124,7 @@
         <a:cs typeface="+mn-cs"/>
       </a:defRPr>
     </a:lvl8pPr>
-    <a:lvl9pPr marL="3657600" algn="l" defTabSz="457200" rtl="0" eaLnBrk="1" latinLnBrk="0" hangingPunct="1">
+    <a:lvl9pPr marL="3657600" algn="l" defTabSz="914400" rtl="0" eaLnBrk="1" latinLnBrk="0" hangingPunct="1">
       <a:defRPr sz="1800" kern="1200">
         <a:solidFill>
           <a:schemeClr val="tx1"/>
@@ -108,6 +135,11 @@
       </a:defRPr>
     </a:lvl9pPr>
   </p:defaultTextStyle>
+  <p:extLst>
+    <p:ext uri="{EFAFB233-063F-42B5-8137-9DF3F51BA10A}">
+      <p15:sldGuideLst xmlns:p15="http://schemas.microsoft.com/office/powerpoint/2012/main"/>
+    </p:ext>
+  </p:extLst>
 </p:presentation>
 </file>
 
@@ -130,216 +162,297 @@
       </p:grpSpPr>
       <p:sp>
         <p:nvSpPr>
-          <p:cNvPr id="2" name="Title 1"/>
-          <p:cNvSpPr>
-            <a:spLocks noGrp="1"/>
-          </p:cNvSpPr>
-          <p:nvPr>
-            <p:ph type="ctrTitle"/>
-          </p:nvPr>
-        </p:nvSpPr>
-        <p:spPr>
-          <a:xfrm>
-            <a:off x="2417779" y="802298"/>
-            <a:ext cx="8637073" cy="2541431"/>
-          </a:xfrm>
-        </p:spPr>
-        <p:txBody>
-          <a:bodyPr bIns="0" anchor="b">
-            <a:normAutofit/>
-          </a:bodyPr>
-          <a:lstStyle>
-            <a:lvl1pPr algn="l">
-              <a:defRPr sz="6600"/>
-            </a:lvl1pPr>
-          </a:lstStyle>
-          <a:p>
-            <a:r>
-              <a:rPr lang="en-US"/>
-              <a:t>Click to edit Master title style</a:t>
-            </a:r>
-            <a:endParaRPr lang="en-US" dirty="0"/>
-          </a:p>
-        </p:txBody>
-      </p:sp>
-      <p:sp>
-        <p:nvSpPr>
-          <p:cNvPr id="3" name="Subtitle 2"/>
-          <p:cNvSpPr>
-            <a:spLocks noGrp="1"/>
-          </p:cNvSpPr>
-          <p:nvPr>
-            <p:ph type="subTitle" idx="1"/>
-          </p:nvPr>
-        </p:nvSpPr>
-        <p:spPr>
-          <a:xfrm>
-            <a:off x="2417780" y="3531204"/>
-            <a:ext cx="8637072" cy="977621"/>
-          </a:xfrm>
-        </p:spPr>
-        <p:txBody>
-          <a:bodyPr tIns="91440" bIns="91440">
-            <a:normAutofit/>
-          </a:bodyPr>
-          <a:lstStyle>
-            <a:lvl1pPr marL="0" indent="0" algn="l">
-              <a:buNone/>
-              <a:defRPr sz="1800" b="0" cap="all" baseline="0">
-                <a:solidFill>
-                  <a:schemeClr val="tx1"/>
-                </a:solidFill>
-              </a:defRPr>
-            </a:lvl1pPr>
-            <a:lvl2pPr marL="457200" indent="0" algn="ctr">
-              <a:buNone/>
-              <a:defRPr sz="1800"/>
-            </a:lvl2pPr>
-            <a:lvl3pPr marL="914400" indent="0" algn="ctr">
-              <a:buNone/>
-              <a:defRPr sz="1800"/>
-            </a:lvl3pPr>
-            <a:lvl4pPr marL="1371600" indent="0" algn="ctr">
-              <a:buNone/>
-              <a:defRPr sz="1600"/>
-            </a:lvl4pPr>
-            <a:lvl5pPr marL="1828800" indent="0" algn="ctr">
-              <a:buNone/>
-              <a:defRPr sz="1600"/>
-            </a:lvl5pPr>
-            <a:lvl6pPr marL="2286000" indent="0" algn="ctr">
-              <a:buNone/>
-              <a:defRPr sz="1600"/>
-            </a:lvl6pPr>
-            <a:lvl7pPr marL="2743200" indent="0" algn="ctr">
-              <a:buNone/>
-              <a:defRPr sz="1600"/>
-            </a:lvl7pPr>
-            <a:lvl8pPr marL="3200400" indent="0" algn="ctr">
-              <a:buNone/>
-              <a:defRPr sz="1600"/>
-            </a:lvl8pPr>
-            <a:lvl9pPr marL="3657600" indent="0" algn="ctr">
-              <a:buNone/>
-              <a:defRPr sz="1600"/>
-            </a:lvl9pPr>
-          </a:lstStyle>
-          <a:p>
-            <a:r>
-              <a:rPr lang="en-US"/>
-              <a:t>Click to edit Master subtitle style</a:t>
-            </a:r>
-            <a:endParaRPr lang="en-US" dirty="0"/>
-          </a:p>
-        </p:txBody>
-      </p:sp>
-      <p:sp>
-        <p:nvSpPr>
-          <p:cNvPr id="4" name="Date Placeholder 3"/>
-          <p:cNvSpPr>
-            <a:spLocks noGrp="1"/>
-          </p:cNvSpPr>
-          <p:nvPr>
-            <p:ph type="dt" sz="half" idx="10"/>
-          </p:nvPr>
-        </p:nvSpPr>
-        <p:spPr/>
-        <p:txBody>
-          <a:bodyPr/>
-          <a:lstStyle/>
-          <a:p>
-            <a:fld id="{48A87A34-81AB-432B-8DAE-1953F412C126}" type="datetimeFigureOut">
-              <a:rPr lang="en-US" dirty="0"/>
-              <a:t>7/17/2025</a:t>
-            </a:fld>
-            <a:endParaRPr lang="en-US" dirty="0"/>
-          </a:p>
-        </p:txBody>
-      </p:sp>
-      <p:sp>
-        <p:nvSpPr>
-          <p:cNvPr id="5" name="Footer Placeholder 4"/>
-          <p:cNvSpPr>
-            <a:spLocks noGrp="1"/>
-          </p:cNvSpPr>
-          <p:nvPr>
-            <p:ph type="ftr" sz="quarter" idx="11"/>
-          </p:nvPr>
-        </p:nvSpPr>
-        <p:spPr>
-          <a:xfrm>
-            <a:off x="2416500" y="329307"/>
-            <a:ext cx="4973915" cy="309201"/>
-          </a:xfrm>
-        </p:spPr>
-        <p:txBody>
-          <a:bodyPr/>
-          <a:lstStyle/>
-          <a:p>
-            <a:endParaRPr lang="en-US" dirty="0"/>
-          </a:p>
-        </p:txBody>
-      </p:sp>
-      <p:sp>
-        <p:nvSpPr>
-          <p:cNvPr id="6" name="Slide Number Placeholder 5"/>
-          <p:cNvSpPr>
-            <a:spLocks noGrp="1"/>
-          </p:cNvSpPr>
-          <p:nvPr>
-            <p:ph type="sldNum" sz="quarter" idx="12"/>
-          </p:nvPr>
-        </p:nvSpPr>
-        <p:spPr>
-          <a:xfrm>
-            <a:off x="1437664" y="798973"/>
-            <a:ext cx="811019" cy="503578"/>
-          </a:xfrm>
-        </p:spPr>
-        <p:txBody>
-          <a:bodyPr/>
-          <a:lstStyle/>
-          <a:p>
-            <a:fld id="{6D22F896-40B5-4ADD-8801-0D06FADFA095}" type="slidenum">
-              <a:rPr lang="en-US" dirty="0"/>
-              <a:t>‹#›</a:t>
-            </a:fld>
-            <a:endParaRPr lang="en-US" dirty="0"/>
-          </a:p>
-        </p:txBody>
-      </p:sp>
-      <p:cxnSp>
-        <p:nvCxnSpPr>
-          <p:cNvPr id="15" name="Straight Connector 14"/>
-          <p:cNvCxnSpPr/>
+          <p:cNvPr id="7" name="Rectangle 6"/>
+          <p:cNvSpPr/>
           <p:nvPr/>
-        </p:nvCxnSpPr>
-        <p:spPr>
-          <a:xfrm>
-            <a:off x="2417780" y="3528542"/>
-            <a:ext cx="8637072" cy="0"/>
-          </a:xfrm>
-          <a:prstGeom prst="line">
+        </p:nvSpPr>
+        <p:spPr>
+          <a:xfrm>
+            <a:off x="446534" y="3085764"/>
+            <a:ext cx="11298932" cy="3338149"/>
+          </a:xfrm>
+          <a:prstGeom prst="rect">
             <a:avLst/>
           </a:prstGeom>
-          <a:ln w="31750"/>
+          <a:solidFill>
+            <a:srgbClr val="465359"/>
+          </a:solidFill>
+          <a:ln>
+            <a:noFill/>
+          </a:ln>
+          <a:effectLst/>
         </p:spPr>
         <p:style>
-          <a:lnRef idx="3">
+          <a:lnRef idx="1">
             <a:schemeClr val="accent1"/>
           </a:lnRef>
-          <a:fillRef idx="0">
+          <a:fillRef idx="3">
             <a:schemeClr val="accent1"/>
           </a:fillRef>
           <a:effectRef idx="2">
             <a:schemeClr val="accent1"/>
           </a:effectRef>
           <a:fontRef idx="minor">
-            <a:schemeClr val="tx1"/>
+            <a:schemeClr val="lt1"/>
           </a:fontRef>
         </p:style>
-      </p:cxnSp>
+      </p:sp>
+      <p:sp>
+        <p:nvSpPr>
+          <p:cNvPr id="2" name="Title 1"/>
+          <p:cNvSpPr>
+            <a:spLocks noGrp="1"/>
+          </p:cNvSpPr>
+          <p:nvPr>
+            <p:ph type="ctrTitle"/>
+          </p:nvPr>
+        </p:nvSpPr>
+        <p:spPr>
+          <a:xfrm>
+            <a:off x="581191" y="1020431"/>
+            <a:ext cx="10993549" cy="1475013"/>
+          </a:xfrm>
+          <a:effectLst/>
+        </p:spPr>
+        <p:txBody>
+          <a:bodyPr anchor="b">
+            <a:normAutofit/>
+          </a:bodyPr>
+          <a:lstStyle>
+            <a:lvl1pPr>
+              <a:defRPr sz="3600">
+                <a:solidFill>
+                  <a:schemeClr val="tx1">
+                    <a:lumMod val="75000"/>
+                    <a:lumOff val="25000"/>
+                  </a:schemeClr>
+                </a:solidFill>
+              </a:defRPr>
+            </a:lvl1pPr>
+          </a:lstStyle>
+          <a:p>
+            <a:r>
+              <a:rPr lang="en-US"/>
+              <a:t>Click to edit Master title style</a:t>
+            </a:r>
+          </a:p>
+        </p:txBody>
+      </p:sp>
+      <p:sp>
+        <p:nvSpPr>
+          <p:cNvPr id="3" name="Subtitle 2"/>
+          <p:cNvSpPr>
+            <a:spLocks noGrp="1"/>
+          </p:cNvSpPr>
+          <p:nvPr>
+            <p:ph type="subTitle" idx="1"/>
+          </p:nvPr>
+        </p:nvSpPr>
+        <p:spPr>
+          <a:xfrm>
+            <a:off x="581194" y="2495445"/>
+            <a:ext cx="10993546" cy="590321"/>
+          </a:xfrm>
+        </p:spPr>
+        <p:txBody>
+          <a:bodyPr anchor="t">
+            <a:normAutofit/>
+          </a:bodyPr>
+          <a:lstStyle>
+            <a:lvl1pPr marL="0" indent="0" algn="l">
+              <a:buNone/>
+              <a:defRPr sz="1600" cap="all">
+                <a:solidFill>
+                  <a:schemeClr val="accent1"/>
+                </a:solidFill>
+              </a:defRPr>
+            </a:lvl1pPr>
+            <a:lvl2pPr marL="457200" indent="0" algn="ctr">
+              <a:buNone/>
+              <a:defRPr>
+                <a:solidFill>
+                  <a:schemeClr val="tx1">
+                    <a:tint val="75000"/>
+                  </a:schemeClr>
+                </a:solidFill>
+              </a:defRPr>
+            </a:lvl2pPr>
+            <a:lvl3pPr marL="914400" indent="0" algn="ctr">
+              <a:buNone/>
+              <a:defRPr>
+                <a:solidFill>
+                  <a:schemeClr val="tx1">
+                    <a:tint val="75000"/>
+                  </a:schemeClr>
+                </a:solidFill>
+              </a:defRPr>
+            </a:lvl3pPr>
+            <a:lvl4pPr marL="1371600" indent="0" algn="ctr">
+              <a:buNone/>
+              <a:defRPr>
+                <a:solidFill>
+                  <a:schemeClr val="tx1">
+                    <a:tint val="75000"/>
+                  </a:schemeClr>
+                </a:solidFill>
+              </a:defRPr>
+            </a:lvl4pPr>
+            <a:lvl5pPr marL="1828800" indent="0" algn="ctr">
+              <a:buNone/>
+              <a:defRPr>
+                <a:solidFill>
+                  <a:schemeClr val="tx1">
+                    <a:tint val="75000"/>
+                  </a:schemeClr>
+                </a:solidFill>
+              </a:defRPr>
+            </a:lvl5pPr>
+            <a:lvl6pPr marL="2286000" indent="0" algn="ctr">
+              <a:buNone/>
+              <a:defRPr>
+                <a:solidFill>
+                  <a:schemeClr val="tx1">
+                    <a:tint val="75000"/>
+                  </a:schemeClr>
+                </a:solidFill>
+              </a:defRPr>
+            </a:lvl6pPr>
+            <a:lvl7pPr marL="2743200" indent="0" algn="ctr">
+              <a:buNone/>
+              <a:defRPr>
+                <a:solidFill>
+                  <a:schemeClr val="tx1">
+                    <a:tint val="75000"/>
+                  </a:schemeClr>
+                </a:solidFill>
+              </a:defRPr>
+            </a:lvl7pPr>
+            <a:lvl8pPr marL="3200400" indent="0" algn="ctr">
+              <a:buNone/>
+              <a:defRPr>
+                <a:solidFill>
+                  <a:schemeClr val="tx1">
+                    <a:tint val="75000"/>
+                  </a:schemeClr>
+                </a:solidFill>
+              </a:defRPr>
+            </a:lvl8pPr>
+            <a:lvl9pPr marL="3657600" indent="0" algn="ctr">
+              <a:buNone/>
+              <a:defRPr>
+                <a:solidFill>
+                  <a:schemeClr val="tx1">
+                    <a:tint val="75000"/>
+                  </a:schemeClr>
+                </a:solidFill>
+              </a:defRPr>
+            </a:lvl9pPr>
+          </a:lstStyle>
+          <a:p>
+            <a:r>
+              <a:rPr lang="en-US"/>
+              <a:t>Click to edit Master subtitle style</a:t>
+            </a:r>
+          </a:p>
+        </p:txBody>
+      </p:sp>
+      <p:sp>
+        <p:nvSpPr>
+          <p:cNvPr id="8" name="Date Placeholder 7">
+            <a:extLst>
+              <a:ext uri="{FF2B5EF4-FFF2-40B4-BE49-F238E27FC236}">
+                <a16:creationId xmlns:a16="http://schemas.microsoft.com/office/drawing/2014/main" id="{7FA0ACE7-29A8-47D3-A7D9-257B711D8023}"/>
+              </a:ext>
+            </a:extLst>
+          </p:cNvPr>
+          <p:cNvSpPr>
+            <a:spLocks noGrp="1"/>
+          </p:cNvSpPr>
+          <p:nvPr>
+            <p:ph type="dt" sz="half" idx="10"/>
+          </p:nvPr>
+        </p:nvSpPr>
+        <p:spPr/>
+        <p:txBody>
+          <a:bodyPr/>
+          <a:lstStyle/>
+          <a:p>
+            <a:fld id="{48A87A34-81AB-432B-8DAE-1953F412C126}" type="datetimeFigureOut">
+              <a:rPr lang="en-US" smtClean="0"/>
+              <a:t>7/22/2025</a:t>
+            </a:fld>
+            <a:endParaRPr lang="en-US" dirty="0"/>
+          </a:p>
+        </p:txBody>
+      </p:sp>
+      <p:sp>
+        <p:nvSpPr>
+          <p:cNvPr id="9" name="Footer Placeholder 8">
+            <a:extLst>
+              <a:ext uri="{FF2B5EF4-FFF2-40B4-BE49-F238E27FC236}">
+                <a16:creationId xmlns:a16="http://schemas.microsoft.com/office/drawing/2014/main" id="{DEC604B9-52E9-4810-8359-47206518D038}"/>
+              </a:ext>
+            </a:extLst>
+          </p:cNvPr>
+          <p:cNvSpPr>
+            <a:spLocks noGrp="1"/>
+          </p:cNvSpPr>
+          <p:nvPr>
+            <p:ph type="ftr" sz="quarter" idx="11"/>
+          </p:nvPr>
+        </p:nvSpPr>
+        <p:spPr>
+          <a:xfrm>
+            <a:off x="581192" y="6423914"/>
+            <a:ext cx="6917210" cy="365125"/>
+          </a:xfrm>
+          <a:prstGeom prst="rect">
+            <a:avLst/>
+          </a:prstGeom>
+        </p:spPr>
+        <p:txBody>
+          <a:bodyPr/>
+          <a:lstStyle/>
+          <a:p>
+            <a:endParaRPr lang="en-US" dirty="0"/>
+          </a:p>
+        </p:txBody>
+      </p:sp>
+      <p:sp>
+        <p:nvSpPr>
+          <p:cNvPr id="10" name="Slide Number Placeholder 9">
+            <a:extLst>
+              <a:ext uri="{FF2B5EF4-FFF2-40B4-BE49-F238E27FC236}">
+                <a16:creationId xmlns:a16="http://schemas.microsoft.com/office/drawing/2014/main" id="{5898A89F-CA25-400F-B05A-AECBF2517E4F}"/>
+              </a:ext>
+            </a:extLst>
+          </p:cNvPr>
+          <p:cNvSpPr>
+            <a:spLocks noGrp="1"/>
+          </p:cNvSpPr>
+          <p:nvPr>
+            <p:ph type="sldNum" sz="quarter" idx="12"/>
+          </p:nvPr>
+        </p:nvSpPr>
+        <p:spPr/>
+        <p:txBody>
+          <a:bodyPr/>
+          <a:lstStyle/>
+          <a:p>
+            <a:fld id="{6D22F896-40B5-4ADD-8801-0D06FADFA095}" type="slidenum">
+              <a:rPr lang="en-US" smtClean="0"/>
+              <a:t>‹#›</a:t>
+            </a:fld>
+            <a:endParaRPr lang="en-US" dirty="0"/>
+          </a:p>
+        </p:txBody>
+      </p:sp>
     </p:spTree>
+    <p:extLst>
+      <p:ext uri="{BB962C8B-B14F-4D97-AF65-F5344CB8AC3E}">
+        <p14:creationId xmlns:p14="http://schemas.microsoft.com/office/powerpoint/2010/main" val="2681365351"/>
+      </p:ext>
+    </p:extLst>
   </p:cSld>
   <p:clrMapOvr>
     <a:masterClrMapping/>
@@ -366,7 +479,7 @@
       </p:grpSpPr>
       <p:sp>
         <p:nvSpPr>
-          <p:cNvPr id="2" name="Title 1"/>
+          <p:cNvPr id="9" name="Title 1"/>
           <p:cNvSpPr>
             <a:spLocks noGrp="1"/>
           </p:cNvSpPr>
@@ -374,7 +487,12 @@
             <p:ph type="title"/>
           </p:nvPr>
         </p:nvSpPr>
-        <p:spPr/>
+        <p:spPr>
+          <a:xfrm>
+            <a:off x="581192" y="702156"/>
+            <a:ext cx="11029616" cy="1013800"/>
+          </a:xfrm>
+        </p:spPr>
         <p:txBody>
           <a:bodyPr/>
           <a:lstStyle/>
@@ -383,7 +501,6 @@
               <a:rPr lang="en-US"/>
               <a:t>Click to edit Master title style</a:t>
             </a:r>
-            <a:endParaRPr lang="en-US" dirty="0"/>
           </a:p>
         </p:txBody>
       </p:sp>
@@ -399,8 +516,24 @@
         </p:nvSpPr>
         <p:spPr/>
         <p:txBody>
-          <a:bodyPr vert="eaVert"/>
-          <a:lstStyle/>
+          <a:bodyPr vert="eaVert" anchor="t"/>
+          <a:lstStyle>
+            <a:lvl1pPr algn="l">
+              <a:defRPr/>
+            </a:lvl1pPr>
+            <a:lvl2pPr algn="l">
+              <a:defRPr/>
+            </a:lvl2pPr>
+            <a:lvl3pPr algn="l">
+              <a:defRPr/>
+            </a:lvl3pPr>
+            <a:lvl4pPr algn="l">
+              <a:defRPr/>
+            </a:lvl4pPr>
+            <a:lvl5pPr algn="l">
+              <a:defRPr/>
+            </a:lvl5pPr>
+          </a:lstStyle>
           <a:p>
             <a:pPr lvl="0"/>
             <a:r>
@@ -435,7 +568,6 @@
               <a:rPr lang="en-US"/>
               <a:t>Fifth level</a:t>
             </a:r>
-            <a:endParaRPr lang="en-US" dirty="0"/>
           </a:p>
         </p:txBody>
       </p:sp>
@@ -455,8 +587,8 @@
           <a:lstStyle/>
           <a:p>
             <a:fld id="{48A87A34-81AB-432B-8DAE-1953F412C126}" type="datetimeFigureOut">
-              <a:rPr lang="en-US" dirty="0"/>
-              <a:t>7/17/2025</a:t>
+              <a:rPr lang="en-US" smtClean="0"/>
+              <a:t>7/22/2025</a:t>
             </a:fld>
             <a:endParaRPr lang="en-US" dirty="0"/>
           </a:p>
@@ -472,70 +604,52 @@
             <p:ph type="ftr" sz="quarter" idx="11"/>
           </p:nvPr>
         </p:nvSpPr>
+        <p:spPr>
+          <a:xfrm>
+            <a:off x="581192" y="6423914"/>
+            <a:ext cx="6917210" cy="365125"/>
+          </a:xfrm>
+          <a:prstGeom prst="rect">
+            <a:avLst/>
+          </a:prstGeom>
+        </p:spPr>
+        <p:txBody>
+          <a:bodyPr/>
+          <a:lstStyle/>
+          <a:p>
+            <a:endParaRPr lang="en-US" dirty="0"/>
+          </a:p>
+        </p:txBody>
+      </p:sp>
+      <p:sp>
+        <p:nvSpPr>
+          <p:cNvPr id="6" name="Slide Number Placeholder 5"/>
+          <p:cNvSpPr>
+            <a:spLocks noGrp="1"/>
+          </p:cNvSpPr>
+          <p:nvPr>
+            <p:ph type="sldNum" sz="quarter" idx="12"/>
+          </p:nvPr>
+        </p:nvSpPr>
         <p:spPr/>
         <p:txBody>
           <a:bodyPr/>
           <a:lstStyle/>
           <a:p>
-            <a:endParaRPr lang="en-US" dirty="0"/>
-          </a:p>
-        </p:txBody>
-      </p:sp>
-      <p:sp>
-        <p:nvSpPr>
-          <p:cNvPr id="6" name="Slide Number Placeholder 5"/>
-          <p:cNvSpPr>
-            <a:spLocks noGrp="1"/>
-          </p:cNvSpPr>
-          <p:nvPr>
-            <p:ph type="sldNum" sz="quarter" idx="12"/>
-          </p:nvPr>
-        </p:nvSpPr>
-        <p:spPr/>
-        <p:txBody>
-          <a:bodyPr/>
-          <a:lstStyle/>
-          <a:p>
             <a:fld id="{6D22F896-40B5-4ADD-8801-0D06FADFA095}" type="slidenum">
-              <a:rPr lang="en-US" dirty="0"/>
+              <a:rPr lang="en-US" smtClean="0"/>
               <a:t>‹#›</a:t>
             </a:fld>
             <a:endParaRPr lang="en-US" dirty="0"/>
           </a:p>
         </p:txBody>
       </p:sp>
-      <p:cxnSp>
-        <p:nvCxnSpPr>
-          <p:cNvPr id="26" name="Straight Connector 25"/>
-          <p:cNvCxnSpPr/>
-          <p:nvPr/>
-        </p:nvCxnSpPr>
-        <p:spPr>
-          <a:xfrm>
-            <a:off x="1453896" y="1847088"/>
-            <a:ext cx="9607522" cy="0"/>
-          </a:xfrm>
-          <a:prstGeom prst="line">
-            <a:avLst/>
-          </a:prstGeom>
-          <a:ln w="31750"/>
-        </p:spPr>
-        <p:style>
-          <a:lnRef idx="3">
-            <a:schemeClr val="accent1"/>
-          </a:lnRef>
-          <a:fillRef idx="0">
-            <a:schemeClr val="accent1"/>
-          </a:fillRef>
-          <a:effectRef idx="2">
-            <a:schemeClr val="accent1"/>
-          </a:effectRef>
-          <a:fontRef idx="minor">
-            <a:schemeClr val="tx1"/>
-          </a:fontRef>
-        </p:style>
-      </p:cxnSp>
     </p:spTree>
+    <p:extLst>
+      <p:ext uri="{BB962C8B-B14F-4D97-AF65-F5344CB8AC3E}">
+        <p14:creationId xmlns:p14="http://schemas.microsoft.com/office/powerpoint/2010/main" val="2425451754"/>
+      </p:ext>
+    </p:extLst>
   </p:cSld>
   <p:clrMapOvr>
     <a:masterClrMapping/>
@@ -544,7 +658,7 @@
 </file>
 
 <file path=ppt/slideLayouts/slideLayout11.xml><?xml version="1.0" encoding="utf-8"?>
-<p:sldLayout xmlns:a="http://schemas.openxmlformats.org/drawingml/2006/main" xmlns:r="http://schemas.openxmlformats.org/officeDocument/2006/relationships" xmlns:p="http://schemas.openxmlformats.org/presentationml/2006/main" type="vertTitleAndTx" preserve="1">
+<p:sldLayout xmlns:a="http://schemas.openxmlformats.org/drawingml/2006/main" xmlns:r="http://schemas.openxmlformats.org/officeDocument/2006/relationships" xmlns:p="http://schemas.openxmlformats.org/presentationml/2006/main" showMasterSp="0" type="vertTitleAndTx" preserve="1">
   <p:cSld name="Vertical Title and Text">
     <p:spTree>
       <p:nvGrpSpPr>
@@ -562,190 +676,360 @@
       </p:grpSpPr>
       <p:sp>
         <p:nvSpPr>
-          <p:cNvPr id="2" name="Vertical Title 1"/>
-          <p:cNvSpPr>
-            <a:spLocks noGrp="1"/>
-          </p:cNvSpPr>
-          <p:nvPr>
-            <p:ph type="title" orient="vert"/>
-          </p:nvPr>
-        </p:nvSpPr>
-        <p:spPr>
-          <a:xfrm>
-            <a:off x="9439111" y="798973"/>
-            <a:ext cx="1615742" cy="4659889"/>
-          </a:xfrm>
-        </p:spPr>
-        <p:txBody>
-          <a:bodyPr vert="eaVert"/>
-          <a:lstStyle>
-            <a:lvl1pPr algn="l">
-              <a:defRPr/>
-            </a:lvl1pPr>
-          </a:lstStyle>
-          <a:p>
-            <a:r>
-              <a:rPr lang="en-US"/>
-              <a:t>Click to edit Master title style</a:t>
-            </a:r>
-            <a:endParaRPr lang="en-US" dirty="0"/>
-          </a:p>
-        </p:txBody>
-      </p:sp>
-      <p:sp>
-        <p:nvSpPr>
-          <p:cNvPr id="3" name="Vertical Text Placeholder 2"/>
-          <p:cNvSpPr>
-            <a:spLocks noGrp="1"/>
-          </p:cNvSpPr>
-          <p:nvPr>
-            <p:ph type="body" orient="vert" idx="1"/>
-          </p:nvPr>
-        </p:nvSpPr>
-        <p:spPr>
-          <a:xfrm>
-            <a:off x="1444672" y="798973"/>
-            <a:ext cx="7828830" cy="4659889"/>
-          </a:xfrm>
-        </p:spPr>
-        <p:txBody>
-          <a:bodyPr vert="eaVert"/>
-          <a:lstStyle/>
-          <a:p>
-            <a:pPr lvl="0"/>
-            <a:r>
-              <a:rPr lang="en-US"/>
-              <a:t>Click to edit Master text styles</a:t>
-            </a:r>
-          </a:p>
-          <a:p>
-            <a:pPr lvl="1"/>
-            <a:r>
-              <a:rPr lang="en-US"/>
-              <a:t>Second level</a:t>
-            </a:r>
-          </a:p>
-          <a:p>
-            <a:pPr lvl="2"/>
-            <a:r>
-              <a:rPr lang="en-US"/>
-              <a:t>Third level</a:t>
-            </a:r>
-          </a:p>
-          <a:p>
-            <a:pPr lvl="3"/>
-            <a:r>
-              <a:rPr lang="en-US"/>
-              <a:t>Fourth level</a:t>
-            </a:r>
-          </a:p>
-          <a:p>
-            <a:pPr lvl="4"/>
-            <a:r>
-              <a:rPr lang="en-US"/>
-              <a:t>Fifth level</a:t>
-            </a:r>
-            <a:endParaRPr lang="en-US" dirty="0"/>
-          </a:p>
-        </p:txBody>
-      </p:sp>
-      <p:sp>
-        <p:nvSpPr>
-          <p:cNvPr id="4" name="Date Placeholder 3"/>
-          <p:cNvSpPr>
-            <a:spLocks noGrp="1"/>
-          </p:cNvSpPr>
-          <p:nvPr>
-            <p:ph type="dt" sz="half" idx="10"/>
-          </p:nvPr>
-        </p:nvSpPr>
-        <p:spPr/>
-        <p:txBody>
-          <a:bodyPr/>
-          <a:lstStyle/>
-          <a:p>
-            <a:fld id="{48A87A34-81AB-432B-8DAE-1953F412C126}" type="datetimeFigureOut">
-              <a:rPr lang="en-US" dirty="0"/>
-              <a:t>7/17/2025</a:t>
-            </a:fld>
-            <a:endParaRPr lang="en-US" dirty="0"/>
-          </a:p>
-        </p:txBody>
-      </p:sp>
-      <p:sp>
-        <p:nvSpPr>
-          <p:cNvPr id="5" name="Footer Placeholder 4"/>
-          <p:cNvSpPr>
-            <a:spLocks noGrp="1"/>
-          </p:cNvSpPr>
-          <p:nvPr>
-            <p:ph type="ftr" sz="quarter" idx="11"/>
-          </p:nvPr>
-        </p:nvSpPr>
-        <p:spPr/>
-        <p:txBody>
-          <a:bodyPr/>
-          <a:lstStyle/>
-          <a:p>
-            <a:endParaRPr lang="en-US" dirty="0"/>
-          </a:p>
-        </p:txBody>
-      </p:sp>
-      <p:sp>
-        <p:nvSpPr>
-          <p:cNvPr id="6" name="Slide Number Placeholder 5"/>
-          <p:cNvSpPr>
-            <a:spLocks noGrp="1"/>
-          </p:cNvSpPr>
-          <p:nvPr>
-            <p:ph type="sldNum" sz="quarter" idx="12"/>
-          </p:nvPr>
-        </p:nvSpPr>
-        <p:spPr/>
-        <p:txBody>
-          <a:bodyPr/>
-          <a:lstStyle/>
-          <a:p>
-            <a:fld id="{6D22F896-40B5-4ADD-8801-0D06FADFA095}" type="slidenum">
-              <a:rPr lang="en-US" dirty="0"/>
-              <a:t>‹#›</a:t>
-            </a:fld>
-            <a:endParaRPr lang="en-US" dirty="0"/>
-          </a:p>
-        </p:txBody>
-      </p:sp>
-      <p:cxnSp>
-        <p:nvCxnSpPr>
-          <p:cNvPr id="15" name="Straight Connector 14"/>
-          <p:cNvCxnSpPr/>
+          <p:cNvPr id="7" name="Rectangle 6"/>
+          <p:cNvSpPr>
+            <a:spLocks noChangeAspect="1"/>
+          </p:cNvSpPr>
           <p:nvPr/>
-        </p:nvCxnSpPr>
-        <p:spPr>
-          <a:xfrm>
-            <a:off x="9439111" y="798973"/>
-            <a:ext cx="0" cy="4659889"/>
-          </a:xfrm>
-          <a:prstGeom prst="line">
+        </p:nvSpPr>
+        <p:spPr>
+          <a:xfrm>
+            <a:off x="8058151" y="599725"/>
+            <a:ext cx="3687316" cy="5816950"/>
+          </a:xfrm>
+          <a:prstGeom prst="rect">
             <a:avLst/>
           </a:prstGeom>
-          <a:ln w="31750"/>
+          <a:solidFill>
+            <a:srgbClr val="465359"/>
+          </a:solidFill>
+          <a:ln>
+            <a:noFill/>
+          </a:ln>
+          <a:effectLst/>
         </p:spPr>
         <p:style>
-          <a:lnRef idx="3">
+          <a:lnRef idx="1">
             <a:schemeClr val="accent1"/>
           </a:lnRef>
-          <a:fillRef idx="0">
+          <a:fillRef idx="3">
             <a:schemeClr val="accent1"/>
           </a:fillRef>
           <a:effectRef idx="2">
             <a:schemeClr val="accent1"/>
           </a:effectRef>
           <a:fontRef idx="minor">
-            <a:schemeClr val="tx1"/>
+            <a:schemeClr val="lt1"/>
           </a:fontRef>
         </p:style>
-      </p:cxnSp>
+      </p:sp>
+      <p:sp>
+        <p:nvSpPr>
+          <p:cNvPr id="2" name="Vertical Title 1"/>
+          <p:cNvSpPr>
+            <a:spLocks noGrp="1"/>
+          </p:cNvSpPr>
+          <p:nvPr>
+            <p:ph type="title" orient="vert"/>
+          </p:nvPr>
+        </p:nvSpPr>
+        <p:spPr>
+          <a:xfrm>
+            <a:off x="8204200" y="863600"/>
+            <a:ext cx="3124200" cy="4807326"/>
+          </a:xfrm>
+        </p:spPr>
+        <p:txBody>
+          <a:bodyPr vert="eaVert" anchor="ctr"/>
+          <a:lstStyle>
+            <a:lvl1pPr>
+              <a:defRPr>
+                <a:solidFill>
+                  <a:srgbClr val="FFFFFF"/>
+                </a:solidFill>
+              </a:defRPr>
+            </a:lvl1pPr>
+          </a:lstStyle>
+          <a:p>
+            <a:r>
+              <a:rPr lang="en-US"/>
+              <a:t>Click to edit Master title style</a:t>
+            </a:r>
+          </a:p>
+        </p:txBody>
+      </p:sp>
+      <p:sp>
+        <p:nvSpPr>
+          <p:cNvPr id="3" name="Vertical Text Placeholder 2"/>
+          <p:cNvSpPr>
+            <a:spLocks noGrp="1"/>
+          </p:cNvSpPr>
+          <p:nvPr>
+            <p:ph type="body" orient="vert" idx="1"/>
+          </p:nvPr>
+        </p:nvSpPr>
+        <p:spPr>
+          <a:xfrm>
+            <a:off x="774923" y="863600"/>
+            <a:ext cx="7161625" cy="4807326"/>
+          </a:xfrm>
+        </p:spPr>
+        <p:txBody>
+          <a:bodyPr vert="eaVert" anchor="t"/>
+          <a:lstStyle/>
+          <a:p>
+            <a:pPr lvl="0"/>
+            <a:r>
+              <a:rPr lang="en-US"/>
+              <a:t>Click to edit Master text styles</a:t>
+            </a:r>
+          </a:p>
+          <a:p>
+            <a:pPr lvl="1"/>
+            <a:r>
+              <a:rPr lang="en-US"/>
+              <a:t>Second level</a:t>
+            </a:r>
+          </a:p>
+          <a:p>
+            <a:pPr lvl="2"/>
+            <a:r>
+              <a:rPr lang="en-US"/>
+              <a:t>Third level</a:t>
+            </a:r>
+          </a:p>
+          <a:p>
+            <a:pPr lvl="3"/>
+            <a:r>
+              <a:rPr lang="en-US"/>
+              <a:t>Fourth level</a:t>
+            </a:r>
+          </a:p>
+          <a:p>
+            <a:pPr lvl="4"/>
+            <a:r>
+              <a:rPr lang="en-US"/>
+              <a:t>Fifth level</a:t>
+            </a:r>
+          </a:p>
+        </p:txBody>
+      </p:sp>
+      <p:sp>
+        <p:nvSpPr>
+          <p:cNvPr id="8" name="Rectangle 7">
+            <a:extLst>
+              <a:ext uri="{FF2B5EF4-FFF2-40B4-BE49-F238E27FC236}">
+                <a16:creationId xmlns:a16="http://schemas.microsoft.com/office/drawing/2014/main" id="{F6423B97-A5D4-47B9-8861-73B3707A04CF}"/>
+              </a:ext>
+            </a:extLst>
+          </p:cNvPr>
+          <p:cNvSpPr/>
+          <p:nvPr/>
+        </p:nvSpPr>
+        <p:spPr>
+          <a:xfrm>
+            <a:off x="446534" y="457200"/>
+            <a:ext cx="3703320" cy="94997"/>
+          </a:xfrm>
+          <a:prstGeom prst="rect">
+            <a:avLst/>
+          </a:prstGeom>
+          <a:solidFill>
+            <a:srgbClr val="969FA7"/>
+          </a:solidFill>
+          <a:ln>
+            <a:noFill/>
+          </a:ln>
+          <a:effectLst/>
+        </p:spPr>
+        <p:style>
+          <a:lnRef idx="1">
+            <a:schemeClr val="accent1"/>
+          </a:lnRef>
+          <a:fillRef idx="3">
+            <a:schemeClr val="accent1"/>
+          </a:fillRef>
+          <a:effectRef idx="2">
+            <a:schemeClr val="accent1"/>
+          </a:effectRef>
+          <a:fontRef idx="minor">
+            <a:schemeClr val="lt1"/>
+          </a:fontRef>
+        </p:style>
+      </p:sp>
+      <p:sp>
+        <p:nvSpPr>
+          <p:cNvPr id="9" name="Rectangle 8">
+            <a:extLst>
+              <a:ext uri="{FF2B5EF4-FFF2-40B4-BE49-F238E27FC236}">
+                <a16:creationId xmlns:a16="http://schemas.microsoft.com/office/drawing/2014/main" id="{1AEC0421-37B4-4481-A10D-69FDF5EC7909}"/>
+              </a:ext>
+            </a:extLst>
+          </p:cNvPr>
+          <p:cNvSpPr/>
+          <p:nvPr/>
+        </p:nvSpPr>
+        <p:spPr>
+          <a:xfrm>
+            <a:off x="8042147" y="453643"/>
+            <a:ext cx="3703320" cy="98554"/>
+          </a:xfrm>
+          <a:prstGeom prst="rect">
+            <a:avLst/>
+          </a:prstGeom>
+          <a:solidFill>
+            <a:srgbClr val="465359"/>
+          </a:solidFill>
+          <a:ln>
+            <a:noFill/>
+          </a:ln>
+          <a:effectLst/>
+        </p:spPr>
+        <p:style>
+          <a:lnRef idx="1">
+            <a:schemeClr val="accent1"/>
+          </a:lnRef>
+          <a:fillRef idx="3">
+            <a:schemeClr val="accent1"/>
+          </a:fillRef>
+          <a:effectRef idx="2">
+            <a:schemeClr val="accent1"/>
+          </a:effectRef>
+          <a:fontRef idx="minor">
+            <a:schemeClr val="lt1"/>
+          </a:fontRef>
+        </p:style>
+      </p:sp>
+      <p:sp>
+        <p:nvSpPr>
+          <p:cNvPr id="10" name="Rectangle 9">
+            <a:extLst>
+              <a:ext uri="{FF2B5EF4-FFF2-40B4-BE49-F238E27FC236}">
+                <a16:creationId xmlns:a16="http://schemas.microsoft.com/office/drawing/2014/main" id="{5F7265B5-9F97-4F1E-99E9-74F7B7E62337}"/>
+              </a:ext>
+            </a:extLst>
+          </p:cNvPr>
+          <p:cNvSpPr/>
+          <p:nvPr/>
+        </p:nvSpPr>
+        <p:spPr>
+          <a:xfrm>
+            <a:off x="4241830" y="457200"/>
+            <a:ext cx="3703320" cy="91440"/>
+          </a:xfrm>
+          <a:prstGeom prst="rect">
+            <a:avLst/>
+          </a:prstGeom>
+          <a:solidFill>
+            <a:schemeClr val="accent1"/>
+          </a:solidFill>
+          <a:ln>
+            <a:noFill/>
+          </a:ln>
+          <a:effectLst/>
+        </p:spPr>
+        <p:style>
+          <a:lnRef idx="1">
+            <a:schemeClr val="accent1"/>
+          </a:lnRef>
+          <a:fillRef idx="3">
+            <a:schemeClr val="accent1"/>
+          </a:fillRef>
+          <a:effectRef idx="2">
+            <a:schemeClr val="accent1"/>
+          </a:effectRef>
+          <a:fontRef idx="minor">
+            <a:schemeClr val="lt1"/>
+          </a:fontRef>
+        </p:style>
+      </p:sp>
+      <p:sp>
+        <p:nvSpPr>
+          <p:cNvPr id="11" name="Date Placeholder 10">
+            <a:extLst>
+              <a:ext uri="{FF2B5EF4-FFF2-40B4-BE49-F238E27FC236}">
+                <a16:creationId xmlns:a16="http://schemas.microsoft.com/office/drawing/2014/main" id="{5C74A470-3BD3-4F33-80E5-67E6E87FCBE7}"/>
+              </a:ext>
+            </a:extLst>
+          </p:cNvPr>
+          <p:cNvSpPr>
+            <a:spLocks noGrp="1"/>
+          </p:cNvSpPr>
+          <p:nvPr>
+            <p:ph type="dt" sz="half" idx="10"/>
+          </p:nvPr>
+        </p:nvSpPr>
+        <p:spPr/>
+        <p:txBody>
+          <a:bodyPr/>
+          <a:lstStyle/>
+          <a:p>
+            <a:fld id="{48A87A34-81AB-432B-8DAE-1953F412C126}" type="datetimeFigureOut">
+              <a:rPr lang="en-US" smtClean="0"/>
+              <a:t>7/22/2025</a:t>
+            </a:fld>
+            <a:endParaRPr lang="en-US" dirty="0"/>
+          </a:p>
+        </p:txBody>
+      </p:sp>
+      <p:sp>
+        <p:nvSpPr>
+          <p:cNvPr id="12" name="Footer Placeholder 11">
+            <a:extLst>
+              <a:ext uri="{FF2B5EF4-FFF2-40B4-BE49-F238E27FC236}">
+                <a16:creationId xmlns:a16="http://schemas.microsoft.com/office/drawing/2014/main" id="{9A3A30BA-DB50-4D7D-BCDE-17D20FB354DF}"/>
+              </a:ext>
+            </a:extLst>
+          </p:cNvPr>
+          <p:cNvSpPr>
+            <a:spLocks noGrp="1"/>
+          </p:cNvSpPr>
+          <p:nvPr>
+            <p:ph type="ftr" sz="quarter" idx="11"/>
+          </p:nvPr>
+        </p:nvSpPr>
+        <p:spPr>
+          <a:xfrm>
+            <a:off x="581192" y="6423914"/>
+            <a:ext cx="6917210" cy="365125"/>
+          </a:xfrm>
+          <a:prstGeom prst="rect">
+            <a:avLst/>
+          </a:prstGeom>
+        </p:spPr>
+        <p:txBody>
+          <a:bodyPr/>
+          <a:lstStyle/>
+          <a:p>
+            <a:endParaRPr lang="en-US" dirty="0"/>
+          </a:p>
+        </p:txBody>
+      </p:sp>
+      <p:sp>
+        <p:nvSpPr>
+          <p:cNvPr id="13" name="Slide Number Placeholder 12">
+            <a:extLst>
+              <a:ext uri="{FF2B5EF4-FFF2-40B4-BE49-F238E27FC236}">
+                <a16:creationId xmlns:a16="http://schemas.microsoft.com/office/drawing/2014/main" id="{76FF9E58-C0B2-436B-A21C-DB45A00D6515}"/>
+              </a:ext>
+            </a:extLst>
+          </p:cNvPr>
+          <p:cNvSpPr>
+            <a:spLocks noGrp="1"/>
+          </p:cNvSpPr>
+          <p:nvPr>
+            <p:ph type="sldNum" sz="quarter" idx="12"/>
+          </p:nvPr>
+        </p:nvSpPr>
+        <p:spPr/>
+        <p:txBody>
+          <a:bodyPr/>
+          <a:lstStyle/>
+          <a:p>
+            <a:fld id="{6D22F896-40B5-4ADD-8801-0D06FADFA095}" type="slidenum">
+              <a:rPr lang="en-US" smtClean="0"/>
+              <a:t>‹#›</a:t>
+            </a:fld>
+            <a:endParaRPr lang="en-US" dirty="0"/>
+          </a:p>
+        </p:txBody>
+      </p:sp>
     </p:spTree>
+    <p:extLst>
+      <p:ext uri="{BB962C8B-B14F-4D97-AF65-F5344CB8AC3E}">
+        <p14:creationId xmlns:p14="http://schemas.microsoft.com/office/powerpoint/2010/main" val="1646957070"/>
+      </p:ext>
+    </p:extLst>
   </p:cSld>
   <p:clrMapOvr>
     <a:masterClrMapping/>
@@ -780,7 +1064,12 @@
             <p:ph type="title"/>
           </p:nvPr>
         </p:nvSpPr>
-        <p:spPr/>
+        <p:spPr>
+          <a:xfrm>
+            <a:off x="581192" y="702156"/>
+            <a:ext cx="11029616" cy="530296"/>
+          </a:xfrm>
+        </p:spPr>
         <p:txBody>
           <a:bodyPr/>
           <a:lstStyle/>
@@ -789,7 +1078,6 @@
               <a:rPr lang="en-US"/>
               <a:t>Click to edit Master title style</a:t>
             </a:r>
-            <a:endParaRPr lang="en-US" dirty="0"/>
           </a:p>
         </p:txBody>
       </p:sp>
@@ -803,9 +1091,14 @@
             <p:ph idx="1"/>
           </p:nvPr>
         </p:nvSpPr>
-        <p:spPr/>
-        <p:txBody>
-          <a:bodyPr anchor="t"/>
+        <p:spPr>
+          <a:xfrm>
+            <a:off x="581192" y="1302026"/>
+            <a:ext cx="11029615" cy="4673324"/>
+          </a:xfrm>
+        </p:spPr>
+        <p:txBody>
+          <a:bodyPr/>
           <a:lstStyle/>
           <a:p>
             <a:pPr lvl="0"/>
@@ -841,13 +1134,18 @@
               <a:rPr lang="en-US"/>
               <a:t>Fifth level</a:t>
             </a:r>
-            <a:endParaRPr lang="en-US" dirty="0"/>
-          </a:p>
-        </p:txBody>
-      </p:sp>
-      <p:sp>
-        <p:nvSpPr>
-          <p:cNvPr id="4" name="Date Placeholder 3"/>
+          </a:p>
+        </p:txBody>
+      </p:sp>
+      <p:sp>
+        <p:nvSpPr>
+          <p:cNvPr id="8" name="Date Placeholder 7">
+            <a:extLst>
+              <a:ext uri="{FF2B5EF4-FFF2-40B4-BE49-F238E27FC236}">
+                <a16:creationId xmlns:a16="http://schemas.microsoft.com/office/drawing/2014/main" id="{770E6237-3456-439F-802D-3BA93FC7E3E5}"/>
+              </a:ext>
+            </a:extLst>
+          </p:cNvPr>
           <p:cNvSpPr>
             <a:spLocks noGrp="1"/>
           </p:cNvSpPr>
@@ -861,87 +1159,19 @@
           <a:lstStyle/>
           <a:p>
             <a:fld id="{48A87A34-81AB-432B-8DAE-1953F412C126}" type="datetimeFigureOut">
-              <a:rPr lang="en-US" dirty="0"/>
-              <a:t>7/17/2025</a:t>
+              <a:rPr lang="en-US" smtClean="0"/>
+              <a:t>7/22/2025</a:t>
             </a:fld>
             <a:endParaRPr lang="en-US" dirty="0"/>
           </a:p>
         </p:txBody>
       </p:sp>
-      <p:sp>
-        <p:nvSpPr>
-          <p:cNvPr id="5" name="Footer Placeholder 4"/>
-          <p:cNvSpPr>
-            <a:spLocks noGrp="1"/>
-          </p:cNvSpPr>
-          <p:nvPr>
-            <p:ph type="ftr" sz="quarter" idx="11"/>
-          </p:nvPr>
-        </p:nvSpPr>
-        <p:spPr/>
-        <p:txBody>
-          <a:bodyPr/>
-          <a:lstStyle/>
-          <a:p>
-            <a:endParaRPr lang="en-US" dirty="0"/>
-          </a:p>
-        </p:txBody>
-      </p:sp>
-      <p:sp>
-        <p:nvSpPr>
-          <p:cNvPr id="6" name="Slide Number Placeholder 5"/>
-          <p:cNvSpPr>
-            <a:spLocks noGrp="1"/>
-          </p:cNvSpPr>
-          <p:nvPr>
-            <p:ph type="sldNum" sz="quarter" idx="12"/>
-          </p:nvPr>
-        </p:nvSpPr>
-        <p:spPr/>
-        <p:txBody>
-          <a:bodyPr/>
-          <a:lstStyle/>
-          <a:p>
-            <a:fld id="{6D22F896-40B5-4ADD-8801-0D06FADFA095}" type="slidenum">
-              <a:rPr lang="en-US" dirty="0"/>
-              <a:t>‹#›</a:t>
-            </a:fld>
-            <a:endParaRPr lang="en-US" dirty="0"/>
-          </a:p>
-        </p:txBody>
-      </p:sp>
-      <p:cxnSp>
-        <p:nvCxnSpPr>
-          <p:cNvPr id="33" name="Straight Connector 32"/>
-          <p:cNvCxnSpPr/>
-          <p:nvPr/>
-        </p:nvCxnSpPr>
-        <p:spPr>
-          <a:xfrm>
-            <a:off x="1453896" y="1847088"/>
-            <a:ext cx="9607522" cy="0"/>
-          </a:xfrm>
-          <a:prstGeom prst="line">
-            <a:avLst/>
-          </a:prstGeom>
-          <a:ln w="31750"/>
-        </p:spPr>
-        <p:style>
-          <a:lnRef idx="3">
-            <a:schemeClr val="accent1"/>
-          </a:lnRef>
-          <a:fillRef idx="0">
-            <a:schemeClr val="accent1"/>
-          </a:fillRef>
-          <a:effectRef idx="2">
-            <a:schemeClr val="accent1"/>
-          </a:effectRef>
-          <a:fontRef idx="minor">
-            <a:schemeClr val="tx1"/>
-          </a:fontRef>
-        </p:style>
-      </p:cxnSp>
     </p:spTree>
+    <p:extLst>
+      <p:ext uri="{BB962C8B-B14F-4D97-AF65-F5344CB8AC3E}">
+        <p14:creationId xmlns:p14="http://schemas.microsoft.com/office/powerpoint/2010/main" val="282526092"/>
+      </p:ext>
+    </p:extLst>
   </p:cSld>
   <p:clrMapOvr>
     <a:masterClrMapping/>
@@ -968,6 +1198,45 @@
       </p:grpSpPr>
       <p:sp>
         <p:nvSpPr>
+          <p:cNvPr id="8" name="Rectangle 7"/>
+          <p:cNvSpPr>
+            <a:spLocks noChangeAspect="1"/>
+          </p:cNvSpPr>
+          <p:nvPr/>
+        </p:nvSpPr>
+        <p:spPr>
+          <a:xfrm>
+            <a:off x="447817" y="5141974"/>
+            <a:ext cx="11290860" cy="1258827"/>
+          </a:xfrm>
+          <a:prstGeom prst="rect">
+            <a:avLst/>
+          </a:prstGeom>
+          <a:solidFill>
+            <a:srgbClr val="465359"/>
+          </a:solidFill>
+          <a:ln>
+            <a:noFill/>
+          </a:ln>
+          <a:effectLst/>
+        </p:spPr>
+        <p:style>
+          <a:lnRef idx="1">
+            <a:schemeClr val="accent1"/>
+          </a:lnRef>
+          <a:fillRef idx="3">
+            <a:schemeClr val="accent1"/>
+          </a:fillRef>
+          <a:effectRef idx="2">
+            <a:schemeClr val="accent1"/>
+          </a:effectRef>
+          <a:fontRef idx="minor">
+            <a:schemeClr val="lt1"/>
+          </a:fontRef>
+        </p:style>
+      </p:sp>
+      <p:sp>
+        <p:nvSpPr>
           <p:cNvPr id="2" name="Title 1"/>
           <p:cNvSpPr>
             <a:spLocks noGrp="1"/>
@@ -978,8 +1247,8 @@
         </p:nvSpPr>
         <p:spPr>
           <a:xfrm>
-            <a:off x="1454239" y="1756130"/>
-            <a:ext cx="8643154" cy="1887950"/>
+            <a:off x="581193" y="2393950"/>
+            <a:ext cx="11029615" cy="2147467"/>
           </a:xfrm>
         </p:spPr>
         <p:txBody>
@@ -988,7 +1257,14 @@
           </a:bodyPr>
           <a:lstStyle>
             <a:lvl1pPr algn="l">
-              <a:defRPr sz="3600"/>
+              <a:defRPr sz="3600" b="0" cap="all">
+                <a:solidFill>
+                  <a:schemeClr val="tx1">
+                    <a:lumMod val="75000"/>
+                    <a:lumOff val="25000"/>
+                  </a:schemeClr>
+                </a:solidFill>
+              </a:defRPr>
             </a:lvl1pPr>
           </a:lstStyle>
           <a:p>
@@ -996,7 +1272,6 @@
               <a:rPr lang="en-US"/>
               <a:t>Click to edit Master title style</a:t>
             </a:r>
-            <a:endParaRPr lang="en-US" dirty="0"/>
           </a:p>
         </p:txBody>
       </p:sp>
@@ -1012,20 +1287,20 @@
         </p:nvSpPr>
         <p:spPr>
           <a:xfrm>
-            <a:off x="1454239" y="3806195"/>
-            <a:ext cx="8630446" cy="1012929"/>
-          </a:xfrm>
-        </p:spPr>
-        <p:txBody>
-          <a:bodyPr tIns="91440">
+            <a:off x="581192" y="4541417"/>
+            <a:ext cx="11029615" cy="600556"/>
+          </a:xfrm>
+        </p:spPr>
+        <p:txBody>
+          <a:bodyPr anchor="t">
             <a:normAutofit/>
           </a:bodyPr>
           <a:lstStyle>
             <a:lvl1pPr marL="0" indent="0" algn="l">
               <a:buNone/>
-              <a:defRPr sz="1800">
+              <a:defRPr sz="1800" cap="all">
                 <a:solidFill>
-                  <a:schemeClr val="tx1"/>
+                  <a:schemeClr val="accent1"/>
                 </a:solidFill>
               </a:defRPr>
             </a:lvl1pPr>
@@ -1041,7 +1316,7 @@
             </a:lvl2pPr>
             <a:lvl3pPr marL="914400" indent="0">
               <a:buNone/>
-              <a:defRPr sz="1800">
+              <a:defRPr sz="1600">
                 <a:solidFill>
                   <a:schemeClr val="tx1">
                     <a:tint val="75000"/>
@@ -1051,7 +1326,7 @@
             </a:lvl3pPr>
             <a:lvl4pPr marL="1371600" indent="0">
               <a:buNone/>
-              <a:defRPr sz="1600">
+              <a:defRPr sz="1400">
                 <a:solidFill>
                   <a:schemeClr val="tx1">
                     <a:tint val="75000"/>
@@ -1061,7 +1336,7 @@
             </a:lvl4pPr>
             <a:lvl5pPr marL="1828800" indent="0">
               <a:buNone/>
-              <a:defRPr sz="1600">
+              <a:defRPr sz="1400">
                 <a:solidFill>
                   <a:schemeClr val="tx1">
                     <a:tint val="75000"/>
@@ -1071,7 +1346,7 @@
             </a:lvl5pPr>
             <a:lvl6pPr marL="2286000" indent="0">
               <a:buNone/>
-              <a:defRPr sz="1600">
+              <a:defRPr sz="1400">
                 <a:solidFill>
                   <a:schemeClr val="tx1">
                     <a:tint val="75000"/>
@@ -1081,7 +1356,7 @@
             </a:lvl6pPr>
             <a:lvl7pPr marL="2743200" indent="0">
               <a:buNone/>
-              <a:defRPr sz="1600">
+              <a:defRPr sz="1400">
                 <a:solidFill>
                   <a:schemeClr val="tx1">
                     <a:tint val="75000"/>
@@ -1091,7 +1366,7 @@
             </a:lvl7pPr>
             <a:lvl8pPr marL="3200400" indent="0">
               <a:buNone/>
-              <a:defRPr sz="1600">
+              <a:defRPr sz="1400">
                 <a:solidFill>
                   <a:schemeClr val="tx1">
                     <a:tint val="75000"/>
@@ -1101,7 +1376,7 @@
             </a:lvl8pPr>
             <a:lvl9pPr marL="3657600" indent="0">
               <a:buNone/>
-              <a:defRPr sz="1600">
+              <a:defRPr sz="1400">
                 <a:solidFill>
                   <a:schemeClr val="tx1">
                     <a:tint val="75000"/>
@@ -1121,7 +1396,13 @@
       </p:sp>
       <p:sp>
         <p:nvSpPr>
-          <p:cNvPr id="4" name="Date Placeholder 3"/>
+          <p:cNvPr id="7" name="Date Placeholder 6">
+            <a:extLst>
+              <a:ext uri="{FF2B5EF4-FFF2-40B4-BE49-F238E27FC236}">
+                <a16:creationId xmlns:a16="http://schemas.microsoft.com/office/drawing/2014/main" id="{61582016-5696-4A93-887F-BBB3B9002FE5}"/>
+              </a:ext>
+            </a:extLst>
+          </p:cNvPr>
           <p:cNvSpPr>
             <a:spLocks noGrp="1"/>
           </p:cNvSpPr>
@@ -1135,8 +1416,8 @@
           <a:lstStyle/>
           <a:p>
             <a:fld id="{48A87A34-81AB-432B-8DAE-1953F412C126}" type="datetimeFigureOut">
-              <a:rPr lang="en-US" dirty="0"/>
-              <a:t>7/17/2025</a:t>
+              <a:rPr lang="en-US" smtClean="0"/>
+              <a:t>7/22/2025</a:t>
             </a:fld>
             <a:endParaRPr lang="en-US" dirty="0"/>
           </a:p>
@@ -1144,7 +1425,13 @@
       </p:sp>
       <p:sp>
         <p:nvSpPr>
-          <p:cNvPr id="5" name="Footer Placeholder 4"/>
+          <p:cNvPr id="9" name="Footer Placeholder 8">
+            <a:extLst>
+              <a:ext uri="{FF2B5EF4-FFF2-40B4-BE49-F238E27FC236}">
+                <a16:creationId xmlns:a16="http://schemas.microsoft.com/office/drawing/2014/main" id="{857CFCD5-1192-4E18-8A8F-29E153B44DA4}"/>
+              </a:ext>
+            </a:extLst>
+          </p:cNvPr>
           <p:cNvSpPr>
             <a:spLocks noGrp="1"/>
           </p:cNvSpPr>
@@ -1152,70 +1439,58 @@
             <p:ph type="ftr" sz="quarter" idx="11"/>
           </p:nvPr>
         </p:nvSpPr>
+        <p:spPr>
+          <a:xfrm>
+            <a:off x="581192" y="6423914"/>
+            <a:ext cx="6917210" cy="365125"/>
+          </a:xfrm>
+          <a:prstGeom prst="rect">
+            <a:avLst/>
+          </a:prstGeom>
+        </p:spPr>
+        <p:txBody>
+          <a:bodyPr/>
+          <a:lstStyle/>
+          <a:p>
+            <a:endParaRPr lang="en-US" dirty="0"/>
+          </a:p>
+        </p:txBody>
+      </p:sp>
+      <p:sp>
+        <p:nvSpPr>
+          <p:cNvPr id="10" name="Slide Number Placeholder 9">
+            <a:extLst>
+              <a:ext uri="{FF2B5EF4-FFF2-40B4-BE49-F238E27FC236}">
+                <a16:creationId xmlns:a16="http://schemas.microsoft.com/office/drawing/2014/main" id="{E39A109E-5018-4794-92B3-FD5E5BCD95E8}"/>
+              </a:ext>
+            </a:extLst>
+          </p:cNvPr>
+          <p:cNvSpPr>
+            <a:spLocks noGrp="1"/>
+          </p:cNvSpPr>
+          <p:nvPr>
+            <p:ph type="sldNum" sz="quarter" idx="12"/>
+          </p:nvPr>
+        </p:nvSpPr>
         <p:spPr/>
         <p:txBody>
           <a:bodyPr/>
           <a:lstStyle/>
           <a:p>
-            <a:endParaRPr lang="en-US" dirty="0"/>
-          </a:p>
-        </p:txBody>
-      </p:sp>
-      <p:sp>
-        <p:nvSpPr>
-          <p:cNvPr id="6" name="Slide Number Placeholder 5"/>
-          <p:cNvSpPr>
-            <a:spLocks noGrp="1"/>
-          </p:cNvSpPr>
-          <p:nvPr>
-            <p:ph type="sldNum" sz="quarter" idx="12"/>
-          </p:nvPr>
-        </p:nvSpPr>
-        <p:spPr/>
-        <p:txBody>
-          <a:bodyPr/>
-          <a:lstStyle/>
-          <a:p>
             <a:fld id="{6D22F896-40B5-4ADD-8801-0D06FADFA095}" type="slidenum">
-              <a:rPr lang="en-US" dirty="0"/>
+              <a:rPr lang="en-US" smtClean="0"/>
               <a:t>‹#›</a:t>
             </a:fld>
             <a:endParaRPr lang="en-US" dirty="0"/>
           </a:p>
         </p:txBody>
       </p:sp>
-      <p:cxnSp>
-        <p:nvCxnSpPr>
-          <p:cNvPr id="15" name="Straight Connector 14"/>
-          <p:cNvCxnSpPr/>
-          <p:nvPr/>
-        </p:nvCxnSpPr>
-        <p:spPr>
-          <a:xfrm>
-            <a:off x="1454239" y="3804985"/>
-            <a:ext cx="8630446" cy="0"/>
-          </a:xfrm>
-          <a:prstGeom prst="line">
-            <a:avLst/>
-          </a:prstGeom>
-          <a:ln w="31750"/>
-        </p:spPr>
-        <p:style>
-          <a:lnRef idx="3">
-            <a:schemeClr val="accent1"/>
-          </a:lnRef>
-          <a:fillRef idx="0">
-            <a:schemeClr val="accent1"/>
-          </a:fillRef>
-          <a:effectRef idx="2">
-            <a:schemeClr val="accent1"/>
-          </a:effectRef>
-          <a:fontRef idx="minor">
-            <a:schemeClr val="tx1"/>
-          </a:fontRef>
-        </p:style>
-      </p:cxnSp>
     </p:spTree>
+    <p:extLst>
+      <p:ext uri="{BB962C8B-B14F-4D97-AF65-F5344CB8AC3E}">
+        <p14:creationId xmlns:p14="http://schemas.microsoft.com/office/powerpoint/2010/main" val="378981471"/>
+      </p:ext>
+    </p:extLst>
   </p:cSld>
   <p:clrMapOvr>
     <a:masterClrMapping/>
@@ -1252,8 +1527,8 @@
         </p:nvSpPr>
         <p:spPr>
           <a:xfrm>
-            <a:off x="1449217" y="804889"/>
-            <a:ext cx="9605635" cy="1059305"/>
+            <a:off x="581193" y="729658"/>
+            <a:ext cx="11029616" cy="492855"/>
           </a:xfrm>
         </p:spPr>
         <p:txBody>
@@ -1264,7 +1539,6 @@
               <a:rPr lang="en-US"/>
               <a:t>Click to edit Master title style</a:t>
             </a:r>
-            <a:endParaRPr lang="en-US" dirty="0"/>
           </a:p>
         </p:txBody>
       </p:sp>
@@ -1280,12 +1554,14 @@
         </p:nvSpPr>
         <p:spPr>
           <a:xfrm>
-            <a:off x="1447331" y="2010878"/>
-            <a:ext cx="4645152" cy="3448595"/>
-          </a:xfrm>
-        </p:spPr>
-        <p:txBody>
-          <a:bodyPr/>
+            <a:off x="581193" y="1391479"/>
+            <a:ext cx="5194767" cy="4469572"/>
+          </a:xfrm>
+        </p:spPr>
+        <p:txBody>
+          <a:bodyPr>
+            <a:normAutofit/>
+          </a:bodyPr>
           <a:lstStyle/>
           <a:p>
             <a:pPr lvl="0"/>
@@ -1321,7 +1597,6 @@
               <a:rPr lang="en-US"/>
               <a:t>Fifth level</a:t>
             </a:r>
-            <a:endParaRPr lang="en-US" dirty="0"/>
           </a:p>
         </p:txBody>
       </p:sp>
@@ -1337,12 +1612,14 @@
         </p:nvSpPr>
         <p:spPr>
           <a:xfrm>
-            <a:off x="6413771" y="2017343"/>
-            <a:ext cx="4645152" cy="3441520"/>
-          </a:xfrm>
-        </p:spPr>
-        <p:txBody>
-          <a:bodyPr/>
+            <a:off x="6416039" y="1391479"/>
+            <a:ext cx="5194769" cy="4469572"/>
+          </a:xfrm>
+        </p:spPr>
+        <p:txBody>
+          <a:bodyPr>
+            <a:normAutofit/>
+          </a:bodyPr>
           <a:lstStyle/>
           <a:p>
             <a:pPr lvl="0"/>
@@ -1378,7 +1655,6 @@
               <a:rPr lang="en-US"/>
               <a:t>Fifth level</a:t>
             </a:r>
-            <a:endParaRPr lang="en-US" dirty="0"/>
           </a:p>
         </p:txBody>
       </p:sp>
@@ -1398,8 +1674,8 @@
           <a:lstStyle/>
           <a:p>
             <a:fld id="{48A87A34-81AB-432B-8DAE-1953F412C126}" type="datetimeFigureOut">
-              <a:rPr lang="en-US" dirty="0"/>
-              <a:t>7/17/2025</a:t>
+              <a:rPr lang="en-US" smtClean="0"/>
+              <a:t>7/22/2025</a:t>
             </a:fld>
             <a:endParaRPr lang="en-US" dirty="0"/>
           </a:p>
@@ -1415,70 +1691,52 @@
             <p:ph type="ftr" sz="quarter" idx="11"/>
           </p:nvPr>
         </p:nvSpPr>
+        <p:spPr>
+          <a:xfrm>
+            <a:off x="581192" y="6423914"/>
+            <a:ext cx="6917210" cy="365125"/>
+          </a:xfrm>
+          <a:prstGeom prst="rect">
+            <a:avLst/>
+          </a:prstGeom>
+        </p:spPr>
+        <p:txBody>
+          <a:bodyPr/>
+          <a:lstStyle/>
+          <a:p>
+            <a:endParaRPr lang="en-US" dirty="0"/>
+          </a:p>
+        </p:txBody>
+      </p:sp>
+      <p:sp>
+        <p:nvSpPr>
+          <p:cNvPr id="7" name="Slide Number Placeholder 6"/>
+          <p:cNvSpPr>
+            <a:spLocks noGrp="1"/>
+          </p:cNvSpPr>
+          <p:nvPr>
+            <p:ph type="sldNum" sz="quarter" idx="12"/>
+          </p:nvPr>
+        </p:nvSpPr>
         <p:spPr/>
         <p:txBody>
           <a:bodyPr/>
           <a:lstStyle/>
           <a:p>
-            <a:endParaRPr lang="en-US" dirty="0"/>
-          </a:p>
-        </p:txBody>
-      </p:sp>
-      <p:sp>
-        <p:nvSpPr>
-          <p:cNvPr id="7" name="Slide Number Placeholder 6"/>
-          <p:cNvSpPr>
-            <a:spLocks noGrp="1"/>
-          </p:cNvSpPr>
-          <p:nvPr>
-            <p:ph type="sldNum" sz="quarter" idx="12"/>
-          </p:nvPr>
-        </p:nvSpPr>
-        <p:spPr/>
-        <p:txBody>
-          <a:bodyPr/>
-          <a:lstStyle/>
-          <a:p>
             <a:fld id="{6D22F896-40B5-4ADD-8801-0D06FADFA095}" type="slidenum">
-              <a:rPr lang="en-US" dirty="0"/>
+              <a:rPr lang="en-US" smtClean="0"/>
               <a:t>‹#›</a:t>
             </a:fld>
             <a:endParaRPr lang="en-US" dirty="0"/>
           </a:p>
         </p:txBody>
       </p:sp>
-      <p:cxnSp>
-        <p:nvCxnSpPr>
-          <p:cNvPr id="35" name="Straight Connector 34"/>
-          <p:cNvCxnSpPr/>
-          <p:nvPr/>
-        </p:nvCxnSpPr>
-        <p:spPr>
-          <a:xfrm>
-            <a:off x="1453896" y="1847088"/>
-            <a:ext cx="9607522" cy="0"/>
-          </a:xfrm>
-          <a:prstGeom prst="line">
-            <a:avLst/>
-          </a:prstGeom>
-          <a:ln w="31750"/>
-        </p:spPr>
-        <p:style>
-          <a:lnRef idx="3">
-            <a:schemeClr val="accent1"/>
-          </a:lnRef>
-          <a:fillRef idx="0">
-            <a:schemeClr val="accent1"/>
-          </a:fillRef>
-          <a:effectRef idx="2">
-            <a:schemeClr val="accent1"/>
-          </a:effectRef>
-          <a:fontRef idx="minor">
-            <a:schemeClr val="tx1"/>
-          </a:fontRef>
-        </p:style>
-      </p:cxnSp>
     </p:spTree>
+    <p:extLst>
+      <p:ext uri="{BB962C8B-B14F-4D97-AF65-F5344CB8AC3E}">
+        <p14:creationId xmlns:p14="http://schemas.microsoft.com/office/powerpoint/2010/main" val="779863635"/>
+      </p:ext>
+    </p:extLst>
   </p:cSld>
   <p:clrMapOvr>
     <a:masterClrMapping/>
@@ -1487,7 +1745,7 @@
 </file>
 
 <file path=ppt/slideLayouts/slideLayout5.xml><?xml version="1.0" encoding="utf-8"?>
-<p:sldLayout xmlns:a="http://schemas.openxmlformats.org/drawingml/2006/main" xmlns:r="http://schemas.openxmlformats.org/officeDocument/2006/relationships" xmlns:p="http://schemas.openxmlformats.org/presentationml/2006/main" type="twoTxTwoObj" preserve="1">
+<p:sldLayout xmlns:a="http://schemas.openxmlformats.org/drawingml/2006/main" xmlns:r="http://schemas.openxmlformats.org/officeDocument/2006/relationships" xmlns:p="http://schemas.openxmlformats.org/presentationml/2006/main" preserve="1">
   <p:cSld name="Comparison">
     <p:spTree>
       <p:nvGrpSpPr>
@@ -1505,7 +1763,7 @@
       </p:grpSpPr>
       <p:sp>
         <p:nvSpPr>
-          <p:cNvPr id="2" name="Title 1"/>
+          <p:cNvPr id="12" name="Title 1"/>
           <p:cNvSpPr>
             <a:spLocks noGrp="1"/>
           </p:cNvSpPr>
@@ -1515,8 +1773,8 @@
         </p:nvSpPr>
         <p:spPr>
           <a:xfrm>
-            <a:off x="1447191" y="804163"/>
-            <a:ext cx="9607661" cy="1056319"/>
+            <a:off x="581193" y="729658"/>
+            <a:ext cx="11029616" cy="988332"/>
           </a:xfrm>
         </p:spPr>
         <p:txBody>
@@ -1527,7 +1785,6 @@
               <a:rPr lang="en-US"/>
               <a:t>Click to edit Master title style</a:t>
             </a:r>
-            <a:endParaRPr lang="en-US" dirty="0"/>
           </a:p>
         </p:txBody>
       </p:sp>
@@ -1543,23 +1800,23 @@
         </p:nvSpPr>
         <p:spPr>
           <a:xfrm>
-            <a:off x="1447191" y="2019549"/>
-            <a:ext cx="4645152" cy="801943"/>
-          </a:xfrm>
-        </p:spPr>
-        <p:txBody>
-          <a:bodyPr anchor="b">
-            <a:normAutofit/>
+            <a:off x="581191" y="2250891"/>
+            <a:ext cx="5194769" cy="557784"/>
+          </a:xfrm>
+        </p:spPr>
+        <p:txBody>
+          <a:bodyPr anchor="ctr">
+            <a:noAutofit/>
           </a:bodyPr>
           <a:lstStyle>
             <a:lvl1pPr marL="0" indent="0">
-              <a:lnSpc>
-                <a:spcPct val="100000"/>
-              </a:lnSpc>
               <a:buNone/>
-              <a:defRPr sz="2200" b="0" cap="all" baseline="0">
+              <a:defRPr sz="2000" b="0">
                 <a:solidFill>
-                  <a:schemeClr val="accent1"/>
+                  <a:schemeClr val="tx1">
+                    <a:lumMod val="75000"/>
+                    <a:lumOff val="25000"/>
+                  </a:schemeClr>
                 </a:solidFill>
               </a:defRPr>
             </a:lvl1pPr>
@@ -1617,12 +1874,14 @@
         </p:nvSpPr>
         <p:spPr>
           <a:xfrm>
-            <a:off x="1447191" y="2824269"/>
-            <a:ext cx="4645152" cy="2644457"/>
-          </a:xfrm>
-        </p:spPr>
-        <p:txBody>
-          <a:bodyPr/>
+            <a:off x="581194" y="2926052"/>
+            <a:ext cx="5194766" cy="2934999"/>
+          </a:xfrm>
+        </p:spPr>
+        <p:txBody>
+          <a:bodyPr anchor="t">
+            <a:normAutofit/>
+          </a:bodyPr>
           <a:lstStyle/>
           <a:p>
             <a:pPr lvl="0"/>
@@ -1658,7 +1917,6 @@
               <a:rPr lang="en-US"/>
               <a:t>Fifth level</a:t>
             </a:r>
-            <a:endParaRPr lang="en-US" dirty="0"/>
           </a:p>
         </p:txBody>
       </p:sp>
@@ -1674,23 +1932,38 @@
         </p:nvSpPr>
         <p:spPr>
           <a:xfrm>
-            <a:off x="6412362" y="2023003"/>
-            <a:ext cx="4645152" cy="802237"/>
-          </a:xfrm>
-        </p:spPr>
-        <p:txBody>
-          <a:bodyPr anchor="b">
-            <a:normAutofit/>
+            <a:off x="6416039" y="2250892"/>
+            <a:ext cx="5194770" cy="553373"/>
+          </a:xfrm>
+        </p:spPr>
+        <p:txBody>
+          <a:bodyPr anchor="ctr">
+            <a:noAutofit/>
           </a:bodyPr>
           <a:lstStyle>
-            <a:lvl1pPr marL="0" indent="0">
+            <a:lvl1pPr marL="0" marR="0" indent="0" algn="l" defTabSz="457200" rtl="0" eaLnBrk="1" fontAlgn="auto" latinLnBrk="0" hangingPunct="1">
               <a:lnSpc>
                 <a:spcPct val="100000"/>
               </a:lnSpc>
+              <a:spcBef>
+                <a:spcPct val="20000"/>
+              </a:spcBef>
+              <a:spcAft>
+                <a:spcPts val="600"/>
+              </a:spcAft>
+              <a:buClr>
+                <a:schemeClr val="accent1"/>
+              </a:buClr>
+              <a:buSzPct val="92000"/>
+              <a:buFont typeface="Wingdings 2" panose="05020102010507070707" pitchFamily="18" charset="2"/>
               <a:buNone/>
-              <a:defRPr sz="2200" b="0" cap="all" baseline="0">
+              <a:tabLst/>
+              <a:defRPr sz="2000" b="0">
                 <a:solidFill>
-                  <a:schemeClr val="accent1"/>
+                  <a:schemeClr val="tx1">
+                    <a:lumMod val="75000"/>
+                    <a:lumOff val="25000"/>
+                  </a:schemeClr>
                 </a:solidFill>
               </a:defRPr>
             </a:lvl1pPr>
@@ -1728,7 +2001,25 @@
             </a:lvl9pPr>
           </a:lstStyle>
           <a:p>
-            <a:pPr lvl="0"/>
+            <a:pPr marL="0" marR="0" lvl="0" indent="0" algn="l" defTabSz="457200" rtl="0" eaLnBrk="1" fontAlgn="auto" latinLnBrk="0" hangingPunct="1">
+              <a:lnSpc>
+                <a:spcPct val="100000"/>
+              </a:lnSpc>
+              <a:spcBef>
+                <a:spcPct val="20000"/>
+              </a:spcBef>
+              <a:spcAft>
+                <a:spcPts val="600"/>
+              </a:spcAft>
+              <a:buClr>
+                <a:schemeClr val="accent1"/>
+              </a:buClr>
+              <a:buSzPct val="92000"/>
+              <a:buFont typeface="Wingdings 2" panose="05020102010507070707" pitchFamily="18" charset="2"/>
+              <a:buNone/>
+              <a:tabLst/>
+              <a:defRPr/>
+            </a:pPr>
             <a:r>
               <a:rPr lang="en-US"/>
               <a:t>Click to edit Master text styles</a:t>
@@ -1748,12 +2039,14 @@
         </p:nvSpPr>
         <p:spPr>
           <a:xfrm>
-            <a:off x="6412362" y="2821491"/>
-            <a:ext cx="4645152" cy="2637371"/>
-          </a:xfrm>
-        </p:spPr>
-        <p:txBody>
-          <a:bodyPr/>
+            <a:off x="6416037" y="2926052"/>
+            <a:ext cx="5194771" cy="2934999"/>
+          </a:xfrm>
+        </p:spPr>
+        <p:txBody>
+          <a:bodyPr anchor="t">
+            <a:normAutofit/>
+          </a:bodyPr>
           <a:lstStyle/>
           <a:p>
             <a:pPr lvl="0"/>
@@ -1789,7 +2082,6 @@
               <a:rPr lang="en-US"/>
               <a:t>Fifth level</a:t>
             </a:r>
-            <a:endParaRPr lang="en-US" dirty="0"/>
           </a:p>
         </p:txBody>
       </p:sp>
@@ -1809,8 +2101,8 @@
           <a:lstStyle/>
           <a:p>
             <a:fld id="{48A87A34-81AB-432B-8DAE-1953F412C126}" type="datetimeFigureOut">
-              <a:rPr lang="en-US" dirty="0"/>
-              <a:t>7/17/2025</a:t>
+              <a:rPr lang="en-US" smtClean="0"/>
+              <a:t>7/22/2025</a:t>
             </a:fld>
             <a:endParaRPr lang="en-US" dirty="0"/>
           </a:p>
@@ -1826,70 +2118,52 @@
             <p:ph type="ftr" sz="quarter" idx="11"/>
           </p:nvPr>
         </p:nvSpPr>
+        <p:spPr>
+          <a:xfrm>
+            <a:off x="581192" y="6423914"/>
+            <a:ext cx="6917210" cy="365125"/>
+          </a:xfrm>
+          <a:prstGeom prst="rect">
+            <a:avLst/>
+          </a:prstGeom>
+        </p:spPr>
+        <p:txBody>
+          <a:bodyPr/>
+          <a:lstStyle/>
+          <a:p>
+            <a:endParaRPr lang="en-US" dirty="0"/>
+          </a:p>
+        </p:txBody>
+      </p:sp>
+      <p:sp>
+        <p:nvSpPr>
+          <p:cNvPr id="9" name="Slide Number Placeholder 8"/>
+          <p:cNvSpPr>
+            <a:spLocks noGrp="1"/>
+          </p:cNvSpPr>
+          <p:nvPr>
+            <p:ph type="sldNum" sz="quarter" idx="12"/>
+          </p:nvPr>
+        </p:nvSpPr>
         <p:spPr/>
         <p:txBody>
           <a:bodyPr/>
           <a:lstStyle/>
           <a:p>
-            <a:endParaRPr lang="en-US" dirty="0"/>
-          </a:p>
-        </p:txBody>
-      </p:sp>
-      <p:sp>
-        <p:nvSpPr>
-          <p:cNvPr id="9" name="Slide Number Placeholder 8"/>
-          <p:cNvSpPr>
-            <a:spLocks noGrp="1"/>
-          </p:cNvSpPr>
-          <p:nvPr>
-            <p:ph type="sldNum" sz="quarter" idx="12"/>
-          </p:nvPr>
-        </p:nvSpPr>
-        <p:spPr/>
-        <p:txBody>
-          <a:bodyPr/>
-          <a:lstStyle/>
-          <a:p>
             <a:fld id="{6D22F896-40B5-4ADD-8801-0D06FADFA095}" type="slidenum">
-              <a:rPr lang="en-US" dirty="0"/>
+              <a:rPr lang="en-US" smtClean="0"/>
               <a:t>‹#›</a:t>
             </a:fld>
             <a:endParaRPr lang="en-US" dirty="0"/>
           </a:p>
         </p:txBody>
       </p:sp>
-      <p:cxnSp>
-        <p:nvCxnSpPr>
-          <p:cNvPr id="29" name="Straight Connector 28"/>
-          <p:cNvCxnSpPr/>
-          <p:nvPr/>
-        </p:nvCxnSpPr>
-        <p:spPr>
-          <a:xfrm>
-            <a:off x="1453896" y="1847088"/>
-            <a:ext cx="9607522" cy="0"/>
-          </a:xfrm>
-          <a:prstGeom prst="line">
-            <a:avLst/>
-          </a:prstGeom>
-          <a:ln w="31750"/>
-        </p:spPr>
-        <p:style>
-          <a:lnRef idx="3">
-            <a:schemeClr val="accent1"/>
-          </a:lnRef>
-          <a:fillRef idx="0">
-            <a:schemeClr val="accent1"/>
-          </a:fillRef>
-          <a:effectRef idx="2">
-            <a:schemeClr val="accent1"/>
-          </a:effectRef>
-          <a:fontRef idx="minor">
-            <a:schemeClr val="tx1"/>
-          </a:fontRef>
-        </p:style>
-      </p:cxnSp>
     </p:spTree>
+    <p:extLst>
+      <p:ext uri="{BB962C8B-B14F-4D97-AF65-F5344CB8AC3E}">
+        <p14:creationId xmlns:p14="http://schemas.microsoft.com/office/powerpoint/2010/main" val="815341514"/>
+      </p:ext>
+    </p:extLst>
   </p:cSld>
   <p:clrMapOvr>
     <a:masterClrMapping/>
@@ -1916,7 +2190,7 @@
       </p:grpSpPr>
       <p:sp>
         <p:nvSpPr>
-          <p:cNvPr id="2" name="Title 1"/>
+          <p:cNvPr id="8" name="Title 1"/>
           <p:cNvSpPr>
             <a:spLocks noGrp="1"/>
           </p:cNvSpPr>
@@ -1924,7 +2198,12 @@
             <p:ph type="title"/>
           </p:nvPr>
         </p:nvSpPr>
-        <p:spPr/>
+        <p:spPr>
+          <a:xfrm>
+            <a:off x="575894" y="729658"/>
+            <a:ext cx="11029616" cy="592246"/>
+          </a:xfrm>
+        </p:spPr>
         <p:txBody>
           <a:bodyPr/>
           <a:lstStyle/>
@@ -1933,7 +2212,6 @@
               <a:rPr lang="en-US"/>
               <a:t>Click to edit Master title style</a:t>
             </a:r>
-            <a:endParaRPr lang="en-US" dirty="0"/>
           </a:p>
         </p:txBody>
       </p:sp>
@@ -1953,8 +2231,8 @@
           <a:lstStyle/>
           <a:p>
             <a:fld id="{48A87A34-81AB-432B-8DAE-1953F412C126}" type="datetimeFigureOut">
-              <a:rPr lang="en-US" dirty="0"/>
-              <a:t>7/17/2025</a:t>
+              <a:rPr lang="en-US" smtClean="0"/>
+              <a:t>7/22/2025</a:t>
             </a:fld>
             <a:endParaRPr lang="en-US" dirty="0"/>
           </a:p>
@@ -1970,70 +2248,52 @@
             <p:ph type="ftr" sz="quarter" idx="11"/>
           </p:nvPr>
         </p:nvSpPr>
+        <p:spPr>
+          <a:xfrm>
+            <a:off x="581192" y="6423914"/>
+            <a:ext cx="6917210" cy="365125"/>
+          </a:xfrm>
+          <a:prstGeom prst="rect">
+            <a:avLst/>
+          </a:prstGeom>
+        </p:spPr>
+        <p:txBody>
+          <a:bodyPr/>
+          <a:lstStyle/>
+          <a:p>
+            <a:endParaRPr lang="en-US" dirty="0"/>
+          </a:p>
+        </p:txBody>
+      </p:sp>
+      <p:sp>
+        <p:nvSpPr>
+          <p:cNvPr id="5" name="Slide Number Placeholder 4"/>
+          <p:cNvSpPr>
+            <a:spLocks noGrp="1"/>
+          </p:cNvSpPr>
+          <p:nvPr>
+            <p:ph type="sldNum" sz="quarter" idx="12"/>
+          </p:nvPr>
+        </p:nvSpPr>
         <p:spPr/>
         <p:txBody>
           <a:bodyPr/>
           <a:lstStyle/>
           <a:p>
-            <a:endParaRPr lang="en-US" dirty="0"/>
-          </a:p>
-        </p:txBody>
-      </p:sp>
-      <p:sp>
-        <p:nvSpPr>
-          <p:cNvPr id="5" name="Slide Number Placeholder 4"/>
-          <p:cNvSpPr>
-            <a:spLocks noGrp="1"/>
-          </p:cNvSpPr>
-          <p:nvPr>
-            <p:ph type="sldNum" sz="quarter" idx="12"/>
-          </p:nvPr>
-        </p:nvSpPr>
-        <p:spPr/>
-        <p:txBody>
-          <a:bodyPr/>
-          <a:lstStyle/>
-          <a:p>
             <a:fld id="{6D22F896-40B5-4ADD-8801-0D06FADFA095}" type="slidenum">
-              <a:rPr lang="en-US" dirty="0"/>
+              <a:rPr lang="en-US" smtClean="0"/>
               <a:t>‹#›</a:t>
             </a:fld>
             <a:endParaRPr lang="en-US" dirty="0"/>
           </a:p>
         </p:txBody>
       </p:sp>
-      <p:cxnSp>
-        <p:nvCxnSpPr>
-          <p:cNvPr id="25" name="Straight Connector 24"/>
-          <p:cNvCxnSpPr/>
-          <p:nvPr/>
-        </p:nvCxnSpPr>
-        <p:spPr>
-          <a:xfrm>
-            <a:off x="1453896" y="1847088"/>
-            <a:ext cx="9607522" cy="0"/>
-          </a:xfrm>
-          <a:prstGeom prst="line">
-            <a:avLst/>
-          </a:prstGeom>
-          <a:ln w="31750"/>
-        </p:spPr>
-        <p:style>
-          <a:lnRef idx="3">
-            <a:schemeClr val="accent1"/>
-          </a:lnRef>
-          <a:fillRef idx="0">
-            <a:schemeClr val="accent1"/>
-          </a:fillRef>
-          <a:effectRef idx="2">
-            <a:schemeClr val="accent1"/>
-          </a:effectRef>
-          <a:fontRef idx="minor">
-            <a:schemeClr val="tx1"/>
-          </a:fontRef>
-        </p:style>
-      </p:cxnSp>
     </p:spTree>
+    <p:extLst>
+      <p:ext uri="{BB962C8B-B14F-4D97-AF65-F5344CB8AC3E}">
+        <p14:creationId xmlns:p14="http://schemas.microsoft.com/office/powerpoint/2010/main" val="632982454"/>
+      </p:ext>
+    </p:extLst>
   </p:cSld>
   <p:clrMapOvr>
     <a:masterClrMapping/>
@@ -2074,8 +2334,8 @@
           <a:lstStyle/>
           <a:p>
             <a:fld id="{48A87A34-81AB-432B-8DAE-1953F412C126}" type="datetimeFigureOut">
-              <a:rPr lang="en-US" dirty="0"/>
-              <a:t>7/17/2025</a:t>
+              <a:rPr lang="en-US" smtClean="0"/>
+              <a:t>7/22/2025</a:t>
             </a:fld>
             <a:endParaRPr lang="en-US" dirty="0"/>
           </a:p>
@@ -2091,32 +2351,40 @@
             <p:ph type="ftr" sz="quarter" idx="11"/>
           </p:nvPr>
         </p:nvSpPr>
+        <p:spPr>
+          <a:xfrm>
+            <a:off x="581192" y="6423914"/>
+            <a:ext cx="6917210" cy="365125"/>
+          </a:xfrm>
+          <a:prstGeom prst="rect">
+            <a:avLst/>
+          </a:prstGeom>
+        </p:spPr>
+        <p:txBody>
+          <a:bodyPr/>
+          <a:lstStyle/>
+          <a:p>
+            <a:endParaRPr lang="en-US" dirty="0"/>
+          </a:p>
+        </p:txBody>
+      </p:sp>
+      <p:sp>
+        <p:nvSpPr>
+          <p:cNvPr id="4" name="Slide Number Placeholder 3"/>
+          <p:cNvSpPr>
+            <a:spLocks noGrp="1"/>
+          </p:cNvSpPr>
+          <p:nvPr>
+            <p:ph type="sldNum" sz="quarter" idx="12"/>
+          </p:nvPr>
+        </p:nvSpPr>
         <p:spPr/>
         <p:txBody>
           <a:bodyPr/>
           <a:lstStyle/>
           <a:p>
-            <a:endParaRPr lang="en-US" dirty="0"/>
-          </a:p>
-        </p:txBody>
-      </p:sp>
-      <p:sp>
-        <p:nvSpPr>
-          <p:cNvPr id="4" name="Slide Number Placeholder 3"/>
-          <p:cNvSpPr>
-            <a:spLocks noGrp="1"/>
-          </p:cNvSpPr>
-          <p:nvPr>
-            <p:ph type="sldNum" sz="quarter" idx="12"/>
-          </p:nvPr>
-        </p:nvSpPr>
-        <p:spPr/>
-        <p:txBody>
-          <a:bodyPr/>
-          <a:lstStyle/>
-          <a:p>
             <a:fld id="{6D22F896-40B5-4ADD-8801-0D06FADFA095}" type="slidenum">
-              <a:rPr lang="en-US" dirty="0"/>
+              <a:rPr lang="en-US" smtClean="0"/>
               <a:t>‹#›</a:t>
             </a:fld>
             <a:endParaRPr lang="en-US" dirty="0"/>
@@ -2124,6 +2392,11 @@
         </p:txBody>
       </p:sp>
     </p:spTree>
+    <p:extLst>
+      <p:ext uri="{BB962C8B-B14F-4D97-AF65-F5344CB8AC3E}">
+        <p14:creationId xmlns:p14="http://schemas.microsoft.com/office/powerpoint/2010/main" val="3511550377"/>
+      </p:ext>
+    </p:extLst>
   </p:cSld>
   <p:clrMapOvr>
     <a:masterClrMapping/>
@@ -2150,257 +2423,380 @@
       </p:grpSpPr>
       <p:sp>
         <p:nvSpPr>
-          <p:cNvPr id="2" name="Title 1"/>
-          <p:cNvSpPr>
-            <a:spLocks noGrp="1"/>
-          </p:cNvSpPr>
-          <p:nvPr>
-            <p:ph type="title"/>
-          </p:nvPr>
-        </p:nvSpPr>
-        <p:spPr>
-          <a:xfrm>
-            <a:off x="1444671" y="798973"/>
-            <a:ext cx="3273099" cy="2247117"/>
-          </a:xfrm>
-        </p:spPr>
-        <p:txBody>
-          <a:bodyPr anchor="b">
-            <a:normAutofit/>
-          </a:bodyPr>
-          <a:lstStyle>
-            <a:lvl1pPr algn="l">
-              <a:defRPr sz="2400"/>
-            </a:lvl1pPr>
-          </a:lstStyle>
-          <a:p>
-            <a:r>
-              <a:rPr lang="en-US"/>
-              <a:t>Click to edit Master title style</a:t>
-            </a:r>
-            <a:endParaRPr lang="en-US" dirty="0"/>
-          </a:p>
-        </p:txBody>
-      </p:sp>
-      <p:sp>
-        <p:nvSpPr>
-          <p:cNvPr id="3" name="Content Placeholder 2"/>
-          <p:cNvSpPr>
-            <a:spLocks noGrp="1"/>
-          </p:cNvSpPr>
-          <p:nvPr>
-            <p:ph idx="1"/>
-          </p:nvPr>
-        </p:nvSpPr>
-        <p:spPr>
-          <a:xfrm>
-            <a:off x="5043714" y="798974"/>
-            <a:ext cx="6012470" cy="4658826"/>
-          </a:xfrm>
-        </p:spPr>
-        <p:txBody>
-          <a:bodyPr anchor="ctr"/>
-          <a:lstStyle/>
-          <a:p>
-            <a:pPr lvl="0"/>
-            <a:r>
-              <a:rPr lang="en-US"/>
-              <a:t>Click to edit Master text styles</a:t>
-            </a:r>
-          </a:p>
-          <a:p>
-            <a:pPr lvl="1"/>
-            <a:r>
-              <a:rPr lang="en-US"/>
-              <a:t>Second level</a:t>
-            </a:r>
-          </a:p>
-          <a:p>
-            <a:pPr lvl="2"/>
-            <a:r>
-              <a:rPr lang="en-US"/>
-              <a:t>Third level</a:t>
-            </a:r>
-          </a:p>
-          <a:p>
-            <a:pPr lvl="3"/>
-            <a:r>
-              <a:rPr lang="en-US"/>
-              <a:t>Fourth level</a:t>
-            </a:r>
-          </a:p>
-          <a:p>
-            <a:pPr lvl="4"/>
-            <a:r>
-              <a:rPr lang="en-US"/>
-              <a:t>Fifth level</a:t>
-            </a:r>
-            <a:endParaRPr lang="en-US" dirty="0"/>
-          </a:p>
-        </p:txBody>
-      </p:sp>
-      <p:sp>
-        <p:nvSpPr>
-          <p:cNvPr id="4" name="Text Placeholder 3"/>
-          <p:cNvSpPr>
-            <a:spLocks noGrp="1"/>
-          </p:cNvSpPr>
-          <p:nvPr>
-            <p:ph type="body" sz="half" idx="2"/>
-          </p:nvPr>
-        </p:nvSpPr>
-        <p:spPr>
-          <a:xfrm>
-            <a:off x="1444671" y="3205491"/>
-            <a:ext cx="3275013" cy="2248181"/>
-          </a:xfrm>
-        </p:spPr>
-        <p:txBody>
-          <a:bodyPr/>
-          <a:lstStyle>
-            <a:lvl1pPr marL="0" indent="0" algn="l">
-              <a:buNone/>
-              <a:defRPr sz="1600"/>
-            </a:lvl1pPr>
-            <a:lvl2pPr marL="457200" indent="0">
-              <a:buNone/>
-              <a:defRPr sz="1400"/>
-            </a:lvl2pPr>
-            <a:lvl3pPr marL="914400" indent="0">
-              <a:buNone/>
-              <a:defRPr sz="1200"/>
-            </a:lvl3pPr>
-            <a:lvl4pPr marL="1371600" indent="0">
-              <a:buNone/>
-              <a:defRPr sz="1000"/>
-            </a:lvl4pPr>
-            <a:lvl5pPr marL="1828800" indent="0">
-              <a:buNone/>
-              <a:defRPr sz="1000"/>
-            </a:lvl5pPr>
-            <a:lvl6pPr marL="2286000" indent="0">
-              <a:buNone/>
-              <a:defRPr sz="1000"/>
-            </a:lvl6pPr>
-            <a:lvl7pPr marL="2743200" indent="0">
-              <a:buNone/>
-              <a:defRPr sz="1000"/>
-            </a:lvl7pPr>
-            <a:lvl8pPr marL="3200400" indent="0">
-              <a:buNone/>
-              <a:defRPr sz="1000"/>
-            </a:lvl8pPr>
-            <a:lvl9pPr marL="3657600" indent="0">
-              <a:buNone/>
-              <a:defRPr sz="1000"/>
-            </a:lvl9pPr>
-          </a:lstStyle>
-          <a:p>
-            <a:pPr lvl="0"/>
-            <a:r>
-              <a:rPr lang="en-US"/>
-              <a:t>Click to edit Master text styles</a:t>
-            </a:r>
-          </a:p>
-        </p:txBody>
-      </p:sp>
-      <p:sp>
-        <p:nvSpPr>
-          <p:cNvPr id="5" name="Date Placeholder 4"/>
-          <p:cNvSpPr>
-            <a:spLocks noGrp="1"/>
-          </p:cNvSpPr>
-          <p:nvPr>
-            <p:ph type="dt" sz="half" idx="10"/>
-          </p:nvPr>
-        </p:nvSpPr>
-        <p:spPr/>
-        <p:txBody>
-          <a:bodyPr/>
-          <a:lstStyle/>
-          <a:p>
-            <a:fld id="{48A87A34-81AB-432B-8DAE-1953F412C126}" type="datetimeFigureOut">
-              <a:rPr lang="en-US" dirty="0"/>
-              <a:t>7/17/2025</a:t>
-            </a:fld>
-            <a:endParaRPr lang="en-US" dirty="0"/>
-          </a:p>
-        </p:txBody>
-      </p:sp>
-      <p:sp>
-        <p:nvSpPr>
-          <p:cNvPr id="6" name="Footer Placeholder 5"/>
-          <p:cNvSpPr>
-            <a:spLocks noGrp="1"/>
-          </p:cNvSpPr>
-          <p:nvPr>
-            <p:ph type="ftr" sz="quarter" idx="11"/>
-          </p:nvPr>
-        </p:nvSpPr>
-        <p:spPr/>
-        <p:txBody>
-          <a:bodyPr/>
-          <a:lstStyle/>
-          <a:p>
-            <a:endParaRPr lang="en-US" dirty="0"/>
-          </a:p>
-        </p:txBody>
-      </p:sp>
-      <p:sp>
-        <p:nvSpPr>
-          <p:cNvPr id="7" name="Slide Number Placeholder 6"/>
-          <p:cNvSpPr>
-            <a:spLocks noGrp="1"/>
-          </p:cNvSpPr>
-          <p:nvPr>
-            <p:ph type="sldNum" sz="quarter" idx="12"/>
-          </p:nvPr>
-        </p:nvSpPr>
-        <p:spPr/>
-        <p:txBody>
-          <a:bodyPr/>
-          <a:lstStyle/>
-          <a:p>
-            <a:fld id="{6D22F896-40B5-4ADD-8801-0D06FADFA095}" type="slidenum">
-              <a:rPr lang="en-US" dirty="0"/>
-              <a:t>‹#›</a:t>
-            </a:fld>
-            <a:endParaRPr lang="en-US" dirty="0"/>
-          </a:p>
-        </p:txBody>
-      </p:sp>
-      <p:cxnSp>
-        <p:nvCxnSpPr>
-          <p:cNvPr id="17" name="Straight Connector 16"/>
-          <p:cNvCxnSpPr/>
+          <p:cNvPr id="9" name="Rectangle 8"/>
+          <p:cNvSpPr>
+            <a:spLocks noChangeAspect="1"/>
+          </p:cNvSpPr>
           <p:nvPr/>
-        </p:nvCxnSpPr>
-        <p:spPr>
-          <a:xfrm>
-            <a:off x="1448280" y="3205491"/>
-            <a:ext cx="3269490" cy="0"/>
-          </a:xfrm>
-          <a:prstGeom prst="line">
+        </p:nvSpPr>
+        <p:spPr>
+          <a:xfrm>
+            <a:off x="447817" y="601200"/>
+            <a:ext cx="3682723" cy="5815475"/>
+          </a:xfrm>
+          <a:prstGeom prst="rect">
             <a:avLst/>
           </a:prstGeom>
-          <a:ln w="31750"/>
+          <a:solidFill>
+            <a:srgbClr val="465359"/>
+          </a:solidFill>
+          <a:ln>
+            <a:noFill/>
+          </a:ln>
+          <a:effectLst/>
         </p:spPr>
         <p:style>
-          <a:lnRef idx="3">
+          <a:lnRef idx="1">
             <a:schemeClr val="accent1"/>
           </a:lnRef>
-          <a:fillRef idx="0">
+          <a:fillRef idx="3">
             <a:schemeClr val="accent1"/>
           </a:fillRef>
           <a:effectRef idx="2">
             <a:schemeClr val="accent1"/>
           </a:effectRef>
           <a:fontRef idx="minor">
-            <a:schemeClr val="tx1"/>
+            <a:schemeClr val="lt1"/>
           </a:fontRef>
         </p:style>
-      </p:cxnSp>
+      </p:sp>
+      <p:sp>
+        <p:nvSpPr>
+          <p:cNvPr id="2" name="Title 1"/>
+          <p:cNvSpPr>
+            <a:spLocks noGrp="1"/>
+          </p:cNvSpPr>
+          <p:nvPr>
+            <p:ph type="title"/>
+          </p:nvPr>
+        </p:nvSpPr>
+        <p:spPr>
+          <a:xfrm>
+            <a:off x="767857" y="933450"/>
+            <a:ext cx="3031852" cy="1722419"/>
+          </a:xfrm>
+        </p:spPr>
+        <p:txBody>
+          <a:bodyPr anchor="b">
+            <a:normAutofit/>
+          </a:bodyPr>
+          <a:lstStyle>
+            <a:lvl1pPr algn="l">
+              <a:defRPr sz="2400" b="0">
+                <a:solidFill>
+                  <a:srgbClr val="FFFFFF"/>
+                </a:solidFill>
+              </a:defRPr>
+            </a:lvl1pPr>
+          </a:lstStyle>
+          <a:p>
+            <a:r>
+              <a:rPr lang="en-US"/>
+              <a:t>Click to edit Master title style</a:t>
+            </a:r>
+          </a:p>
+        </p:txBody>
+      </p:sp>
+      <p:sp>
+        <p:nvSpPr>
+          <p:cNvPr id="3" name="Content Placeholder 2"/>
+          <p:cNvSpPr>
+            <a:spLocks noGrp="1"/>
+          </p:cNvSpPr>
+          <p:nvPr>
+            <p:ph idx="1"/>
+          </p:nvPr>
+        </p:nvSpPr>
+        <p:spPr>
+          <a:xfrm>
+            <a:off x="4900928" y="1179829"/>
+            <a:ext cx="6650991" cy="4658216"/>
+          </a:xfrm>
+        </p:spPr>
+        <p:txBody>
+          <a:bodyPr anchor="ctr">
+            <a:normAutofit/>
+          </a:bodyPr>
+          <a:lstStyle>
+            <a:lvl1pPr>
+              <a:defRPr sz="2000">
+                <a:solidFill>
+                  <a:schemeClr val="tx2"/>
+                </a:solidFill>
+              </a:defRPr>
+            </a:lvl1pPr>
+            <a:lvl2pPr>
+              <a:defRPr sz="1800">
+                <a:solidFill>
+                  <a:schemeClr val="tx2"/>
+                </a:solidFill>
+              </a:defRPr>
+            </a:lvl2pPr>
+            <a:lvl3pPr>
+              <a:defRPr sz="1600">
+                <a:solidFill>
+                  <a:schemeClr val="tx2"/>
+                </a:solidFill>
+              </a:defRPr>
+            </a:lvl3pPr>
+            <a:lvl4pPr>
+              <a:defRPr sz="1400">
+                <a:solidFill>
+                  <a:schemeClr val="tx2"/>
+                </a:solidFill>
+              </a:defRPr>
+            </a:lvl4pPr>
+            <a:lvl5pPr>
+              <a:defRPr sz="1400">
+                <a:solidFill>
+                  <a:schemeClr val="tx2"/>
+                </a:solidFill>
+              </a:defRPr>
+            </a:lvl5pPr>
+            <a:lvl6pPr>
+              <a:defRPr sz="1400">
+                <a:solidFill>
+                  <a:schemeClr val="tx2"/>
+                </a:solidFill>
+              </a:defRPr>
+            </a:lvl6pPr>
+            <a:lvl7pPr>
+              <a:defRPr sz="1400">
+                <a:solidFill>
+                  <a:schemeClr val="tx2"/>
+                </a:solidFill>
+              </a:defRPr>
+            </a:lvl7pPr>
+            <a:lvl8pPr>
+              <a:defRPr sz="1400">
+                <a:solidFill>
+                  <a:schemeClr val="tx2"/>
+                </a:solidFill>
+              </a:defRPr>
+            </a:lvl8pPr>
+            <a:lvl9pPr>
+              <a:defRPr sz="1400">
+                <a:solidFill>
+                  <a:schemeClr val="tx2"/>
+                </a:solidFill>
+              </a:defRPr>
+            </a:lvl9pPr>
+          </a:lstStyle>
+          <a:p>
+            <a:pPr lvl="0"/>
+            <a:r>
+              <a:rPr lang="en-US"/>
+              <a:t>Click to edit Master text styles</a:t>
+            </a:r>
+          </a:p>
+          <a:p>
+            <a:pPr lvl="1"/>
+            <a:r>
+              <a:rPr lang="en-US"/>
+              <a:t>Second level</a:t>
+            </a:r>
+          </a:p>
+          <a:p>
+            <a:pPr lvl="2"/>
+            <a:r>
+              <a:rPr lang="en-US"/>
+              <a:t>Third level</a:t>
+            </a:r>
+          </a:p>
+          <a:p>
+            <a:pPr lvl="3"/>
+            <a:r>
+              <a:rPr lang="en-US"/>
+              <a:t>Fourth level</a:t>
+            </a:r>
+          </a:p>
+          <a:p>
+            <a:pPr lvl="4"/>
+            <a:r>
+              <a:rPr lang="en-US"/>
+              <a:t>Fifth level</a:t>
+            </a:r>
+          </a:p>
+        </p:txBody>
+      </p:sp>
+      <p:sp>
+        <p:nvSpPr>
+          <p:cNvPr id="4" name="Text Placeholder 3"/>
+          <p:cNvSpPr>
+            <a:spLocks noGrp="1"/>
+          </p:cNvSpPr>
+          <p:nvPr>
+            <p:ph type="body" sz="half" idx="2"/>
+          </p:nvPr>
+        </p:nvSpPr>
+        <p:spPr>
+          <a:xfrm>
+            <a:off x="767857" y="2836654"/>
+            <a:ext cx="3031852" cy="3001392"/>
+          </a:xfrm>
+        </p:spPr>
+        <p:txBody>
+          <a:bodyPr anchor="t">
+            <a:normAutofit/>
+          </a:bodyPr>
+          <a:lstStyle>
+            <a:lvl1pPr marL="0" indent="0" algn="l">
+              <a:buNone/>
+              <a:defRPr sz="1600">
+                <a:solidFill>
+                  <a:srgbClr val="FFFFFF"/>
+                </a:solidFill>
+              </a:defRPr>
+            </a:lvl1pPr>
+            <a:lvl2pPr marL="457200" indent="0">
+              <a:buNone/>
+              <a:defRPr sz="1100"/>
+            </a:lvl2pPr>
+            <a:lvl3pPr marL="914400" indent="0">
+              <a:buNone/>
+              <a:defRPr sz="1000"/>
+            </a:lvl3pPr>
+            <a:lvl4pPr marL="1371600" indent="0">
+              <a:buNone/>
+              <a:defRPr sz="900"/>
+            </a:lvl4pPr>
+            <a:lvl5pPr marL="1828800" indent="0">
+              <a:buNone/>
+              <a:defRPr sz="900"/>
+            </a:lvl5pPr>
+            <a:lvl6pPr marL="2286000" indent="0">
+              <a:buNone/>
+              <a:defRPr sz="900"/>
+            </a:lvl6pPr>
+            <a:lvl7pPr marL="2743200" indent="0">
+              <a:buNone/>
+              <a:defRPr sz="900"/>
+            </a:lvl7pPr>
+            <a:lvl8pPr marL="3200400" indent="0">
+              <a:buNone/>
+              <a:defRPr sz="900"/>
+            </a:lvl8pPr>
+            <a:lvl9pPr marL="3657600" indent="0">
+              <a:buNone/>
+              <a:defRPr sz="900"/>
+            </a:lvl9pPr>
+          </a:lstStyle>
+          <a:p>
+            <a:pPr lvl="0"/>
+            <a:r>
+              <a:rPr lang="en-US"/>
+              <a:t>Click to edit Master text styles</a:t>
+            </a:r>
+          </a:p>
+        </p:txBody>
+      </p:sp>
+      <p:sp>
+        <p:nvSpPr>
+          <p:cNvPr id="8" name="Date Placeholder 7">
+            <a:extLst>
+              <a:ext uri="{FF2B5EF4-FFF2-40B4-BE49-F238E27FC236}">
+                <a16:creationId xmlns:a16="http://schemas.microsoft.com/office/drawing/2014/main" id="{0B919CC2-2A65-446F-B538-9E6249035445}"/>
+              </a:ext>
+            </a:extLst>
+          </p:cNvPr>
+          <p:cNvSpPr>
+            <a:spLocks noGrp="1"/>
+          </p:cNvSpPr>
+          <p:nvPr>
+            <p:ph type="dt" sz="half" idx="10"/>
+          </p:nvPr>
+        </p:nvSpPr>
+        <p:spPr>
+          <a:xfrm>
+            <a:off x="7605951" y="6456916"/>
+            <a:ext cx="2844799" cy="365125"/>
+          </a:xfrm>
+        </p:spPr>
+        <p:txBody>
+          <a:bodyPr/>
+          <a:lstStyle/>
+          <a:p>
+            <a:fld id="{48A87A34-81AB-432B-8DAE-1953F412C126}" type="datetimeFigureOut">
+              <a:rPr lang="en-US" smtClean="0"/>
+              <a:t>7/22/2025</a:t>
+            </a:fld>
+            <a:endParaRPr lang="en-US" dirty="0"/>
+          </a:p>
+        </p:txBody>
+      </p:sp>
+      <p:sp>
+        <p:nvSpPr>
+          <p:cNvPr id="10" name="Footer Placeholder 9">
+            <a:extLst>
+              <a:ext uri="{FF2B5EF4-FFF2-40B4-BE49-F238E27FC236}">
+                <a16:creationId xmlns:a16="http://schemas.microsoft.com/office/drawing/2014/main" id="{B72412AE-119E-4982-8B24-63365EFCA796}"/>
+              </a:ext>
+            </a:extLst>
+          </p:cNvPr>
+          <p:cNvSpPr>
+            <a:spLocks noGrp="1"/>
+          </p:cNvSpPr>
+          <p:nvPr>
+            <p:ph type="ftr" sz="quarter" idx="11"/>
+          </p:nvPr>
+        </p:nvSpPr>
+        <p:spPr>
+          <a:xfrm>
+            <a:off x="581192" y="6452590"/>
+            <a:ext cx="6917210" cy="365125"/>
+          </a:xfrm>
+          <a:prstGeom prst="rect">
+            <a:avLst/>
+          </a:prstGeom>
+        </p:spPr>
+        <p:txBody>
+          <a:bodyPr/>
+          <a:lstStyle/>
+          <a:p>
+            <a:endParaRPr lang="en-US" dirty="0"/>
+          </a:p>
+        </p:txBody>
+      </p:sp>
+      <p:sp>
+        <p:nvSpPr>
+          <p:cNvPr id="11" name="Slide Number Placeholder 10">
+            <a:extLst>
+              <a:ext uri="{FF2B5EF4-FFF2-40B4-BE49-F238E27FC236}">
+                <a16:creationId xmlns:a16="http://schemas.microsoft.com/office/drawing/2014/main" id="{7FC4BB19-6AD1-45CF-9F99-00B109890FAB}"/>
+              </a:ext>
+            </a:extLst>
+          </p:cNvPr>
+          <p:cNvSpPr>
+            <a:spLocks noGrp="1"/>
+          </p:cNvSpPr>
+          <p:nvPr>
+            <p:ph type="sldNum" sz="quarter" idx="12"/>
+          </p:nvPr>
+        </p:nvSpPr>
+        <p:spPr>
+          <a:xfrm>
+            <a:off x="10558300" y="6456916"/>
+            <a:ext cx="1052510" cy="365125"/>
+          </a:xfrm>
+        </p:spPr>
+        <p:txBody>
+          <a:bodyPr/>
+          <a:lstStyle/>
+          <a:p>
+            <a:fld id="{6D22F896-40B5-4ADD-8801-0D06FADFA095}" type="slidenum">
+              <a:rPr lang="en-US" smtClean="0"/>
+              <a:t>‹#›</a:t>
+            </a:fld>
+            <a:endParaRPr lang="en-US" dirty="0"/>
+          </a:p>
+        </p:txBody>
+      </p:sp>
     </p:spTree>
+    <p:extLst>
+      <p:ext uri="{BB962C8B-B14F-4D97-AF65-F5344CB8AC3E}">
+        <p14:creationId xmlns:p14="http://schemas.microsoft.com/office/powerpoint/2010/main" val="3247560495"/>
+      </p:ext>
+    </p:extLst>
   </p:cSld>
   <p:clrMapOvr>
     <a:masterClrMapping/>
@@ -2425,140 +2821,6 @@
           <a:chExt cx="0" cy="0"/>
         </a:xfrm>
       </p:grpSpPr>
-      <p:grpSp>
-        <p:nvGrpSpPr>
-          <p:cNvPr id="8" name="Group 7"/>
-          <p:cNvGrpSpPr/>
-          <p:nvPr/>
-        </p:nvGrpSpPr>
-        <p:grpSpPr>
-          <a:xfrm>
-            <a:off x="7477387" y="482170"/>
-            <a:ext cx="4074533" cy="5149101"/>
-            <a:chOff x="7477387" y="482170"/>
-            <a:chExt cx="4074533" cy="5149101"/>
-          </a:xfrm>
-        </p:grpSpPr>
-        <p:sp>
-          <p:nvSpPr>
-            <p:cNvPr id="18" name="Rectangle 17"/>
-            <p:cNvSpPr/>
-            <p:nvPr/>
-          </p:nvSpPr>
-          <p:spPr bwMode="black">
-            <a:xfrm>
-              <a:off x="7477387" y="482170"/>
-              <a:ext cx="4074533" cy="5149101"/>
-            </a:xfrm>
-            <a:prstGeom prst="rect">
-              <a:avLst/>
-            </a:prstGeom>
-            <a:gradFill>
-              <a:gsLst>
-                <a:gs pos="0">
-                  <a:srgbClr val="000001"/>
-                </a:gs>
-                <a:gs pos="100000">
-                  <a:srgbClr val="191919"/>
-                </a:gs>
-              </a:gsLst>
-            </a:gradFill>
-            <a:ln w="76200" cmpd="sng">
-              <a:noFill/>
-              <a:miter lim="800000"/>
-            </a:ln>
-            <a:effectLst>
-              <a:outerShdw blurRad="127000" dist="228600" dir="4740000" sx="98000" sy="98000" algn="tl" rotWithShape="0">
-                <a:srgbClr val="000000">
-                  <a:alpha val="34000"/>
-                </a:srgbClr>
-              </a:outerShdw>
-            </a:effectLst>
-            <a:scene3d>
-              <a:camera prst="orthographicFront"/>
-              <a:lightRig rig="threePt" dir="t"/>
-            </a:scene3d>
-            <a:sp3d>
-              <a:bevelT w="152400" h="50800" prst="softRound"/>
-            </a:sp3d>
-          </p:spPr>
-          <p:style>
-            <a:lnRef idx="1">
-              <a:schemeClr val="accent1"/>
-            </a:lnRef>
-            <a:fillRef idx="3">
-              <a:schemeClr val="accent1"/>
-            </a:fillRef>
-            <a:effectRef idx="2">
-              <a:schemeClr val="accent1"/>
-            </a:effectRef>
-            <a:fontRef idx="minor">
-              <a:schemeClr val="lt1"/>
-            </a:fontRef>
-          </p:style>
-        </p:sp>
-        <p:sp>
-          <p:nvSpPr>
-            <p:cNvPr id="19" name="Rectangle 18"/>
-            <p:cNvSpPr/>
-            <p:nvPr/>
-          </p:nvSpPr>
-          <p:spPr bwMode="blackWhite">
-            <a:xfrm>
-              <a:off x="7790446" y="812506"/>
-              <a:ext cx="3450289" cy="4466452"/>
-            </a:xfrm>
-            <a:prstGeom prst="rect">
-              <a:avLst/>
-            </a:prstGeom>
-            <a:gradFill>
-              <a:gsLst>
-                <a:gs pos="0">
-                  <a:srgbClr val="DADADA"/>
-                </a:gs>
-                <a:gs pos="100000">
-                  <a:srgbClr val="FFFFFE"/>
-                </a:gs>
-              </a:gsLst>
-              <a:lin ang="16200000" scaled="0"/>
-            </a:gradFill>
-            <a:ln w="50800" cmpd="sng">
-              <a:solidFill>
-                <a:srgbClr val="191919"/>
-              </a:solidFill>
-              <a:miter lim="800000"/>
-            </a:ln>
-            <a:effectLst>
-              <a:innerShdw blurRad="63500" dist="88900" dir="14100000">
-                <a:srgbClr val="000000">
-                  <a:alpha val="30000"/>
-                </a:srgbClr>
-              </a:innerShdw>
-            </a:effectLst>
-            <a:scene3d>
-              <a:camera prst="orthographicFront"/>
-              <a:lightRig rig="threePt" dir="t"/>
-            </a:scene3d>
-            <a:sp3d>
-              <a:bevelT prst="relaxedInset"/>
-            </a:sp3d>
-          </p:spPr>
-          <p:style>
-            <a:lnRef idx="1">
-              <a:schemeClr val="accent1"/>
-            </a:lnRef>
-            <a:fillRef idx="3">
-              <a:schemeClr val="accent1"/>
-            </a:fillRef>
-            <a:effectRef idx="2">
-              <a:schemeClr val="accent1"/>
-            </a:effectRef>
-            <a:fontRef idx="minor">
-              <a:schemeClr val="lt1"/>
-            </a:fontRef>
-          </p:style>
-        </p:sp>
-      </p:grpSp>
       <p:sp>
         <p:nvSpPr>
           <p:cNvPr id="2" name="Title 1"/>
@@ -2571,8 +2833,8 @@
         </p:nvSpPr>
         <p:spPr>
           <a:xfrm>
-            <a:off x="1451206" y="1129513"/>
-            <a:ext cx="5532328" cy="1830584"/>
+            <a:off x="581193" y="4693389"/>
+            <a:ext cx="11029616" cy="566738"/>
           </a:xfrm>
         </p:spPr>
         <p:txBody>
@@ -2580,8 +2842,15 @@
             <a:normAutofit/>
           </a:bodyPr>
           <a:lstStyle>
-            <a:lvl1pPr>
-              <a:defRPr sz="3200"/>
+            <a:lvl1pPr algn="l">
+              <a:defRPr sz="2400" b="0">
+                <a:solidFill>
+                  <a:schemeClr val="tx1">
+                    <a:lumMod val="75000"/>
+                    <a:lumOff val="25000"/>
+                  </a:schemeClr>
+                </a:solidFill>
+              </a:defRPr>
             </a:lvl1pPr>
           </a:lstStyle>
           <a:p>
@@ -2589,7 +2858,6 @@
               <a:rPr lang="en-US"/>
               <a:t>Click to edit Master title style</a:t>
             </a:r>
-            <a:endParaRPr lang="en-US" dirty="0"/>
           </a:p>
         </p:txBody>
       </p:sp>
@@ -2605,58 +2873,50 @@
         </p:nvSpPr>
         <p:spPr>
           <a:xfrm>
-            <a:off x="8124389" y="1122542"/>
-            <a:ext cx="2791171" cy="3866327"/>
-          </a:xfrm>
-          <a:solidFill>
-            <a:schemeClr val="bg1">
-              <a:lumMod val="85000"/>
-            </a:schemeClr>
-          </a:solidFill>
-          <a:ln w="9525" cap="sq">
-            <a:noFill/>
-            <a:miter lim="800000"/>
-          </a:ln>
-          <a:effectLst/>
-        </p:spPr>
-        <p:txBody>
-          <a:bodyPr anchor="t"/>
+            <a:off x="447817" y="641350"/>
+            <a:ext cx="11290859" cy="3651249"/>
+          </a:xfrm>
+        </p:spPr>
+        <p:txBody>
+          <a:bodyPr anchor="t">
+            <a:normAutofit/>
+          </a:bodyPr>
           <a:lstStyle>
             <a:lvl1pPr marL="0" indent="0" algn="ctr">
               <a:buNone/>
-              <a:defRPr sz="3200"/>
+              <a:defRPr sz="1600"/>
             </a:lvl1pPr>
             <a:lvl2pPr marL="457200" indent="0">
               <a:buNone/>
-              <a:defRPr sz="2800"/>
+              <a:defRPr sz="1600"/>
             </a:lvl2pPr>
             <a:lvl3pPr marL="914400" indent="0">
               <a:buNone/>
-              <a:defRPr sz="2400"/>
+              <a:defRPr sz="1600"/>
             </a:lvl3pPr>
             <a:lvl4pPr marL="1371600" indent="0">
               <a:buNone/>
-              <a:defRPr sz="2000"/>
+              <a:defRPr sz="1600"/>
             </a:lvl4pPr>
             <a:lvl5pPr marL="1828800" indent="0">
               <a:buNone/>
-              <a:defRPr sz="2000"/>
+              <a:defRPr sz="1600"/>
             </a:lvl5pPr>
             <a:lvl6pPr marL="2286000" indent="0">
               <a:buNone/>
-              <a:defRPr sz="2000"/>
+              <a:defRPr sz="1600"/>
             </a:lvl6pPr>
             <a:lvl7pPr marL="2743200" indent="0">
               <a:buNone/>
-              <a:defRPr sz="2000"/>
+              <a:defRPr sz="1600"/>
             </a:lvl7pPr>
             <a:lvl8pPr marL="3200400" indent="0">
               <a:buNone/>
-              <a:defRPr sz="2000"/>
+              <a:defRPr sz="1600"/>
             </a:lvl8pPr>
             <a:lvl9pPr marL="3657600" indent="0">
               <a:buNone/>
-              <a:defRPr sz="2000"/>
+              <a:defRPr sz="1600"/>
             </a:lvl9pPr>
           </a:lstStyle>
           <a:p>
@@ -2664,7 +2924,6 @@
               <a:rPr lang="en-US"/>
               <a:t>Click icon to add picture</a:t>
             </a:r>
-            <a:endParaRPr lang="en-US" dirty="0"/>
           </a:p>
         </p:txBody>
       </p:sp>
@@ -2680,50 +2939,50 @@
         </p:nvSpPr>
         <p:spPr>
           <a:xfrm>
-            <a:off x="1450329" y="3145992"/>
-            <a:ext cx="5524404" cy="2003742"/>
-          </a:xfrm>
-        </p:spPr>
-        <p:txBody>
-          <a:bodyPr>
+            <a:off x="581192" y="5260127"/>
+            <a:ext cx="11029617" cy="998148"/>
+          </a:xfrm>
+        </p:spPr>
+        <p:txBody>
+          <a:bodyPr anchor="t">
             <a:normAutofit/>
           </a:bodyPr>
           <a:lstStyle>
-            <a:lvl1pPr marL="0" indent="0" algn="l">
+            <a:lvl1pPr marL="0" indent="0">
               <a:buNone/>
-              <a:defRPr sz="1800"/>
+              <a:defRPr sz="1600"/>
             </a:lvl1pPr>
             <a:lvl2pPr marL="457200" indent="0">
               <a:buNone/>
-              <a:defRPr sz="1400"/>
+              <a:defRPr sz="1200"/>
             </a:lvl2pPr>
             <a:lvl3pPr marL="914400" indent="0">
               <a:buNone/>
-              <a:defRPr sz="1200"/>
+              <a:defRPr sz="1000"/>
             </a:lvl3pPr>
             <a:lvl4pPr marL="1371600" indent="0">
               <a:buNone/>
-              <a:defRPr sz="1000"/>
+              <a:defRPr sz="900"/>
             </a:lvl4pPr>
             <a:lvl5pPr marL="1828800" indent="0">
               <a:buNone/>
-              <a:defRPr sz="1000"/>
+              <a:defRPr sz="900"/>
             </a:lvl5pPr>
             <a:lvl6pPr marL="2286000" indent="0">
               <a:buNone/>
-              <a:defRPr sz="1000"/>
+              <a:defRPr sz="900"/>
             </a:lvl6pPr>
             <a:lvl7pPr marL="2743200" indent="0">
               <a:buNone/>
-              <a:defRPr sz="1000"/>
+              <a:defRPr sz="900"/>
             </a:lvl7pPr>
             <a:lvl8pPr marL="3200400" indent="0">
               <a:buNone/>
-              <a:defRPr sz="1000"/>
+              <a:defRPr sz="900"/>
             </a:lvl8pPr>
             <a:lvl9pPr marL="3657600" indent="0">
               <a:buNone/>
-              <a:defRPr sz="1000"/>
+              <a:defRPr sz="900"/>
             </a:lvl9pPr>
           </a:lstStyle>
           <a:p>
@@ -2745,24 +3004,15 @@
             <p:ph type="dt" sz="half" idx="10"/>
           </p:nvPr>
         </p:nvSpPr>
-        <p:spPr>
-          <a:xfrm>
-            <a:off x="1447382" y="5469856"/>
-            <a:ext cx="5527351" cy="320123"/>
-          </a:xfrm>
-        </p:spPr>
+        <p:spPr/>
         <p:txBody>
           <a:bodyPr/>
-          <a:lstStyle>
-            <a:lvl1pPr algn="l">
-              <a:defRPr/>
-            </a:lvl1pPr>
-          </a:lstStyle>
+          <a:lstStyle/>
           <a:p>
             <a:fld id="{48A87A34-81AB-432B-8DAE-1953F412C126}" type="datetimeFigureOut">
-              <a:rPr lang="en-US" dirty="0"/>
+              <a:rPr lang="en-US" smtClean="0"/>
               <a:pPr/>
-              <a:t>7/17/2025</a:t>
+              <a:t>7/22/2025</a:t>
             </a:fld>
             <a:endParaRPr lang="en-US" dirty="0"/>
           </a:p>
@@ -2780,9 +3030,12 @@
         </p:nvSpPr>
         <p:spPr>
           <a:xfrm>
-            <a:off x="1447382" y="318640"/>
-            <a:ext cx="5541004" cy="320931"/>
-          </a:xfrm>
+            <a:off x="581192" y="6423914"/>
+            <a:ext cx="6917210" cy="365125"/>
+          </a:xfrm>
+          <a:prstGeom prst="rect">
+            <a:avLst/>
+          </a:prstGeom>
         </p:spPr>
         <p:txBody>
           <a:bodyPr/>
@@ -2808,45 +3061,19 @@
           <a:lstStyle/>
           <a:p>
             <a:fld id="{6D22F896-40B5-4ADD-8801-0D06FADFA095}" type="slidenum">
-              <a:rPr lang="en-US" dirty="0"/>
+              <a:rPr lang="en-US" smtClean="0"/>
               <a:t>‹#›</a:t>
             </a:fld>
             <a:endParaRPr lang="en-US" dirty="0"/>
           </a:p>
         </p:txBody>
       </p:sp>
-      <p:cxnSp>
-        <p:nvCxnSpPr>
-          <p:cNvPr id="31" name="Straight Connector 30"/>
-          <p:cNvCxnSpPr/>
-          <p:nvPr/>
-        </p:nvCxnSpPr>
-        <p:spPr>
-          <a:xfrm>
-            <a:off x="1447382" y="3143605"/>
-            <a:ext cx="5527351" cy="0"/>
-          </a:xfrm>
-          <a:prstGeom prst="line">
-            <a:avLst/>
-          </a:prstGeom>
-          <a:ln w="31750"/>
-        </p:spPr>
-        <p:style>
-          <a:lnRef idx="3">
-            <a:schemeClr val="accent1"/>
-          </a:lnRef>
-          <a:fillRef idx="0">
-            <a:schemeClr val="accent1"/>
-          </a:fillRef>
-          <a:effectRef idx="2">
-            <a:schemeClr val="accent1"/>
-          </a:effectRef>
-          <a:fontRef idx="minor">
-            <a:schemeClr val="tx1"/>
-          </a:fontRef>
-        </p:style>
-      </p:cxnSp>
     </p:spTree>
+    <p:extLst>
+      <p:ext uri="{BB962C8B-B14F-4D97-AF65-F5344CB8AC3E}">
+        <p14:creationId xmlns:p14="http://schemas.microsoft.com/office/powerpoint/2010/main" val="2840241778"/>
+      </p:ext>
+    </p:extLst>
   </p:cSld>
   <p:clrMapOvr>
     <a:masterClrMapping/>
@@ -2858,8 +3085,8 @@
 <p:sldMaster xmlns:a="http://schemas.openxmlformats.org/drawingml/2006/main" xmlns:r="http://schemas.openxmlformats.org/officeDocument/2006/relationships" xmlns:p="http://schemas.openxmlformats.org/presentationml/2006/main">
   <p:cSld>
     <p:bg>
-      <p:bgRef idx="1003">
-        <a:schemeClr val="bg2"/>
+      <p:bgRef idx="1001">
+        <a:schemeClr val="bg1"/>
       </p:bgRef>
     </p:bg>
     <p:spTree>
@@ -2878,46 +3105,213 @@
       </p:grpSpPr>
       <p:sp>
         <p:nvSpPr>
-          <p:cNvPr id="8" name="Rectangle 7"/>
-          <p:cNvSpPr/>
-          <p:nvPr/>
-        </p:nvSpPr>
-        <p:spPr>
-          <a:xfrm>
-            <a:off x="0" y="2019476"/>
-            <a:ext cx="12192000" cy="4105941"/>
+          <p:cNvPr id="2" name="Title Placeholder 1"/>
+          <p:cNvSpPr>
+            <a:spLocks noGrp="1"/>
+          </p:cNvSpPr>
+          <p:nvPr>
+            <p:ph type="title"/>
+          </p:nvPr>
+        </p:nvSpPr>
+        <p:spPr>
+          <a:xfrm>
+            <a:off x="581192" y="705124"/>
+            <a:ext cx="11029616" cy="557146"/>
           </a:xfrm>
           <a:prstGeom prst="rect">
             <a:avLst/>
           </a:prstGeom>
-          <a:gradFill flip="none" rotWithShape="1">
-            <a:gsLst>
-              <a:gs pos="0">
-                <a:schemeClr val="bg2">
-                  <a:alpha val="0"/>
-                </a:schemeClr>
-              </a:gs>
-              <a:gs pos="100000">
-                <a:schemeClr val="bg2"/>
-              </a:gs>
-            </a:gsLst>
-            <a:lin ang="5400000" scaled="0"/>
-            <a:tileRect/>
-          </a:gradFill>
+        </p:spPr>
+        <p:txBody>
+          <a:bodyPr vert="horz" lIns="91440" tIns="45720" rIns="91440" bIns="45720" rtlCol="0" anchor="b">
+            <a:normAutofit/>
+          </a:bodyPr>
+          <a:lstStyle/>
+          <a:p>
+            <a:r>
+              <a:rPr lang="en-US"/>
+              <a:t>Click to edit Master title style</a:t>
+            </a:r>
+          </a:p>
+        </p:txBody>
+      </p:sp>
+      <p:sp>
+        <p:nvSpPr>
+          <p:cNvPr id="3" name="Text Placeholder 2"/>
+          <p:cNvSpPr>
+            <a:spLocks noGrp="1"/>
+          </p:cNvSpPr>
+          <p:nvPr>
+            <p:ph type="body" idx="1"/>
+          </p:nvPr>
+        </p:nvSpPr>
+        <p:spPr>
+          <a:xfrm>
+            <a:off x="581192" y="1415198"/>
+            <a:ext cx="11029616" cy="4572852"/>
+          </a:xfrm>
+          <a:prstGeom prst="rect">
+            <a:avLst/>
+          </a:prstGeom>
+        </p:spPr>
+        <p:txBody>
+          <a:bodyPr vert="horz" lIns="91440" tIns="45720" rIns="91440" bIns="45720" rtlCol="0" anchor="ctr">
+            <a:normAutofit/>
+          </a:bodyPr>
+          <a:lstStyle/>
+          <a:p>
+            <a:pPr lvl="0"/>
+            <a:r>
+              <a:rPr lang="en-US"/>
+              <a:t>Click to edit Master text styles</a:t>
+            </a:r>
+          </a:p>
+          <a:p>
+            <a:pPr lvl="1"/>
+            <a:r>
+              <a:rPr lang="en-US"/>
+              <a:t>Second level</a:t>
+            </a:r>
+          </a:p>
+          <a:p>
+            <a:pPr lvl="2"/>
+            <a:r>
+              <a:rPr lang="en-US"/>
+              <a:t>Third level</a:t>
+            </a:r>
+          </a:p>
+          <a:p>
+            <a:pPr lvl="3"/>
+            <a:r>
+              <a:rPr lang="en-US"/>
+              <a:t>Fourth level</a:t>
+            </a:r>
+          </a:p>
+          <a:p>
+            <a:pPr lvl="4"/>
+            <a:r>
+              <a:rPr lang="en-US"/>
+              <a:t>Fifth level</a:t>
+            </a:r>
+          </a:p>
+        </p:txBody>
+      </p:sp>
+      <p:sp>
+        <p:nvSpPr>
+          <p:cNvPr id="4" name="Date Placeholder 3"/>
+          <p:cNvSpPr>
+            <a:spLocks noGrp="1"/>
+          </p:cNvSpPr>
+          <p:nvPr>
+            <p:ph type="dt" sz="half" idx="2"/>
+          </p:nvPr>
+        </p:nvSpPr>
+        <p:spPr>
+          <a:xfrm>
+            <a:off x="7605951" y="6423914"/>
+            <a:ext cx="2844799" cy="365125"/>
+          </a:xfrm>
+          <a:prstGeom prst="rect">
+            <a:avLst/>
+          </a:prstGeom>
+        </p:spPr>
+        <p:txBody>
+          <a:bodyPr vert="horz" lIns="91440" tIns="45720" rIns="91440" bIns="45720" rtlCol="0" anchor="ctr"/>
+          <a:lstStyle>
+            <a:lvl1pPr algn="r">
+              <a:defRPr sz="900">
+                <a:solidFill>
+                  <a:schemeClr val="tx1">
+                    <a:lumMod val="75000"/>
+                    <a:lumOff val="25000"/>
+                  </a:schemeClr>
+                </a:solidFill>
+              </a:defRPr>
+            </a:lvl1pPr>
+          </a:lstStyle>
+          <a:p>
+            <a:fld id="{48A87A34-81AB-432B-8DAE-1953F412C126}" type="datetimeFigureOut">
+              <a:rPr lang="en-US" smtClean="0"/>
+              <a:pPr/>
+              <a:t>7/22/2025</a:t>
+            </a:fld>
+            <a:endParaRPr lang="en-US" dirty="0"/>
+          </a:p>
+        </p:txBody>
+      </p:sp>
+      <p:sp>
+        <p:nvSpPr>
+          <p:cNvPr id="6" name="Slide Number Placeholder 5"/>
+          <p:cNvSpPr>
+            <a:spLocks noGrp="1"/>
+          </p:cNvSpPr>
+          <p:nvPr>
+            <p:ph type="sldNum" sz="quarter" idx="4"/>
+          </p:nvPr>
+        </p:nvSpPr>
+        <p:spPr>
+          <a:xfrm>
+            <a:off x="10558300" y="6423914"/>
+            <a:ext cx="1052510" cy="365125"/>
+          </a:xfrm>
+          <a:prstGeom prst="rect">
+            <a:avLst/>
+          </a:prstGeom>
+        </p:spPr>
+        <p:txBody>
+          <a:bodyPr vert="horz" lIns="91440" tIns="45720" rIns="91440" bIns="45720" rtlCol="0" anchor="ctr"/>
+          <a:lstStyle>
+            <a:lvl1pPr algn="r">
+              <a:defRPr sz="900">
+                <a:solidFill>
+                  <a:schemeClr val="tx1">
+                    <a:lumMod val="75000"/>
+                    <a:lumOff val="25000"/>
+                  </a:schemeClr>
+                </a:solidFill>
+              </a:defRPr>
+            </a:lvl1pPr>
+          </a:lstStyle>
+          <a:p>
+            <a:fld id="{6D22F896-40B5-4ADD-8801-0D06FADFA095}" type="slidenum">
+              <a:rPr lang="en-US" smtClean="0"/>
+              <a:pPr/>
+              <a:t>‹#›</a:t>
+            </a:fld>
+            <a:endParaRPr lang="en-US" dirty="0"/>
+          </a:p>
+        </p:txBody>
+      </p:sp>
+      <p:sp>
+        <p:nvSpPr>
+          <p:cNvPr id="9" name="Rectangle 8"/>
+          <p:cNvSpPr/>
+          <p:nvPr/>
+        </p:nvSpPr>
+        <p:spPr>
+          <a:xfrm>
+            <a:off x="446534" y="457200"/>
+            <a:ext cx="3703320" cy="94997"/>
+          </a:xfrm>
+          <a:prstGeom prst="rect">
+            <a:avLst/>
+          </a:prstGeom>
+          <a:solidFill>
+            <a:srgbClr val="465359"/>
+          </a:solidFill>
           <a:ln>
             <a:noFill/>
           </a:ln>
+          <a:effectLst/>
         </p:spPr>
         <p:style>
-          <a:lnRef idx="2">
-            <a:schemeClr val="accent1">
-              <a:shade val="50000"/>
-            </a:schemeClr>
+          <a:lnRef idx="1">
+            <a:schemeClr val="accent1"/>
           </a:lnRef>
-          <a:fillRef idx="1">
+          <a:fillRef idx="3">
             <a:schemeClr val="accent1"/>
           </a:fillRef>
-          <a:effectRef idx="0">
+          <a:effectRef idx="2">
             <a:schemeClr val="accent1"/>
           </a:effectRef>
           <a:fontRef idx="minor">
@@ -2925,526 +3319,422 @@
           </a:fontRef>
         </p:style>
       </p:sp>
+      <p:sp>
+        <p:nvSpPr>
+          <p:cNvPr id="10" name="Rectangle 9"/>
+          <p:cNvSpPr/>
+          <p:nvPr/>
+        </p:nvSpPr>
+        <p:spPr>
+          <a:xfrm>
+            <a:off x="8042147" y="453643"/>
+            <a:ext cx="3703320" cy="98554"/>
+          </a:xfrm>
+          <a:prstGeom prst="rect">
+            <a:avLst/>
+          </a:prstGeom>
+          <a:solidFill>
+            <a:srgbClr val="969FA7"/>
+          </a:solidFill>
+          <a:ln>
+            <a:noFill/>
+          </a:ln>
+          <a:effectLst/>
+        </p:spPr>
+        <p:style>
+          <a:lnRef idx="1">
+            <a:schemeClr val="accent1"/>
+          </a:lnRef>
+          <a:fillRef idx="3">
+            <a:schemeClr val="accent1"/>
+          </a:fillRef>
+          <a:effectRef idx="2">
+            <a:schemeClr val="accent1"/>
+          </a:effectRef>
+          <a:fontRef idx="minor">
+            <a:schemeClr val="lt1"/>
+          </a:fontRef>
+        </p:style>
+      </p:sp>
+      <p:sp>
+        <p:nvSpPr>
+          <p:cNvPr id="11" name="Rectangle 10"/>
+          <p:cNvSpPr/>
+          <p:nvPr/>
+        </p:nvSpPr>
+        <p:spPr>
+          <a:xfrm>
+            <a:off x="4241830" y="457200"/>
+            <a:ext cx="3703320" cy="91440"/>
+          </a:xfrm>
+          <a:prstGeom prst="rect">
+            <a:avLst/>
+          </a:prstGeom>
+          <a:solidFill>
+            <a:schemeClr val="accent1"/>
+          </a:solidFill>
+          <a:ln>
+            <a:noFill/>
+          </a:ln>
+          <a:effectLst/>
+        </p:spPr>
+        <p:style>
+          <a:lnRef idx="1">
+            <a:schemeClr val="accent1"/>
+          </a:lnRef>
+          <a:fillRef idx="3">
+            <a:schemeClr val="accent1"/>
+          </a:fillRef>
+          <a:effectRef idx="2">
+            <a:schemeClr val="accent1"/>
+          </a:effectRef>
+          <a:fontRef idx="minor">
+            <a:schemeClr val="lt1"/>
+          </a:fontRef>
+        </p:style>
+      </p:sp>
       <p:pic>
         <p:nvPicPr>
-          <p:cNvPr id="7" name="Picture 6"/>
+          <p:cNvPr id="8" name="Picture 7" descr="Logo&#10;&#10;Description automatically generated">
+            <a:extLst>
+              <a:ext uri="{FF2B5EF4-FFF2-40B4-BE49-F238E27FC236}">
+                <a16:creationId xmlns:a16="http://schemas.microsoft.com/office/drawing/2014/main" id="{14A64E4D-8DED-7830-2955-1BE78C5B0655}"/>
+              </a:ext>
+            </a:extLst>
+          </p:cNvPr>
           <p:cNvPicPr>
             <a:picLocks noChangeAspect="1"/>
           </p:cNvPicPr>
           <p:nvPr/>
         </p:nvPicPr>
-        <p:blipFill rotWithShape="1">
-          <a:blip r:embed="rId13">
-            <a:extLst>
-              <a:ext uri="{28A0092B-C50C-407E-A947-70E740481C1C}">
-                <a14:useLocalDpi xmlns:a14="http://schemas.microsoft.com/office/drawing/2010/main" val="0"/>
-              </a:ext>
-            </a:extLst>
-          </a:blip>
-          <a:srcRect t="1538" b="-1538"/>
-          <a:stretch/>
+        <p:blipFill>
+          <a:blip r:embed="rId13"/>
+          <a:stretch>
+            <a:fillRect/>
+          </a:stretch>
         </p:blipFill>
-        <p:spPr bwMode="black">
-          <a:xfrm>
-            <a:off x="0" y="6126480"/>
-            <a:ext cx="12192000" cy="742950"/>
+        <p:spPr>
+          <a:xfrm>
+            <a:off x="10485003" y="6437910"/>
+            <a:ext cx="1125805" cy="365126"/>
           </a:xfrm>
           <a:prstGeom prst="rect">
             <a:avLst/>
           </a:prstGeom>
         </p:spPr>
       </p:pic>
-      <p:sp>
-        <p:nvSpPr>
-          <p:cNvPr id="2" name="Title Placeholder 1"/>
-          <p:cNvSpPr>
-            <a:spLocks noGrp="1"/>
-          </p:cNvSpPr>
-          <p:nvPr>
-            <p:ph type="title"/>
-          </p:nvPr>
-        </p:nvSpPr>
-        <p:spPr>
-          <a:xfrm>
-            <a:off x="1451579" y="804519"/>
-            <a:ext cx="9603275" cy="1049235"/>
-          </a:xfrm>
-          <a:prstGeom prst="rect">
-            <a:avLst/>
-          </a:prstGeom>
-        </p:spPr>
-        <p:txBody>
-          <a:bodyPr vert="horz" lIns="91440" tIns="45720" rIns="91440" bIns="45720" rtlCol="0" anchor="t">
-            <a:normAutofit/>
-          </a:bodyPr>
-          <a:lstStyle/>
-          <a:p>
-            <a:r>
-              <a:rPr lang="en-US"/>
-              <a:t>Click to edit Master title style</a:t>
-            </a:r>
-            <a:endParaRPr lang="en-US" dirty="0"/>
-          </a:p>
-        </p:txBody>
-      </p:sp>
-      <p:sp>
-        <p:nvSpPr>
-          <p:cNvPr id="3" name="Text Placeholder 2"/>
-          <p:cNvSpPr>
-            <a:spLocks noGrp="1"/>
-          </p:cNvSpPr>
-          <p:nvPr>
-            <p:ph type="body" idx="1"/>
-          </p:nvPr>
-        </p:nvSpPr>
-        <p:spPr>
-          <a:xfrm>
-            <a:off x="1451579" y="2015732"/>
-            <a:ext cx="9603275" cy="3450613"/>
-          </a:xfrm>
-          <a:prstGeom prst="rect">
-            <a:avLst/>
-          </a:prstGeom>
-        </p:spPr>
-        <p:txBody>
-          <a:bodyPr vert="horz" lIns="91440" tIns="45720" rIns="91440" bIns="45720" rtlCol="0">
-            <a:normAutofit/>
-          </a:bodyPr>
-          <a:lstStyle/>
-          <a:p>
-            <a:pPr lvl="0"/>
-            <a:r>
-              <a:rPr lang="en-US"/>
-              <a:t>Click to edit Master text styles</a:t>
-            </a:r>
-          </a:p>
-          <a:p>
-            <a:pPr lvl="1"/>
-            <a:r>
-              <a:rPr lang="en-US"/>
-              <a:t>Second level</a:t>
-            </a:r>
-          </a:p>
-          <a:p>
-            <a:pPr lvl="2"/>
-            <a:r>
-              <a:rPr lang="en-US"/>
-              <a:t>Third level</a:t>
-            </a:r>
-          </a:p>
-          <a:p>
-            <a:pPr lvl="3"/>
-            <a:r>
-              <a:rPr lang="en-US"/>
-              <a:t>Fourth level</a:t>
-            </a:r>
-          </a:p>
-          <a:p>
-            <a:pPr lvl="4"/>
-            <a:r>
-              <a:rPr lang="en-US"/>
-              <a:t>Fifth level</a:t>
-            </a:r>
-            <a:endParaRPr lang="en-US" dirty="0"/>
-          </a:p>
-        </p:txBody>
-      </p:sp>
-      <p:sp>
-        <p:nvSpPr>
-          <p:cNvPr id="4" name="Date Placeholder 3"/>
-          <p:cNvSpPr>
-            <a:spLocks noGrp="1"/>
-          </p:cNvSpPr>
-          <p:nvPr>
-            <p:ph type="dt" sz="half" idx="2"/>
-          </p:nvPr>
-        </p:nvSpPr>
-        <p:spPr>
-          <a:xfrm>
-            <a:off x="7554138" y="330370"/>
-            <a:ext cx="3500715" cy="309201"/>
-          </a:xfrm>
-          <a:prstGeom prst="rect">
-            <a:avLst/>
-          </a:prstGeom>
-        </p:spPr>
-        <p:txBody>
-          <a:bodyPr vert="horz" lIns="91440" tIns="45720" rIns="91440" bIns="45720" rtlCol="0" anchor="ctr"/>
-          <a:lstStyle>
-            <a:lvl1pPr algn="r">
-              <a:defRPr sz="1000">
-                <a:solidFill>
-                  <a:schemeClr val="tx1">
-                    <a:tint val="75000"/>
-                  </a:schemeClr>
-                </a:solidFill>
-              </a:defRPr>
-            </a:lvl1pPr>
-          </a:lstStyle>
-          <a:p>
-            <a:fld id="{48A87A34-81AB-432B-8DAE-1953F412C126}" type="datetimeFigureOut">
-              <a:rPr lang="en-US" dirty="0"/>
-              <a:pPr/>
-              <a:t>7/17/2025</a:t>
-            </a:fld>
-            <a:endParaRPr lang="en-US" dirty="0"/>
-          </a:p>
-        </p:txBody>
-      </p:sp>
-      <p:sp>
-        <p:nvSpPr>
-          <p:cNvPr id="5" name="Footer Placeholder 4"/>
-          <p:cNvSpPr>
-            <a:spLocks noGrp="1"/>
-          </p:cNvSpPr>
-          <p:nvPr>
-            <p:ph type="ftr" sz="quarter" idx="3"/>
-          </p:nvPr>
-        </p:nvSpPr>
-        <p:spPr>
-          <a:xfrm>
-            <a:off x="1451579" y="329307"/>
-            <a:ext cx="5938836" cy="309201"/>
-          </a:xfrm>
-          <a:prstGeom prst="rect">
-            <a:avLst/>
-          </a:prstGeom>
-        </p:spPr>
-        <p:txBody>
-          <a:bodyPr vert="horz" lIns="91440" tIns="45720" rIns="91440" bIns="45720" rtlCol="0" anchor="ctr"/>
-          <a:lstStyle>
-            <a:lvl1pPr algn="l">
-              <a:defRPr sz="1000">
-                <a:solidFill>
-                  <a:schemeClr val="tx1">
-                    <a:tint val="75000"/>
-                  </a:schemeClr>
-                </a:solidFill>
-              </a:defRPr>
-            </a:lvl1pPr>
-          </a:lstStyle>
-          <a:p>
-            <a:endParaRPr lang="en-US" dirty="0"/>
-          </a:p>
-        </p:txBody>
-      </p:sp>
-      <p:sp>
-        <p:nvSpPr>
-          <p:cNvPr id="6" name="Slide Number Placeholder 5"/>
-          <p:cNvSpPr>
-            <a:spLocks noGrp="1"/>
-          </p:cNvSpPr>
-          <p:nvPr>
-            <p:ph type="sldNum" sz="quarter" idx="4"/>
-          </p:nvPr>
-        </p:nvSpPr>
-        <p:spPr>
-          <a:xfrm>
-            <a:off x="480060" y="798973"/>
-            <a:ext cx="811019" cy="503578"/>
-          </a:xfrm>
-          <a:prstGeom prst="rect">
-            <a:avLst/>
-          </a:prstGeom>
-        </p:spPr>
-        <p:txBody>
-          <a:bodyPr vert="horz" lIns="91440" tIns="45720" rIns="91440" bIns="45720" rtlCol="0" anchor="t"/>
-          <a:lstStyle>
-            <a:lvl1pPr algn="r">
-              <a:defRPr sz="2800">
-                <a:solidFill>
-                  <a:schemeClr val="accent1"/>
-                </a:solidFill>
-              </a:defRPr>
-            </a:lvl1pPr>
-          </a:lstStyle>
-          <a:p>
-            <a:fld id="{6D22F896-40B5-4ADD-8801-0D06FADFA095}" type="slidenum">
-              <a:rPr lang="en-US" dirty="0"/>
-              <a:pPr/>
-              <a:t>‹#›</a:t>
-            </a:fld>
-            <a:endParaRPr lang="en-US" dirty="0"/>
-          </a:p>
-        </p:txBody>
-      </p:sp>
-      <p:cxnSp>
-        <p:nvCxnSpPr>
-          <p:cNvPr id="10" name="Straight Connector 9"/>
-          <p:cNvCxnSpPr/>
-          <p:nvPr/>
-        </p:nvCxnSpPr>
-        <p:spPr>
-          <a:xfrm>
-            <a:off x="0" y="6128413"/>
-            <a:ext cx="12192000" cy="0"/>
-          </a:xfrm>
-          <a:prstGeom prst="line">
-            <a:avLst/>
-          </a:prstGeom>
-          <a:ln w="12700">
-            <a:solidFill>
-              <a:srgbClr val="000001">
-                <a:alpha val="20000"/>
-              </a:srgbClr>
-            </a:solidFill>
-          </a:ln>
-        </p:spPr>
-        <p:style>
-          <a:lnRef idx="1">
-            <a:schemeClr val="accent1"/>
-          </a:lnRef>
-          <a:fillRef idx="0">
-            <a:schemeClr val="accent1"/>
-          </a:fillRef>
-          <a:effectRef idx="0">
-            <a:schemeClr val="accent1"/>
-          </a:effectRef>
-          <a:fontRef idx="minor">
-            <a:schemeClr val="tx1"/>
-          </a:fontRef>
-        </p:style>
-      </p:cxnSp>
     </p:spTree>
+    <p:extLst>
+      <p:ext uri="{BB962C8B-B14F-4D97-AF65-F5344CB8AC3E}">
+        <p14:creationId xmlns:p14="http://schemas.microsoft.com/office/powerpoint/2010/main" val="3122048776"/>
+      </p:ext>
+    </p:extLst>
   </p:cSld>
   <p:clrMap bg1="lt1" tx1="dk1" bg2="lt2" tx2="dk2" accent1="accent1" accent2="accent2" accent3="accent3" accent4="accent4" accent5="accent5" accent6="accent6" hlink="hlink" folHlink="folHlink"/>
   <p:sldLayoutIdLst>
-    <p:sldLayoutId id="2147483649" r:id="rId1"/>
-    <p:sldLayoutId id="2147483650" r:id="rId2"/>
-    <p:sldLayoutId id="2147483651" r:id="rId3"/>
-    <p:sldLayoutId id="2147483652" r:id="rId4"/>
-    <p:sldLayoutId id="2147483653" r:id="rId5"/>
-    <p:sldLayoutId id="2147483654" r:id="rId6"/>
-    <p:sldLayoutId id="2147483655" r:id="rId7"/>
-    <p:sldLayoutId id="2147483656" r:id="rId8"/>
-    <p:sldLayoutId id="2147483657" r:id="rId9"/>
-    <p:sldLayoutId id="2147483658" r:id="rId10"/>
-    <p:sldLayoutId id="2147483659" r:id="rId11"/>
+    <p:sldLayoutId id="2147483661" r:id="rId1"/>
+    <p:sldLayoutId id="2147483662" r:id="rId2"/>
+    <p:sldLayoutId id="2147483663" r:id="rId3"/>
+    <p:sldLayoutId id="2147483664" r:id="rId4"/>
+    <p:sldLayoutId id="2147483665" r:id="rId5"/>
+    <p:sldLayoutId id="2147483666" r:id="rId6"/>
+    <p:sldLayoutId id="2147483667" r:id="rId7"/>
+    <p:sldLayoutId id="2147483668" r:id="rId8"/>
+    <p:sldLayoutId id="2147483669" r:id="rId9"/>
+    <p:sldLayoutId id="2147483670" r:id="rId10"/>
+    <p:sldLayoutId id="2147483671" r:id="rId11"/>
   </p:sldLayoutIdLst>
   <p:txStyles>
     <p:titleStyle>
-      <a:lvl1pPr algn="l" defTabSz="914400" rtl="0" eaLnBrk="1" latinLnBrk="0" hangingPunct="1">
+      <a:lvl1pPr algn="l" defTabSz="457200" rtl="0" eaLnBrk="1" latinLnBrk="0" hangingPunct="1">
         <a:lnSpc>
-          <a:spcPct val="90000"/>
+          <a:spcPct val="100000"/>
         </a:lnSpc>
         <a:spcBef>
           <a:spcPct val="0"/>
         </a:spcBef>
         <a:buNone/>
-        <a:defRPr sz="3200" b="0" i="0" kern="1200" cap="all">
+        <a:defRPr sz="2800" b="0" kern="1200" cap="all">
           <a:solidFill>
-            <a:schemeClr val="tx1"/>
+            <a:schemeClr val="tx1">
+              <a:lumMod val="75000"/>
+              <a:lumOff val="25000"/>
+            </a:schemeClr>
           </a:solidFill>
-          <a:effectLst/>
           <a:latin typeface="+mj-lt"/>
           <a:ea typeface="+mj-ea"/>
           <a:cs typeface="+mj-cs"/>
         </a:defRPr>
       </a:lvl1pPr>
+      <a:lvl2pPr eaLnBrk="1" hangingPunct="1">
+        <a:defRPr>
+          <a:solidFill>
+            <a:schemeClr val="tx2"/>
+          </a:solidFill>
+        </a:defRPr>
+      </a:lvl2pPr>
+      <a:lvl3pPr eaLnBrk="1" hangingPunct="1">
+        <a:defRPr>
+          <a:solidFill>
+            <a:schemeClr val="tx2"/>
+          </a:solidFill>
+        </a:defRPr>
+      </a:lvl3pPr>
+      <a:lvl4pPr eaLnBrk="1" hangingPunct="1">
+        <a:defRPr>
+          <a:solidFill>
+            <a:schemeClr val="tx2"/>
+          </a:solidFill>
+        </a:defRPr>
+      </a:lvl4pPr>
+      <a:lvl5pPr eaLnBrk="1" hangingPunct="1">
+        <a:defRPr>
+          <a:solidFill>
+            <a:schemeClr val="tx2"/>
+          </a:solidFill>
+        </a:defRPr>
+      </a:lvl5pPr>
+      <a:lvl6pPr eaLnBrk="1" hangingPunct="1">
+        <a:defRPr>
+          <a:solidFill>
+            <a:schemeClr val="tx2"/>
+          </a:solidFill>
+        </a:defRPr>
+      </a:lvl6pPr>
+      <a:lvl7pPr eaLnBrk="1" hangingPunct="1">
+        <a:defRPr>
+          <a:solidFill>
+            <a:schemeClr val="tx2"/>
+          </a:solidFill>
+        </a:defRPr>
+      </a:lvl7pPr>
+      <a:lvl8pPr eaLnBrk="1" hangingPunct="1">
+        <a:defRPr>
+          <a:solidFill>
+            <a:schemeClr val="tx2"/>
+          </a:solidFill>
+        </a:defRPr>
+      </a:lvl8pPr>
+      <a:lvl9pPr eaLnBrk="1" hangingPunct="1">
+        <a:defRPr>
+          <a:solidFill>
+            <a:schemeClr val="tx2"/>
+          </a:solidFill>
+        </a:defRPr>
+      </a:lvl9pPr>
     </p:titleStyle>
     <p:bodyStyle>
-      <a:lvl1pPr marL="228600" indent="-228600" algn="l" defTabSz="914400" rtl="0" eaLnBrk="1" latinLnBrk="0" hangingPunct="1">
+      <a:lvl1pPr marL="306000" indent="-306000" algn="l" defTabSz="457200" rtl="0" eaLnBrk="1" latinLnBrk="0" hangingPunct="1">
         <a:lnSpc>
-          <a:spcPct val="120000"/>
+          <a:spcPct val="110000"/>
         </a:lnSpc>
         <a:spcBef>
-          <a:spcPts val="1000"/>
+          <a:spcPct val="20000"/>
         </a:spcBef>
+        <a:spcAft>
+          <a:spcPts val="600"/>
+        </a:spcAft>
         <a:buClr>
           <a:schemeClr val="accent1"/>
         </a:buClr>
-        <a:buSzPct val="100000"/>
-        <a:buFont typeface="Arial" panose="020B0604020202020204" pitchFamily="34" charset="0"/>
-        <a:buChar char="•"/>
-        <a:defRPr sz="2000" kern="1200">
+        <a:buSzPct val="92000"/>
+        <a:buFont typeface="Wingdings 2" panose="05020102010507070707" pitchFamily="18" charset="2"/>
+        <a:buChar char=""/>
+        <a:defRPr sz="1700" kern="1200">
           <a:solidFill>
-            <a:schemeClr val="tx1"/>
+            <a:schemeClr val="tx1">
+              <a:lumMod val="75000"/>
+              <a:lumOff val="25000"/>
+            </a:schemeClr>
           </a:solidFill>
-          <a:effectLst/>
           <a:latin typeface="+mn-lt"/>
           <a:ea typeface="+mn-ea"/>
           <a:cs typeface="+mn-cs"/>
         </a:defRPr>
       </a:lvl1pPr>
-      <a:lvl2pPr marL="685800" indent="-228600" algn="l" defTabSz="914400" rtl="0" eaLnBrk="1" latinLnBrk="0" hangingPunct="1">
-        <a:lnSpc>
-          <a:spcPct val="120000"/>
-        </a:lnSpc>
+      <a:lvl2pPr marL="630000" indent="-306000" algn="l" defTabSz="457200" rtl="0" eaLnBrk="1" latinLnBrk="0" hangingPunct="1">
         <a:spcBef>
-          <a:spcPts val="500"/>
+          <a:spcPct val="20000"/>
         </a:spcBef>
+        <a:spcAft>
+          <a:spcPts val="600"/>
+        </a:spcAft>
         <a:buClr>
           <a:schemeClr val="accent1"/>
         </a:buClr>
-        <a:buSzPct val="100000"/>
-        <a:buFont typeface="Arial" panose="020B0604020202020204" pitchFamily="34" charset="0"/>
-        <a:buChar char="•"/>
-        <a:defRPr sz="1800" kern="1200" cap="none" baseline="0">
+        <a:buSzPct val="92000"/>
+        <a:buFont typeface="Wingdings 2" panose="05020102010507070707" pitchFamily="18" charset="2"/>
+        <a:buChar char=""/>
+        <a:defRPr sz="1400" kern="1200">
           <a:solidFill>
-            <a:schemeClr val="tx1"/>
+            <a:schemeClr val="tx1">
+              <a:lumMod val="75000"/>
+              <a:lumOff val="25000"/>
+            </a:schemeClr>
           </a:solidFill>
-          <a:effectLst/>
           <a:latin typeface="+mn-lt"/>
           <a:ea typeface="+mn-ea"/>
           <a:cs typeface="+mn-cs"/>
         </a:defRPr>
       </a:lvl2pPr>
-      <a:lvl3pPr marL="1143000" indent="-228600" algn="l" defTabSz="914400" rtl="0" eaLnBrk="1" latinLnBrk="0" hangingPunct="1">
-        <a:lnSpc>
-          <a:spcPct val="120000"/>
-        </a:lnSpc>
+      <a:lvl3pPr marL="900000" indent="-270000" algn="l" defTabSz="457200" rtl="0" eaLnBrk="1" latinLnBrk="0" hangingPunct="1">
         <a:spcBef>
-          <a:spcPts val="500"/>
+          <a:spcPct val="20000"/>
         </a:spcBef>
+        <a:spcAft>
+          <a:spcPts val="600"/>
+        </a:spcAft>
         <a:buClr>
           <a:schemeClr val="accent1"/>
         </a:buClr>
-        <a:buSzPct val="100000"/>
-        <a:buFont typeface="Arial" panose="020B0604020202020204" pitchFamily="34" charset="0"/>
-        <a:buChar char="•"/>
-        <a:defRPr sz="1600" kern="1200">
+        <a:buSzPct val="92000"/>
+        <a:buFont typeface="Wingdings 2" panose="05020102010507070707" pitchFamily="18" charset="2"/>
+        <a:buChar char=""/>
+        <a:defRPr sz="1300" kern="1200">
           <a:solidFill>
-            <a:schemeClr val="tx1"/>
+            <a:schemeClr val="tx1">
+              <a:lumMod val="75000"/>
+              <a:lumOff val="25000"/>
+            </a:schemeClr>
           </a:solidFill>
-          <a:effectLst/>
           <a:latin typeface="+mn-lt"/>
           <a:ea typeface="+mn-ea"/>
           <a:cs typeface="+mn-cs"/>
         </a:defRPr>
       </a:lvl3pPr>
-      <a:lvl4pPr marL="1600200" indent="-228600" algn="l" defTabSz="914400" rtl="0" eaLnBrk="1" latinLnBrk="0" hangingPunct="1">
-        <a:lnSpc>
-          <a:spcPct val="120000"/>
-        </a:lnSpc>
+      <a:lvl4pPr marL="1242000" indent="-234000" algn="l" defTabSz="457200" rtl="0" eaLnBrk="1" latinLnBrk="0" hangingPunct="1">
         <a:spcBef>
-          <a:spcPts val="500"/>
+          <a:spcPct val="20000"/>
         </a:spcBef>
+        <a:spcAft>
+          <a:spcPts val="600"/>
+        </a:spcAft>
         <a:buClr>
           <a:schemeClr val="accent1"/>
         </a:buClr>
-        <a:buSzPct val="100000"/>
-        <a:buFont typeface="Arial" panose="020B0604020202020204" pitchFamily="34" charset="0"/>
-        <a:buChar char="•"/>
-        <a:defRPr sz="1400" kern="1200" cap="none" baseline="0">
+        <a:buSzPct val="92000"/>
+        <a:buFont typeface="Wingdings 2" panose="05020102010507070707" pitchFamily="18" charset="2"/>
+        <a:buChar char=""/>
+        <a:defRPr sz="1100" kern="1200">
           <a:solidFill>
-            <a:schemeClr val="tx1"/>
+            <a:schemeClr val="tx1">
+              <a:lumMod val="75000"/>
+              <a:lumOff val="25000"/>
+            </a:schemeClr>
           </a:solidFill>
-          <a:effectLst/>
           <a:latin typeface="+mn-lt"/>
           <a:ea typeface="+mn-ea"/>
           <a:cs typeface="+mn-cs"/>
         </a:defRPr>
       </a:lvl4pPr>
-      <a:lvl5pPr marL="2057400" indent="-228600" algn="l" defTabSz="914400" rtl="0" eaLnBrk="1" latinLnBrk="0" hangingPunct="1">
-        <a:lnSpc>
-          <a:spcPct val="120000"/>
-        </a:lnSpc>
+      <a:lvl5pPr marL="1602000" indent="-234000" algn="l" defTabSz="457200" rtl="0" eaLnBrk="1" latinLnBrk="0" hangingPunct="1">
         <a:spcBef>
-          <a:spcPts val="500"/>
+          <a:spcPct val="20000"/>
         </a:spcBef>
+        <a:spcAft>
+          <a:spcPts val="600"/>
+        </a:spcAft>
         <a:buClr>
           <a:schemeClr val="accent1"/>
         </a:buClr>
-        <a:buSzPct val="100000"/>
-        <a:buFont typeface="Arial" panose="020B0604020202020204" pitchFamily="34" charset="0"/>
-        <a:buChar char="•"/>
-        <a:defRPr sz="1200" kern="1200">
+        <a:buSzPct val="92000"/>
+        <a:buFont typeface="Wingdings 2" panose="05020102010507070707" pitchFamily="18" charset="2"/>
+        <a:buChar char=""/>
+        <a:defRPr sz="1100" kern="1200">
           <a:solidFill>
-            <a:schemeClr val="tx1"/>
+            <a:schemeClr val="tx1">
+              <a:lumMod val="75000"/>
+              <a:lumOff val="25000"/>
+            </a:schemeClr>
           </a:solidFill>
-          <a:effectLst/>
           <a:latin typeface="+mn-lt"/>
           <a:ea typeface="+mn-ea"/>
           <a:cs typeface="+mn-cs"/>
         </a:defRPr>
       </a:lvl5pPr>
-      <a:lvl6pPr marL="2514600" indent="-228600" algn="l" defTabSz="914400" rtl="0" eaLnBrk="1" latinLnBrk="0" hangingPunct="1">
-        <a:lnSpc>
-          <a:spcPct val="120000"/>
-        </a:lnSpc>
+      <a:lvl6pPr marL="1900000" indent="-228600" algn="l" defTabSz="457200" rtl="0" eaLnBrk="1" latinLnBrk="0" hangingPunct="1">
         <a:spcBef>
-          <a:spcPts val="500"/>
+          <a:spcPct val="20000"/>
         </a:spcBef>
+        <a:spcAft>
+          <a:spcPts val="600"/>
+        </a:spcAft>
         <a:buClr>
-          <a:schemeClr val="accent1"/>
+          <a:schemeClr val="accent2"/>
         </a:buClr>
-        <a:buSzPct val="100000"/>
-        <a:buFont typeface="Arial" panose="020B0604020202020204" pitchFamily="34" charset="0"/>
-        <a:buChar char="•"/>
+        <a:buSzPct val="92000"/>
+        <a:buFont typeface="Wingdings 2" panose="05020102010507070707" pitchFamily="18" charset="2"/>
+        <a:buChar char=""/>
         <a:defRPr sz="1200" kern="1200">
           <a:solidFill>
-            <a:schemeClr val="tx1"/>
+            <a:schemeClr val="tx2"/>
           </a:solidFill>
-          <a:effectLst/>
           <a:latin typeface="+mn-lt"/>
           <a:ea typeface="+mn-ea"/>
           <a:cs typeface="+mn-cs"/>
         </a:defRPr>
       </a:lvl6pPr>
-      <a:lvl7pPr marL="2971800" indent="-228600" algn="l" defTabSz="914400" rtl="0" eaLnBrk="1" latinLnBrk="0" hangingPunct="1">
-        <a:lnSpc>
-          <a:spcPct val="120000"/>
-        </a:lnSpc>
+      <a:lvl7pPr marL="2200000" indent="-228600" algn="l" defTabSz="457200" rtl="0" eaLnBrk="1" latinLnBrk="0" hangingPunct="1">
         <a:spcBef>
-          <a:spcPts val="500"/>
+          <a:spcPct val="20000"/>
         </a:spcBef>
+        <a:spcAft>
+          <a:spcPts val="600"/>
+        </a:spcAft>
         <a:buClr>
-          <a:schemeClr val="accent1"/>
+          <a:schemeClr val="accent2"/>
         </a:buClr>
-        <a:buSzPct val="100000"/>
-        <a:buFont typeface="Arial" panose="020B0604020202020204" pitchFamily="34" charset="0"/>
-        <a:buChar char="•"/>
+        <a:buSzPct val="92000"/>
+        <a:buFont typeface="Wingdings 2" panose="05020102010507070707" pitchFamily="18" charset="2"/>
+        <a:buChar char=""/>
         <a:defRPr sz="1200" kern="1200">
           <a:solidFill>
-            <a:schemeClr val="tx1"/>
+            <a:schemeClr val="tx2"/>
           </a:solidFill>
-          <a:effectLst/>
           <a:latin typeface="+mn-lt"/>
           <a:ea typeface="+mn-ea"/>
           <a:cs typeface="+mn-cs"/>
         </a:defRPr>
       </a:lvl7pPr>
-      <a:lvl8pPr marL="3429000" indent="-228600" algn="l" defTabSz="914400" rtl="0" eaLnBrk="1" latinLnBrk="0" hangingPunct="1">
-        <a:lnSpc>
-          <a:spcPct val="120000"/>
-        </a:lnSpc>
+      <a:lvl8pPr marL="2500000" indent="-228600" algn="l" defTabSz="457200" rtl="0" eaLnBrk="1" latinLnBrk="0" hangingPunct="1">
         <a:spcBef>
-          <a:spcPts val="500"/>
+          <a:spcPct val="20000"/>
         </a:spcBef>
+        <a:spcAft>
+          <a:spcPts val="600"/>
+        </a:spcAft>
         <a:buClr>
-          <a:schemeClr val="accent1"/>
+          <a:schemeClr val="accent2"/>
         </a:buClr>
-        <a:buSzPct val="100000"/>
-        <a:buFont typeface="Arial" panose="020B0604020202020204" pitchFamily="34" charset="0"/>
-        <a:buChar char="•"/>
-        <a:defRPr sz="1200" kern="1200" baseline="0">
+        <a:buSzPct val="92000"/>
+        <a:buFont typeface="Wingdings 2" panose="05020102010507070707" pitchFamily="18" charset="2"/>
+        <a:buChar char=""/>
+        <a:defRPr sz="1200" kern="1200">
           <a:solidFill>
-            <a:schemeClr val="tx1"/>
+            <a:schemeClr val="tx2"/>
           </a:solidFill>
-          <a:effectLst/>
           <a:latin typeface="+mn-lt"/>
           <a:ea typeface="+mn-ea"/>
           <a:cs typeface="+mn-cs"/>
         </a:defRPr>
       </a:lvl8pPr>
-      <a:lvl9pPr marL="3886200" indent="-228600" algn="l" defTabSz="914400" rtl="0" eaLnBrk="1" latinLnBrk="0" hangingPunct="1">
-        <a:lnSpc>
-          <a:spcPct val="120000"/>
-        </a:lnSpc>
+      <a:lvl9pPr marL="2800000" indent="-228600" algn="l" defTabSz="457200" rtl="0" eaLnBrk="1" latinLnBrk="0" hangingPunct="1">
         <a:spcBef>
-          <a:spcPts val="500"/>
+          <a:spcPct val="20000"/>
         </a:spcBef>
+        <a:spcAft>
+          <a:spcPts val="600"/>
+        </a:spcAft>
         <a:buClr>
-          <a:schemeClr val="accent1"/>
+          <a:schemeClr val="accent2"/>
         </a:buClr>
-        <a:buSzPct val="100000"/>
-        <a:buFont typeface="Arial" panose="020B0604020202020204" pitchFamily="34" charset="0"/>
-        <a:buChar char="•"/>
-        <a:defRPr sz="1200" kern="1200" baseline="0">
+        <a:buSzPct val="92000"/>
+        <a:buFont typeface="Wingdings 2" panose="05020102010507070707" pitchFamily="18" charset="2"/>
+        <a:buChar char=""/>
+        <a:defRPr sz="1200" kern="1200">
           <a:solidFill>
-            <a:schemeClr val="tx1"/>
+            <a:schemeClr val="tx2"/>
           </a:solidFill>
-          <a:effectLst/>
           <a:latin typeface="+mn-lt"/>
           <a:ea typeface="+mn-ea"/>
           <a:cs typeface="+mn-cs"/>
@@ -3455,7 +3745,7 @@
       <a:defPPr>
         <a:defRPr lang="en-US"/>
       </a:defPPr>
-      <a:lvl1pPr marL="0" algn="l" defTabSz="914400" rtl="0" eaLnBrk="1" latinLnBrk="0" hangingPunct="1">
+      <a:lvl1pPr marL="0" algn="l" defTabSz="457200" rtl="0" eaLnBrk="1" latinLnBrk="0" hangingPunct="1">
         <a:defRPr sz="1800" kern="1200">
           <a:solidFill>
             <a:schemeClr val="tx1"/>
@@ -3465,7 +3755,7 @@
           <a:cs typeface="+mn-cs"/>
         </a:defRPr>
       </a:lvl1pPr>
-      <a:lvl2pPr marL="457200" algn="l" defTabSz="914400" rtl="0" eaLnBrk="1" latinLnBrk="0" hangingPunct="1">
+      <a:lvl2pPr marL="457200" algn="l" defTabSz="457200" rtl="0" eaLnBrk="1" latinLnBrk="0" hangingPunct="1">
         <a:defRPr sz="1800" kern="1200">
           <a:solidFill>
             <a:schemeClr val="tx1"/>
@@ -3475,7 +3765,7 @@
           <a:cs typeface="+mn-cs"/>
         </a:defRPr>
       </a:lvl2pPr>
-      <a:lvl3pPr marL="914400" algn="l" defTabSz="914400" rtl="0" eaLnBrk="1" latinLnBrk="0" hangingPunct="1">
+      <a:lvl3pPr marL="914400" algn="l" defTabSz="457200" rtl="0" eaLnBrk="1" latinLnBrk="0" hangingPunct="1">
         <a:defRPr sz="1800" kern="1200">
           <a:solidFill>
             <a:schemeClr val="tx1"/>
@@ -3485,7 +3775,7 @@
           <a:cs typeface="+mn-cs"/>
         </a:defRPr>
       </a:lvl3pPr>
-      <a:lvl4pPr marL="1371600" algn="l" defTabSz="914400" rtl="0" eaLnBrk="1" latinLnBrk="0" hangingPunct="1">
+      <a:lvl4pPr marL="1371600" algn="l" defTabSz="457200" rtl="0" eaLnBrk="1" latinLnBrk="0" hangingPunct="1">
         <a:defRPr sz="1800" kern="1200">
           <a:solidFill>
             <a:schemeClr val="tx1"/>
@@ -3495,7 +3785,7 @@
           <a:cs typeface="+mn-cs"/>
         </a:defRPr>
       </a:lvl4pPr>
-      <a:lvl5pPr marL="1828800" algn="l" defTabSz="914400" rtl="0" eaLnBrk="1" latinLnBrk="0" hangingPunct="1">
+      <a:lvl5pPr marL="1828800" algn="l" defTabSz="457200" rtl="0" eaLnBrk="1" latinLnBrk="0" hangingPunct="1">
         <a:defRPr sz="1800" kern="1200">
           <a:solidFill>
             <a:schemeClr val="tx1"/>
@@ -3505,7 +3795,7 @@
           <a:cs typeface="+mn-cs"/>
         </a:defRPr>
       </a:lvl5pPr>
-      <a:lvl6pPr marL="2286000" algn="l" defTabSz="914400" rtl="0" eaLnBrk="1" latinLnBrk="0" hangingPunct="1">
+      <a:lvl6pPr marL="2286000" algn="l" defTabSz="457200" rtl="0" eaLnBrk="1" latinLnBrk="0" hangingPunct="1">
         <a:defRPr sz="1800" kern="1200">
           <a:solidFill>
             <a:schemeClr val="tx1"/>
@@ -3515,7 +3805,7 @@
           <a:cs typeface="+mn-cs"/>
         </a:defRPr>
       </a:lvl6pPr>
-      <a:lvl7pPr marL="2743200" algn="l" defTabSz="914400" rtl="0" eaLnBrk="1" latinLnBrk="0" hangingPunct="1">
+      <a:lvl7pPr marL="2743200" algn="l" defTabSz="457200" rtl="0" eaLnBrk="1" latinLnBrk="0" hangingPunct="1">
         <a:defRPr sz="1800" kern="1200">
           <a:solidFill>
             <a:schemeClr val="tx1"/>
@@ -3525,7 +3815,7 @@
           <a:cs typeface="+mn-cs"/>
         </a:defRPr>
       </a:lvl7pPr>
-      <a:lvl8pPr marL="3200400" algn="l" defTabSz="914400" rtl="0" eaLnBrk="1" latinLnBrk="0" hangingPunct="1">
+      <a:lvl8pPr marL="3200400" algn="l" defTabSz="457200" rtl="0" eaLnBrk="1" latinLnBrk="0" hangingPunct="1">
         <a:defRPr sz="1800" kern="1200">
           <a:solidFill>
             <a:schemeClr val="tx1"/>
@@ -3535,7 +3825,7 @@
           <a:cs typeface="+mn-cs"/>
         </a:defRPr>
       </a:lvl8pPr>
-      <a:lvl9pPr marL="3657600" algn="l" defTabSz="914400" rtl="0" eaLnBrk="1" latinLnBrk="0" hangingPunct="1">
+      <a:lvl9pPr marL="3657600" algn="l" defTabSz="457200" rtl="0" eaLnBrk="1" latinLnBrk="0" hangingPunct="1">
         <a:defRPr sz="1800" kern="1200">
           <a:solidFill>
             <a:schemeClr val="tx1"/>
@@ -3597,12 +3887,24 @@
           <a:p>
             <a:pPr algn="ctr"/>
             <a:r>
-              <a:rPr lang="en-US" sz="4000" dirty="0" err="1"/>
-              <a:t>Emplyoee</a:t>
-            </a:r>
-            <a:r>
-              <a:rPr lang="en-US" sz="4000" dirty="0"/>
-              <a:t> Salary prediction</a:t>
+              <a:rPr lang="en-US" sz="2800" dirty="0">
+                <a:latin typeface="Arial Black" panose="020B0A04020102020204" pitchFamily="34" charset="0"/>
+                <a:cs typeface="Arial" panose="020B0604020202020204" pitchFamily="34" charset="0"/>
+              </a:rPr>
+              <a:t>Employee Salary prediction</a:t>
+            </a:r>
+            <a:br>
+              <a:rPr lang="en-US" sz="2800" dirty="0">
+                <a:latin typeface="Arial Black" panose="020B0A04020102020204" pitchFamily="34" charset="0"/>
+                <a:cs typeface="Arial" panose="020B0604020202020204" pitchFamily="34" charset="0"/>
+              </a:rPr>
+            </a:br>
+            <a:r>
+              <a:rPr lang="en-US" sz="2800" dirty="0">
+                <a:latin typeface="Arial Black" panose="020B0A04020102020204" pitchFamily="34" charset="0"/>
+                <a:cs typeface="Arial" panose="020B0604020202020204" pitchFamily="34" charset="0"/>
+              </a:rPr>
+              <a:t>using linear regression</a:t>
             </a:r>
           </a:p>
         </p:txBody>
@@ -3631,13 +3933,13 @@
         </p:spPr>
         <p:txBody>
           <a:bodyPr>
-            <a:normAutofit lnSpcReduction="10000"/>
+            <a:normAutofit/>
           </a:bodyPr>
           <a:lstStyle/>
           <a:p>
             <a:pPr algn="ctr"/>
             <a:r>
-              <a:rPr lang="en-US" dirty="0">
+              <a:rPr lang="en-US" sz="1800" dirty="0">
                 <a:latin typeface="Aparajita" panose="02020603050405020304" pitchFamily="18" charset="0"/>
                 <a:cs typeface="Aparajita" panose="02020603050405020304" pitchFamily="18" charset="0"/>
               </a:rPr>
@@ -3647,7 +3949,7 @@
           <a:p>
             <a:pPr algn="ctr"/>
             <a:r>
-              <a:rPr lang="en-US" dirty="0">
+              <a:rPr lang="en-US" sz="1800" dirty="0">
                 <a:latin typeface="Aparajita" panose="02020603050405020304" pitchFamily="18" charset="0"/>
                 <a:cs typeface="Aparajita" panose="02020603050405020304" pitchFamily="18" charset="0"/>
               </a:rPr>
@@ -3657,31 +3959,17 @@
           <a:p>
             <a:pPr algn="ctr"/>
             <a:r>
-              <a:rPr lang="en-US" dirty="0">
+              <a:rPr lang="en-US" sz="1800" dirty="0">
                 <a:latin typeface="Aparajita" panose="02020603050405020304" pitchFamily="18" charset="0"/>
                 <a:cs typeface="Aparajita" panose="02020603050405020304" pitchFamily="18" charset="0"/>
               </a:rPr>
-              <a:t>College name – </a:t>
-            </a:r>
-            <a:r>
-              <a:rPr lang="en-US" dirty="0" err="1">
-                <a:latin typeface="Aparajita" panose="02020603050405020304" pitchFamily="18" charset="0"/>
-                <a:cs typeface="Aparajita" panose="02020603050405020304" pitchFamily="18" charset="0"/>
-              </a:rPr>
-              <a:t>k.k.</a:t>
-            </a:r>
-            <a:r>
-              <a:rPr lang="en-US" dirty="0">
-                <a:latin typeface="Aparajita" panose="02020603050405020304" pitchFamily="18" charset="0"/>
-                <a:cs typeface="Aparajita" panose="02020603050405020304" pitchFamily="18" charset="0"/>
-              </a:rPr>
-              <a:t> college of engineering &amp; management</a:t>
+              <a:t>College name – k.k. college of engineering &amp; management</a:t>
             </a:r>
           </a:p>
           <a:p>
             <a:pPr algn="ctr"/>
             <a:r>
-              <a:rPr lang="en-US" dirty="0">
+              <a:rPr lang="en-US" sz="1800" dirty="0">
                 <a:latin typeface="Aparajita" panose="02020603050405020304" pitchFamily="18" charset="0"/>
                 <a:cs typeface="Aparajita" panose="02020603050405020304" pitchFamily="18" charset="0"/>
               </a:rPr>
@@ -3697,6 +3985,1659 @@
     <p:extLst>
       <p:ext uri="{BB962C8B-B14F-4D97-AF65-F5344CB8AC3E}">
         <p14:creationId xmlns:p14="http://schemas.microsoft.com/office/powerpoint/2010/main" val="2796588484"/>
+      </p:ext>
+    </p:extLst>
+  </p:cSld>
+  <p:clrMapOvr>
+    <a:masterClrMapping/>
+  </p:clrMapOvr>
+</p:sld>
+</file>
+
+<file path=ppt/slides/slide10.xml><?xml version="1.0" encoding="utf-8"?>
+<p:sld xmlns:a="http://schemas.openxmlformats.org/drawingml/2006/main" xmlns:r="http://schemas.openxmlformats.org/officeDocument/2006/relationships" xmlns:p="http://schemas.openxmlformats.org/presentationml/2006/main">
+  <p:cSld>
+    <p:spTree>
+      <p:nvGrpSpPr>
+        <p:cNvPr id="1" name=""/>
+        <p:cNvGrpSpPr/>
+        <p:nvPr/>
+      </p:nvGrpSpPr>
+      <p:grpSpPr>
+        <a:xfrm>
+          <a:off x="0" y="0"/>
+          <a:ext cx="0" cy="0"/>
+          <a:chOff x="0" y="0"/>
+          <a:chExt cx="0" cy="0"/>
+        </a:xfrm>
+      </p:grpSpPr>
+      <p:sp>
+        <p:nvSpPr>
+          <p:cNvPr id="2" name="Title 1">
+            <a:extLst>
+              <a:ext uri="{FF2B5EF4-FFF2-40B4-BE49-F238E27FC236}">
+                <a16:creationId xmlns:a16="http://schemas.microsoft.com/office/drawing/2014/main" id="{B4359383-B7A8-07C3-FC73-1F486B297145}"/>
+              </a:ext>
+            </a:extLst>
+          </p:cNvPr>
+          <p:cNvSpPr>
+            <a:spLocks noGrp="1"/>
+          </p:cNvSpPr>
+          <p:nvPr>
+            <p:ph type="title"/>
+          </p:nvPr>
+        </p:nvSpPr>
+        <p:spPr/>
+        <p:txBody>
+          <a:bodyPr/>
+          <a:lstStyle/>
+          <a:p>
+            <a:r>
+              <a:rPr lang="en-US"/>
+              <a:t> Algorithm &amp; Deployment</a:t>
+            </a:r>
+          </a:p>
+        </p:txBody>
+      </p:sp>
+      <p:pic>
+        <p:nvPicPr>
+          <p:cNvPr id="5" name="Content Placeholder 4">
+            <a:extLst>
+              <a:ext uri="{FF2B5EF4-FFF2-40B4-BE49-F238E27FC236}">
+                <a16:creationId xmlns:a16="http://schemas.microsoft.com/office/drawing/2014/main" id="{09918087-E0DF-CA0D-0E07-CAD65D174EB9}"/>
+              </a:ext>
+            </a:extLst>
+          </p:cNvPr>
+          <p:cNvPicPr>
+            <a:picLocks noGrp="1" noChangeAspect="1"/>
+          </p:cNvPicPr>
+          <p:nvPr>
+            <p:ph idx="1"/>
+          </p:nvPr>
+        </p:nvPicPr>
+        <p:blipFill>
+          <a:blip r:embed="rId2"/>
+          <a:stretch>
+            <a:fillRect/>
+          </a:stretch>
+        </p:blipFill>
+        <p:spPr>
+          <a:xfrm>
+            <a:off x="581193" y="2026763"/>
+            <a:ext cx="5678206" cy="3968684"/>
+          </a:xfrm>
+        </p:spPr>
+      </p:pic>
+      <p:pic>
+        <p:nvPicPr>
+          <p:cNvPr id="6" name="Content Placeholder 4">
+            <a:extLst>
+              <a:ext uri="{FF2B5EF4-FFF2-40B4-BE49-F238E27FC236}">
+                <a16:creationId xmlns:a16="http://schemas.microsoft.com/office/drawing/2014/main" id="{03793609-8756-E6C3-CE6A-1D79672ACFAA}"/>
+              </a:ext>
+            </a:extLst>
+          </p:cNvPr>
+          <p:cNvPicPr>
+            <a:picLocks noChangeAspect="1"/>
+          </p:cNvPicPr>
+          <p:nvPr/>
+        </p:nvPicPr>
+        <p:blipFill>
+          <a:blip r:embed="rId3"/>
+          <a:stretch>
+            <a:fillRect/>
+          </a:stretch>
+        </p:blipFill>
+        <p:spPr>
+          <a:xfrm>
+            <a:off x="6623902" y="2154648"/>
+            <a:ext cx="5228985" cy="3840799"/>
+          </a:xfrm>
+          <a:prstGeom prst="rect">
+            <a:avLst/>
+          </a:prstGeom>
+        </p:spPr>
+      </p:pic>
+      <p:sp>
+        <p:nvSpPr>
+          <p:cNvPr id="8" name="TextBox 7">
+            <a:extLst>
+              <a:ext uri="{FF2B5EF4-FFF2-40B4-BE49-F238E27FC236}">
+                <a16:creationId xmlns:a16="http://schemas.microsoft.com/office/drawing/2014/main" id="{2C0905D0-761C-3791-5F4D-BC39BE37CAB8}"/>
+              </a:ext>
+            </a:extLst>
+          </p:cNvPr>
+          <p:cNvSpPr txBox="1"/>
+          <p:nvPr/>
+        </p:nvSpPr>
+        <p:spPr>
+          <a:xfrm>
+            <a:off x="581192" y="1508884"/>
+            <a:ext cx="6094428" cy="369332"/>
+          </a:xfrm>
+          <a:prstGeom prst="rect">
+            <a:avLst/>
+          </a:prstGeom>
+          <a:noFill/>
+        </p:spPr>
+        <p:txBody>
+          <a:bodyPr wrap="square">
+            <a:spAutoFit/>
+          </a:bodyPr>
+          <a:lstStyle/>
+          <a:p>
+            <a:r>
+              <a:rPr lang="en-US" sz="1800" b="1" dirty="0">
+                <a:latin typeface="Arial Narrow" panose="020B0606020202030204" pitchFamily="34" charset="0"/>
+                <a:cs typeface="Arial" panose="020B0604020202020204" pitchFamily="34" charset="0"/>
+              </a:rPr>
+              <a:t>Import </a:t>
+            </a:r>
+            <a:r>
+              <a:rPr lang="en-US" b="1" dirty="0">
+                <a:latin typeface="Arial Narrow" panose="020B0606020202030204" pitchFamily="34" charset="0"/>
+                <a:cs typeface="Arial" panose="020B0604020202020204" pitchFamily="34" charset="0"/>
+              </a:rPr>
+              <a:t>the required </a:t>
+            </a:r>
+            <a:r>
+              <a:rPr lang="en-US" sz="1800" b="1" dirty="0">
+                <a:latin typeface="Arial Narrow" panose="020B0606020202030204" pitchFamily="34" charset="0"/>
+                <a:cs typeface="Arial" panose="020B0604020202020204" pitchFamily="34" charset="0"/>
+              </a:rPr>
+              <a:t>Librar</a:t>
+            </a:r>
+            <a:r>
+              <a:rPr lang="en-US" b="1" dirty="0">
+                <a:latin typeface="Arial Narrow" panose="020B0606020202030204" pitchFamily="34" charset="0"/>
+                <a:cs typeface="Arial" panose="020B0604020202020204" pitchFamily="34" charset="0"/>
+              </a:rPr>
+              <a:t>ies</a:t>
+            </a:r>
+            <a:endParaRPr lang="en-US" dirty="0"/>
+          </a:p>
+        </p:txBody>
+      </p:sp>
+      <p:sp>
+        <p:nvSpPr>
+          <p:cNvPr id="10" name="TextBox 9">
+            <a:extLst>
+              <a:ext uri="{FF2B5EF4-FFF2-40B4-BE49-F238E27FC236}">
+                <a16:creationId xmlns:a16="http://schemas.microsoft.com/office/drawing/2014/main" id="{04AC7CEB-EF0C-801D-9126-C9DBB5353B9B}"/>
+              </a:ext>
+            </a:extLst>
+          </p:cNvPr>
+          <p:cNvSpPr txBox="1"/>
+          <p:nvPr/>
+        </p:nvSpPr>
+        <p:spPr>
+          <a:xfrm>
+            <a:off x="6544559" y="1508884"/>
+            <a:ext cx="6094428" cy="369332"/>
+          </a:xfrm>
+          <a:prstGeom prst="rect">
+            <a:avLst/>
+          </a:prstGeom>
+          <a:noFill/>
+        </p:spPr>
+        <p:txBody>
+          <a:bodyPr wrap="square">
+            <a:spAutoFit/>
+          </a:bodyPr>
+          <a:lstStyle/>
+          <a:p>
+            <a:r>
+              <a:rPr lang="en-US" sz="1800" b="1" dirty="0"/>
+              <a:t>Initialise and print the Dataset</a:t>
+            </a:r>
+            <a:endParaRPr lang="en-US" sz="1600" dirty="0"/>
+          </a:p>
+        </p:txBody>
+      </p:sp>
+    </p:spTree>
+    <p:extLst>
+      <p:ext uri="{BB962C8B-B14F-4D97-AF65-F5344CB8AC3E}">
+        <p14:creationId xmlns:p14="http://schemas.microsoft.com/office/powerpoint/2010/main" val="120229816"/>
+      </p:ext>
+    </p:extLst>
+  </p:cSld>
+  <p:clrMapOvr>
+    <a:masterClrMapping/>
+  </p:clrMapOvr>
+</p:sld>
+</file>
+
+<file path=ppt/slides/slide11.xml><?xml version="1.0" encoding="utf-8"?>
+<p:sld xmlns:a="http://schemas.openxmlformats.org/drawingml/2006/main" xmlns:r="http://schemas.openxmlformats.org/officeDocument/2006/relationships" xmlns:p="http://schemas.openxmlformats.org/presentationml/2006/main">
+  <p:cSld>
+    <p:spTree>
+      <p:nvGrpSpPr>
+        <p:cNvPr id="1" name=""/>
+        <p:cNvGrpSpPr/>
+        <p:nvPr/>
+      </p:nvGrpSpPr>
+      <p:grpSpPr>
+        <a:xfrm>
+          <a:off x="0" y="0"/>
+          <a:ext cx="0" cy="0"/>
+          <a:chOff x="0" y="0"/>
+          <a:chExt cx="0" cy="0"/>
+        </a:xfrm>
+      </p:grpSpPr>
+      <p:sp>
+        <p:nvSpPr>
+          <p:cNvPr id="2" name="Title 1">
+            <a:extLst>
+              <a:ext uri="{FF2B5EF4-FFF2-40B4-BE49-F238E27FC236}">
+                <a16:creationId xmlns:a16="http://schemas.microsoft.com/office/drawing/2014/main" id="{74189FF7-1CB2-5972-B1AC-B3BBBFE69AA5}"/>
+              </a:ext>
+            </a:extLst>
+          </p:cNvPr>
+          <p:cNvSpPr>
+            <a:spLocks noGrp="1"/>
+          </p:cNvSpPr>
+          <p:nvPr>
+            <p:ph type="title"/>
+          </p:nvPr>
+        </p:nvSpPr>
+        <p:spPr/>
+        <p:txBody>
+          <a:bodyPr>
+            <a:normAutofit fontScale="90000"/>
+          </a:bodyPr>
+          <a:lstStyle/>
+          <a:p>
+            <a:r>
+              <a:rPr lang="en-US" dirty="0">
+                <a:latin typeface="Arial Black" panose="020B0A04020102020204" pitchFamily="34" charset="0"/>
+              </a:rPr>
+              <a:t>Algorithm &amp; deployment</a:t>
+            </a:r>
+            <a:endParaRPr lang="en-US" dirty="0"/>
+          </a:p>
+        </p:txBody>
+      </p:sp>
+      <p:sp>
+        <p:nvSpPr>
+          <p:cNvPr id="3" name="Content Placeholder 2">
+            <a:extLst>
+              <a:ext uri="{FF2B5EF4-FFF2-40B4-BE49-F238E27FC236}">
+                <a16:creationId xmlns:a16="http://schemas.microsoft.com/office/drawing/2014/main" id="{4CA2DBBC-A1F9-6309-ADBE-89EE63C4FB68}"/>
+              </a:ext>
+            </a:extLst>
+          </p:cNvPr>
+          <p:cNvSpPr>
+            <a:spLocks noGrp="1"/>
+          </p:cNvSpPr>
+          <p:nvPr>
+            <p:ph sz="half" idx="1"/>
+          </p:nvPr>
+        </p:nvSpPr>
+        <p:spPr>
+          <a:xfrm>
+            <a:off x="581193" y="1391481"/>
+            <a:ext cx="4916093" cy="1700062"/>
+          </a:xfrm>
+        </p:spPr>
+        <p:txBody>
+          <a:bodyPr>
+            <a:normAutofit/>
+          </a:bodyPr>
+          <a:lstStyle/>
+          <a:p>
+            <a:r>
+              <a:rPr lang="en-US" sz="1600" b="1" dirty="0"/>
+              <a:t>Select all the row and column 1 from the dataset to “x”</a:t>
+            </a:r>
+          </a:p>
+          <a:p>
+            <a:endParaRPr lang="en-US" sz="1600" dirty="0"/>
+          </a:p>
+          <a:p>
+            <a:endParaRPr lang="en-US" sz="1600" b="1" u="sng" dirty="0"/>
+          </a:p>
+          <a:p>
+            <a:endParaRPr lang="en-US" dirty="0"/>
+          </a:p>
+        </p:txBody>
+      </p:sp>
+      <p:sp>
+        <p:nvSpPr>
+          <p:cNvPr id="9" name="Content Placeholder 8">
+            <a:extLst>
+              <a:ext uri="{FF2B5EF4-FFF2-40B4-BE49-F238E27FC236}">
+                <a16:creationId xmlns:a16="http://schemas.microsoft.com/office/drawing/2014/main" id="{B6BD71CA-6DA3-66DC-8746-28E126D90824}"/>
+              </a:ext>
+            </a:extLst>
+          </p:cNvPr>
+          <p:cNvSpPr>
+            <a:spLocks noGrp="1"/>
+          </p:cNvSpPr>
+          <p:nvPr>
+            <p:ph sz="half" idx="2"/>
+          </p:nvPr>
+        </p:nvSpPr>
+        <p:spPr>
+          <a:xfrm>
+            <a:off x="6416038" y="1222513"/>
+            <a:ext cx="5194769" cy="818321"/>
+          </a:xfrm>
+        </p:spPr>
+        <p:txBody>
+          <a:bodyPr/>
+          <a:lstStyle/>
+          <a:p>
+            <a:r>
+              <a:rPr lang="en-US" b="1" dirty="0"/>
+              <a:t>Check null values</a:t>
+            </a:r>
+          </a:p>
+        </p:txBody>
+      </p:sp>
+      <p:pic>
+        <p:nvPicPr>
+          <p:cNvPr id="11" name="Picture 10">
+            <a:extLst>
+              <a:ext uri="{FF2B5EF4-FFF2-40B4-BE49-F238E27FC236}">
+                <a16:creationId xmlns:a16="http://schemas.microsoft.com/office/drawing/2014/main" id="{A28F9DE8-86E8-586C-4F4B-04AC4AB51E76}"/>
+              </a:ext>
+            </a:extLst>
+          </p:cNvPr>
+          <p:cNvPicPr>
+            <a:picLocks noChangeAspect="1"/>
+          </p:cNvPicPr>
+          <p:nvPr/>
+        </p:nvPicPr>
+        <p:blipFill>
+          <a:blip r:embed="rId2"/>
+          <a:stretch>
+            <a:fillRect/>
+          </a:stretch>
+        </p:blipFill>
+        <p:spPr>
+          <a:xfrm>
+            <a:off x="305541" y="2124874"/>
+            <a:ext cx="5888430" cy="3823431"/>
+          </a:xfrm>
+          <a:prstGeom prst="rect">
+            <a:avLst/>
+          </a:prstGeom>
+        </p:spPr>
+      </p:pic>
+      <p:pic>
+        <p:nvPicPr>
+          <p:cNvPr id="13" name="Picture 12">
+            <a:extLst>
+              <a:ext uri="{FF2B5EF4-FFF2-40B4-BE49-F238E27FC236}">
+                <a16:creationId xmlns:a16="http://schemas.microsoft.com/office/drawing/2014/main" id="{AC6CEA05-1727-9839-1AFC-BDCCDFD86FFA}"/>
+              </a:ext>
+            </a:extLst>
+          </p:cNvPr>
+          <p:cNvPicPr>
+            <a:picLocks noChangeAspect="1"/>
+          </p:cNvPicPr>
+          <p:nvPr/>
+        </p:nvPicPr>
+        <p:blipFill>
+          <a:blip r:embed="rId3"/>
+          <a:stretch>
+            <a:fillRect/>
+          </a:stretch>
+        </p:blipFill>
+        <p:spPr>
+          <a:xfrm>
+            <a:off x="6193971" y="2124874"/>
+            <a:ext cx="5519058" cy="4069073"/>
+          </a:xfrm>
+          <a:prstGeom prst="rect">
+            <a:avLst/>
+          </a:prstGeom>
+        </p:spPr>
+      </p:pic>
+    </p:spTree>
+    <p:extLst>
+      <p:ext uri="{BB962C8B-B14F-4D97-AF65-F5344CB8AC3E}">
+        <p14:creationId xmlns:p14="http://schemas.microsoft.com/office/powerpoint/2010/main" val="2841060056"/>
+      </p:ext>
+    </p:extLst>
+  </p:cSld>
+  <p:clrMapOvr>
+    <a:masterClrMapping/>
+  </p:clrMapOvr>
+</p:sld>
+</file>
+
+<file path=ppt/slides/slide12.xml><?xml version="1.0" encoding="utf-8"?>
+<p:sld xmlns:a="http://schemas.openxmlformats.org/drawingml/2006/main" xmlns:r="http://schemas.openxmlformats.org/officeDocument/2006/relationships" xmlns:p="http://schemas.openxmlformats.org/presentationml/2006/main">
+  <p:cSld>
+    <p:spTree>
+      <p:nvGrpSpPr>
+        <p:cNvPr id="1" name=""/>
+        <p:cNvGrpSpPr/>
+        <p:nvPr/>
+      </p:nvGrpSpPr>
+      <p:grpSpPr>
+        <a:xfrm>
+          <a:off x="0" y="0"/>
+          <a:ext cx="0" cy="0"/>
+          <a:chOff x="0" y="0"/>
+          <a:chExt cx="0" cy="0"/>
+        </a:xfrm>
+      </p:grpSpPr>
+      <p:sp>
+        <p:nvSpPr>
+          <p:cNvPr id="2" name="Title 1">
+            <a:extLst>
+              <a:ext uri="{FF2B5EF4-FFF2-40B4-BE49-F238E27FC236}">
+                <a16:creationId xmlns:a16="http://schemas.microsoft.com/office/drawing/2014/main" id="{72FB7E99-4CDB-E18D-8FBE-4ECD347A516F}"/>
+              </a:ext>
+            </a:extLst>
+          </p:cNvPr>
+          <p:cNvSpPr>
+            <a:spLocks noGrp="1"/>
+          </p:cNvSpPr>
+          <p:nvPr>
+            <p:ph type="title"/>
+          </p:nvPr>
+        </p:nvSpPr>
+        <p:spPr/>
+        <p:txBody>
+          <a:bodyPr/>
+          <a:lstStyle/>
+          <a:p>
+            <a:r>
+              <a:rPr lang="en-US">
+                <a:latin typeface="Arial Black" panose="020B0A04020102020204" pitchFamily="34" charset="0"/>
+              </a:rPr>
+              <a:t>Algorithm &amp; deployment</a:t>
+            </a:r>
+            <a:endParaRPr lang="en-US" dirty="0"/>
+          </a:p>
+        </p:txBody>
+      </p:sp>
+      <p:pic>
+        <p:nvPicPr>
+          <p:cNvPr id="5" name="Content Placeholder 4">
+            <a:extLst>
+              <a:ext uri="{FF2B5EF4-FFF2-40B4-BE49-F238E27FC236}">
+                <a16:creationId xmlns:a16="http://schemas.microsoft.com/office/drawing/2014/main" id="{179D38DD-8D01-38F8-9239-1E0BCEBFBECF}"/>
+              </a:ext>
+            </a:extLst>
+          </p:cNvPr>
+          <p:cNvPicPr>
+            <a:picLocks noGrp="1" noChangeAspect="1"/>
+          </p:cNvPicPr>
+          <p:nvPr>
+            <p:ph idx="1"/>
+          </p:nvPr>
+        </p:nvPicPr>
+        <p:blipFill>
+          <a:blip r:embed="rId2"/>
+          <a:stretch>
+            <a:fillRect/>
+          </a:stretch>
+        </p:blipFill>
+        <p:spPr>
+          <a:xfrm>
+            <a:off x="581192" y="2096049"/>
+            <a:ext cx="2806844" cy="2959252"/>
+          </a:xfrm>
+        </p:spPr>
+      </p:pic>
+      <p:pic>
+        <p:nvPicPr>
+          <p:cNvPr id="7" name="Picture 6">
+            <a:extLst>
+              <a:ext uri="{FF2B5EF4-FFF2-40B4-BE49-F238E27FC236}">
+                <a16:creationId xmlns:a16="http://schemas.microsoft.com/office/drawing/2014/main" id="{732892FE-81B0-3FE4-3CDB-9F99F7A5B752}"/>
+              </a:ext>
+            </a:extLst>
+          </p:cNvPr>
+          <p:cNvPicPr>
+            <a:picLocks noChangeAspect="1"/>
+          </p:cNvPicPr>
+          <p:nvPr/>
+        </p:nvPicPr>
+        <p:blipFill>
+          <a:blip r:embed="rId3"/>
+          <a:stretch>
+            <a:fillRect/>
+          </a:stretch>
+        </p:blipFill>
+        <p:spPr>
+          <a:xfrm>
+            <a:off x="3396343" y="1904436"/>
+            <a:ext cx="4408714" cy="4343964"/>
+          </a:xfrm>
+          <a:prstGeom prst="rect">
+            <a:avLst/>
+          </a:prstGeom>
+        </p:spPr>
+      </p:pic>
+      <p:pic>
+        <p:nvPicPr>
+          <p:cNvPr id="9" name="Picture 8">
+            <a:extLst>
+              <a:ext uri="{FF2B5EF4-FFF2-40B4-BE49-F238E27FC236}">
+                <a16:creationId xmlns:a16="http://schemas.microsoft.com/office/drawing/2014/main" id="{102EA169-8F87-D5AB-AB7D-E41BEC6815E0}"/>
+              </a:ext>
+            </a:extLst>
+          </p:cNvPr>
+          <p:cNvPicPr>
+            <a:picLocks noChangeAspect="1"/>
+          </p:cNvPicPr>
+          <p:nvPr/>
+        </p:nvPicPr>
+        <p:blipFill>
+          <a:blip r:embed="rId4"/>
+          <a:stretch>
+            <a:fillRect/>
+          </a:stretch>
+        </p:blipFill>
+        <p:spPr>
+          <a:xfrm>
+            <a:off x="7903029" y="1811880"/>
+            <a:ext cx="3587934" cy="4343964"/>
+          </a:xfrm>
+          <a:prstGeom prst="rect">
+            <a:avLst/>
+          </a:prstGeom>
+        </p:spPr>
+      </p:pic>
+      <p:sp>
+        <p:nvSpPr>
+          <p:cNvPr id="11" name="TextBox 10">
+            <a:extLst>
+              <a:ext uri="{FF2B5EF4-FFF2-40B4-BE49-F238E27FC236}">
+                <a16:creationId xmlns:a16="http://schemas.microsoft.com/office/drawing/2014/main" id="{495D92C4-3457-13B3-B96D-0998B32EAD69}"/>
+              </a:ext>
+            </a:extLst>
+          </p:cNvPr>
+          <p:cNvSpPr txBox="1"/>
+          <p:nvPr/>
+        </p:nvSpPr>
+        <p:spPr>
+          <a:xfrm>
+            <a:off x="581192" y="1405549"/>
+            <a:ext cx="6096000" cy="369332"/>
+          </a:xfrm>
+          <a:prstGeom prst="rect">
+            <a:avLst/>
+          </a:prstGeom>
+          <a:noFill/>
+        </p:spPr>
+        <p:txBody>
+          <a:bodyPr wrap="square">
+            <a:spAutoFit/>
+          </a:bodyPr>
+          <a:lstStyle/>
+          <a:p>
+            <a:r>
+              <a:rPr lang="en-US" b="1" dirty="0"/>
+              <a:t>Sum of null values</a:t>
+            </a:r>
+          </a:p>
+        </p:txBody>
+      </p:sp>
+      <p:sp>
+        <p:nvSpPr>
+          <p:cNvPr id="13" name="TextBox 12">
+            <a:extLst>
+              <a:ext uri="{FF2B5EF4-FFF2-40B4-BE49-F238E27FC236}">
+                <a16:creationId xmlns:a16="http://schemas.microsoft.com/office/drawing/2014/main" id="{2A83A5A5-FF76-8819-9C3D-2B3D1F7A4DF0}"/>
+              </a:ext>
+            </a:extLst>
+          </p:cNvPr>
+          <p:cNvSpPr txBox="1"/>
+          <p:nvPr/>
+        </p:nvSpPr>
+        <p:spPr>
+          <a:xfrm>
+            <a:off x="3298372" y="1383778"/>
+            <a:ext cx="6096000" cy="369332"/>
+          </a:xfrm>
+          <a:prstGeom prst="rect">
+            <a:avLst/>
+          </a:prstGeom>
+          <a:noFill/>
+        </p:spPr>
+        <p:txBody>
+          <a:bodyPr wrap="square">
+            <a:spAutoFit/>
+          </a:bodyPr>
+          <a:lstStyle/>
+          <a:p>
+            <a:r>
+              <a:rPr lang="en-US" b="1" dirty="0"/>
+              <a:t>Print education values and job title values </a:t>
+            </a:r>
+          </a:p>
+        </p:txBody>
+      </p:sp>
+      <p:sp>
+        <p:nvSpPr>
+          <p:cNvPr id="15" name="TextBox 14">
+            <a:extLst>
+              <a:ext uri="{FF2B5EF4-FFF2-40B4-BE49-F238E27FC236}">
+                <a16:creationId xmlns:a16="http://schemas.microsoft.com/office/drawing/2014/main" id="{814F0A1D-1310-ACB4-7426-654460DA96B4}"/>
+              </a:ext>
+            </a:extLst>
+          </p:cNvPr>
+          <p:cNvSpPr txBox="1"/>
+          <p:nvPr/>
+        </p:nvSpPr>
+        <p:spPr>
+          <a:xfrm>
+            <a:off x="7903029" y="1274775"/>
+            <a:ext cx="6096000" cy="369332"/>
+          </a:xfrm>
+          <a:prstGeom prst="rect">
+            <a:avLst/>
+          </a:prstGeom>
+          <a:noFill/>
+        </p:spPr>
+        <p:txBody>
+          <a:bodyPr wrap="square">
+            <a:spAutoFit/>
+          </a:bodyPr>
+          <a:lstStyle/>
+          <a:p>
+            <a:r>
+              <a:rPr lang="en-US" b="1" dirty="0"/>
+              <a:t>Count year of experience</a:t>
+            </a:r>
+          </a:p>
+        </p:txBody>
+      </p:sp>
+    </p:spTree>
+    <p:extLst>
+      <p:ext uri="{BB962C8B-B14F-4D97-AF65-F5344CB8AC3E}">
+        <p14:creationId xmlns:p14="http://schemas.microsoft.com/office/powerpoint/2010/main" val="2038450034"/>
+      </p:ext>
+    </p:extLst>
+  </p:cSld>
+  <p:clrMapOvr>
+    <a:masterClrMapping/>
+  </p:clrMapOvr>
+</p:sld>
+</file>
+
+<file path=ppt/slides/slide13.xml><?xml version="1.0" encoding="utf-8"?>
+<p:sld xmlns:a="http://schemas.openxmlformats.org/drawingml/2006/main" xmlns:r="http://schemas.openxmlformats.org/officeDocument/2006/relationships" xmlns:p="http://schemas.openxmlformats.org/presentationml/2006/main">
+  <p:cSld>
+    <p:spTree>
+      <p:nvGrpSpPr>
+        <p:cNvPr id="1" name=""/>
+        <p:cNvGrpSpPr/>
+        <p:nvPr/>
+      </p:nvGrpSpPr>
+      <p:grpSpPr>
+        <a:xfrm>
+          <a:off x="0" y="0"/>
+          <a:ext cx="0" cy="0"/>
+          <a:chOff x="0" y="0"/>
+          <a:chExt cx="0" cy="0"/>
+        </a:xfrm>
+      </p:grpSpPr>
+      <p:pic>
+        <p:nvPicPr>
+          <p:cNvPr id="3" name="Picture 2">
+            <a:extLst>
+              <a:ext uri="{FF2B5EF4-FFF2-40B4-BE49-F238E27FC236}">
+                <a16:creationId xmlns:a16="http://schemas.microsoft.com/office/drawing/2014/main" id="{6EA109F2-365A-1C8A-84F8-0D2AD3BA75D3}"/>
+              </a:ext>
+            </a:extLst>
+          </p:cNvPr>
+          <p:cNvPicPr>
+            <a:picLocks noChangeAspect="1"/>
+          </p:cNvPicPr>
+          <p:nvPr/>
+        </p:nvPicPr>
+        <p:blipFill>
+          <a:blip r:embed="rId2"/>
+          <a:stretch>
+            <a:fillRect/>
+          </a:stretch>
+        </p:blipFill>
+        <p:spPr>
+          <a:xfrm>
+            <a:off x="285130" y="1193478"/>
+            <a:ext cx="6475668" cy="2245237"/>
+          </a:xfrm>
+          <a:prstGeom prst="rect">
+            <a:avLst/>
+          </a:prstGeom>
+        </p:spPr>
+      </p:pic>
+      <p:sp>
+        <p:nvSpPr>
+          <p:cNvPr id="5" name="TextBox 4">
+            <a:extLst>
+              <a:ext uri="{FF2B5EF4-FFF2-40B4-BE49-F238E27FC236}">
+                <a16:creationId xmlns:a16="http://schemas.microsoft.com/office/drawing/2014/main" id="{AD45774E-DA31-F7D3-6798-6A8FBCCAA8AB}"/>
+              </a:ext>
+            </a:extLst>
+          </p:cNvPr>
+          <p:cNvSpPr txBox="1"/>
+          <p:nvPr/>
+        </p:nvSpPr>
+        <p:spPr>
+          <a:xfrm>
+            <a:off x="285130" y="709479"/>
+            <a:ext cx="6096000" cy="369332"/>
+          </a:xfrm>
+          <a:prstGeom prst="rect">
+            <a:avLst/>
+          </a:prstGeom>
+          <a:noFill/>
+        </p:spPr>
+        <p:txBody>
+          <a:bodyPr wrap="square">
+            <a:spAutoFit/>
+          </a:bodyPr>
+          <a:lstStyle/>
+          <a:p>
+            <a:r>
+              <a:rPr lang="en-US" b="1" dirty="0"/>
+              <a:t>Reducing job title is less than 25 counts</a:t>
+            </a:r>
+          </a:p>
+        </p:txBody>
+      </p:sp>
+      <p:pic>
+        <p:nvPicPr>
+          <p:cNvPr id="7" name="Picture 6">
+            <a:extLst>
+              <a:ext uri="{FF2B5EF4-FFF2-40B4-BE49-F238E27FC236}">
+                <a16:creationId xmlns:a16="http://schemas.microsoft.com/office/drawing/2014/main" id="{C5847A5F-98ED-25E2-564D-E49852E58A91}"/>
+              </a:ext>
+            </a:extLst>
+          </p:cNvPr>
+          <p:cNvPicPr>
+            <a:picLocks noChangeAspect="1"/>
+          </p:cNvPicPr>
+          <p:nvPr/>
+        </p:nvPicPr>
+        <p:blipFill>
+          <a:blip r:embed="rId3"/>
+          <a:stretch>
+            <a:fillRect/>
+          </a:stretch>
+        </p:blipFill>
+        <p:spPr>
+          <a:xfrm>
+            <a:off x="285130" y="3798332"/>
+            <a:ext cx="9392270" cy="2772000"/>
+          </a:xfrm>
+          <a:prstGeom prst="rect">
+            <a:avLst/>
+          </a:prstGeom>
+        </p:spPr>
+      </p:pic>
+      <p:sp>
+        <p:nvSpPr>
+          <p:cNvPr id="9" name="TextBox 8">
+            <a:extLst>
+              <a:ext uri="{FF2B5EF4-FFF2-40B4-BE49-F238E27FC236}">
+                <a16:creationId xmlns:a16="http://schemas.microsoft.com/office/drawing/2014/main" id="{5851563C-6317-0059-7DCE-B632523F926C}"/>
+              </a:ext>
+            </a:extLst>
+          </p:cNvPr>
+          <p:cNvSpPr txBox="1"/>
+          <p:nvPr/>
+        </p:nvSpPr>
+        <p:spPr>
+          <a:xfrm>
+            <a:off x="285130" y="3429000"/>
+            <a:ext cx="6096000" cy="369332"/>
+          </a:xfrm>
+          <a:prstGeom prst="rect">
+            <a:avLst/>
+          </a:prstGeom>
+          <a:noFill/>
+        </p:spPr>
+        <p:txBody>
+          <a:bodyPr wrap="square">
+            <a:spAutoFit/>
+          </a:bodyPr>
+          <a:lstStyle/>
+          <a:p>
+            <a:r>
+              <a:rPr lang="en-US" b="1" dirty="0"/>
+              <a:t>Combining repeated values</a:t>
+            </a:r>
+          </a:p>
+        </p:txBody>
+      </p:sp>
+    </p:spTree>
+    <p:extLst>
+      <p:ext uri="{BB962C8B-B14F-4D97-AF65-F5344CB8AC3E}">
+        <p14:creationId xmlns:p14="http://schemas.microsoft.com/office/powerpoint/2010/main" val="1154887841"/>
+      </p:ext>
+    </p:extLst>
+  </p:cSld>
+  <p:clrMapOvr>
+    <a:masterClrMapping/>
+  </p:clrMapOvr>
+</p:sld>
+</file>
+
+<file path=ppt/slides/slide14.xml><?xml version="1.0" encoding="utf-8"?>
+<p:sld xmlns:a="http://schemas.openxmlformats.org/drawingml/2006/main" xmlns:r="http://schemas.openxmlformats.org/officeDocument/2006/relationships" xmlns:p="http://schemas.openxmlformats.org/presentationml/2006/main">
+  <p:cSld>
+    <p:spTree>
+      <p:nvGrpSpPr>
+        <p:cNvPr id="1" name=""/>
+        <p:cNvGrpSpPr/>
+        <p:nvPr/>
+      </p:nvGrpSpPr>
+      <p:grpSpPr>
+        <a:xfrm>
+          <a:off x="0" y="0"/>
+          <a:ext cx="0" cy="0"/>
+          <a:chOff x="0" y="0"/>
+          <a:chExt cx="0" cy="0"/>
+        </a:xfrm>
+      </p:grpSpPr>
+      <p:sp>
+        <p:nvSpPr>
+          <p:cNvPr id="3" name="TextBox 2">
+            <a:extLst>
+              <a:ext uri="{FF2B5EF4-FFF2-40B4-BE49-F238E27FC236}">
+                <a16:creationId xmlns:a16="http://schemas.microsoft.com/office/drawing/2014/main" id="{D38A2F8E-6979-A945-9C29-56CCF93F2F05}"/>
+              </a:ext>
+            </a:extLst>
+          </p:cNvPr>
+          <p:cNvSpPr txBox="1"/>
+          <p:nvPr/>
+        </p:nvSpPr>
+        <p:spPr>
+          <a:xfrm>
+            <a:off x="402772" y="882134"/>
+            <a:ext cx="6096000" cy="369332"/>
+          </a:xfrm>
+          <a:prstGeom prst="rect">
+            <a:avLst/>
+          </a:prstGeom>
+          <a:noFill/>
+        </p:spPr>
+        <p:txBody>
+          <a:bodyPr wrap="square">
+            <a:spAutoFit/>
+          </a:bodyPr>
+          <a:lstStyle/>
+          <a:p>
+            <a:r>
+              <a:rPr lang="en-US" b="1" dirty="0"/>
+              <a:t>To convert categorical to numeric values</a:t>
+            </a:r>
+          </a:p>
+        </p:txBody>
+      </p:sp>
+      <p:sp>
+        <p:nvSpPr>
+          <p:cNvPr id="6" name="TextBox 5">
+            <a:extLst>
+              <a:ext uri="{FF2B5EF4-FFF2-40B4-BE49-F238E27FC236}">
+                <a16:creationId xmlns:a16="http://schemas.microsoft.com/office/drawing/2014/main" id="{0001034E-657A-EEA6-A068-BB9BFE719FFF}"/>
+              </a:ext>
+            </a:extLst>
+          </p:cNvPr>
+          <p:cNvSpPr txBox="1"/>
+          <p:nvPr/>
+        </p:nvSpPr>
+        <p:spPr>
+          <a:xfrm>
+            <a:off x="6414123" y="882134"/>
+            <a:ext cx="5505734" cy="369332"/>
+          </a:xfrm>
+          <a:prstGeom prst="rect">
+            <a:avLst/>
+          </a:prstGeom>
+          <a:noFill/>
+        </p:spPr>
+        <p:txBody>
+          <a:bodyPr wrap="square">
+            <a:spAutoFit/>
+          </a:bodyPr>
+          <a:lstStyle/>
+          <a:p>
+            <a:r>
+              <a:rPr lang="en-US" b="1" dirty="0"/>
+              <a:t>Plot graph</a:t>
+            </a:r>
+          </a:p>
+        </p:txBody>
+      </p:sp>
+      <p:pic>
+        <p:nvPicPr>
+          <p:cNvPr id="7" name="Content Placeholder 4">
+            <a:extLst>
+              <a:ext uri="{FF2B5EF4-FFF2-40B4-BE49-F238E27FC236}">
+                <a16:creationId xmlns:a16="http://schemas.microsoft.com/office/drawing/2014/main" id="{ECC6D464-7407-B001-B0FE-AB84EF2D404F}"/>
+              </a:ext>
+            </a:extLst>
+          </p:cNvPr>
+          <p:cNvPicPr>
+            <a:picLocks noChangeAspect="1"/>
+          </p:cNvPicPr>
+          <p:nvPr/>
+        </p:nvPicPr>
+        <p:blipFill>
+          <a:blip r:embed="rId2"/>
+          <a:stretch>
+            <a:fillRect/>
+          </a:stretch>
+        </p:blipFill>
+        <p:spPr>
+          <a:xfrm>
+            <a:off x="6191533" y="1586079"/>
+            <a:ext cx="5505733" cy="4398084"/>
+          </a:xfrm>
+          <a:prstGeom prst="rect">
+            <a:avLst/>
+          </a:prstGeom>
+        </p:spPr>
+      </p:pic>
+      <p:pic>
+        <p:nvPicPr>
+          <p:cNvPr id="13" name="Content Placeholder 4">
+            <a:extLst>
+              <a:ext uri="{FF2B5EF4-FFF2-40B4-BE49-F238E27FC236}">
+                <a16:creationId xmlns:a16="http://schemas.microsoft.com/office/drawing/2014/main" id="{76F22BC7-7FB7-D669-4DAA-8BDA332E430C}"/>
+              </a:ext>
+            </a:extLst>
+          </p:cNvPr>
+          <p:cNvPicPr>
+            <a:picLocks noChangeAspect="1"/>
+          </p:cNvPicPr>
+          <p:nvPr/>
+        </p:nvPicPr>
+        <p:blipFill>
+          <a:blip r:embed="rId3"/>
+          <a:stretch>
+            <a:fillRect/>
+          </a:stretch>
+        </p:blipFill>
+        <p:spPr>
+          <a:xfrm>
+            <a:off x="494735" y="1687286"/>
+            <a:ext cx="5505733" cy="4398085"/>
+          </a:xfrm>
+          <a:prstGeom prst="rect">
+            <a:avLst/>
+          </a:prstGeom>
+        </p:spPr>
+      </p:pic>
+    </p:spTree>
+    <p:extLst>
+      <p:ext uri="{BB962C8B-B14F-4D97-AF65-F5344CB8AC3E}">
+        <p14:creationId xmlns:p14="http://schemas.microsoft.com/office/powerpoint/2010/main" val="3060934912"/>
+      </p:ext>
+    </p:extLst>
+  </p:cSld>
+  <p:clrMapOvr>
+    <a:masterClrMapping/>
+  </p:clrMapOvr>
+</p:sld>
+</file>
+
+<file path=ppt/slides/slide15.xml><?xml version="1.0" encoding="utf-8"?>
+<p:sld xmlns:a="http://schemas.openxmlformats.org/drawingml/2006/main" xmlns:r="http://schemas.openxmlformats.org/officeDocument/2006/relationships" xmlns:p="http://schemas.openxmlformats.org/presentationml/2006/main">
+  <p:cSld>
+    <p:spTree>
+      <p:nvGrpSpPr>
+        <p:cNvPr id="1" name=""/>
+        <p:cNvGrpSpPr/>
+        <p:nvPr/>
+      </p:nvGrpSpPr>
+      <p:grpSpPr>
+        <a:xfrm>
+          <a:off x="0" y="0"/>
+          <a:ext cx="0" cy="0"/>
+          <a:chOff x="0" y="0"/>
+          <a:chExt cx="0" cy="0"/>
+        </a:xfrm>
+      </p:grpSpPr>
+      <p:pic>
+        <p:nvPicPr>
+          <p:cNvPr id="21" name="Picture 20">
+            <a:extLst>
+              <a:ext uri="{FF2B5EF4-FFF2-40B4-BE49-F238E27FC236}">
+                <a16:creationId xmlns:a16="http://schemas.microsoft.com/office/drawing/2014/main" id="{6626319A-7C2D-7462-C437-406A1A4932AF}"/>
+              </a:ext>
+            </a:extLst>
+          </p:cNvPr>
+          <p:cNvPicPr>
+            <a:picLocks noChangeAspect="1"/>
+          </p:cNvPicPr>
+          <p:nvPr/>
+        </p:nvPicPr>
+        <p:blipFill>
+          <a:blip r:embed="rId2"/>
+          <a:stretch>
+            <a:fillRect/>
+          </a:stretch>
+        </p:blipFill>
+        <p:spPr>
+          <a:xfrm>
+            <a:off x="581192" y="1780278"/>
+            <a:ext cx="5299235" cy="4419983"/>
+          </a:xfrm>
+          <a:prstGeom prst="rect">
+            <a:avLst/>
+          </a:prstGeom>
+        </p:spPr>
+      </p:pic>
+      <p:pic>
+        <p:nvPicPr>
+          <p:cNvPr id="25" name="Content Placeholder 24">
+            <a:extLst>
+              <a:ext uri="{FF2B5EF4-FFF2-40B4-BE49-F238E27FC236}">
+                <a16:creationId xmlns:a16="http://schemas.microsoft.com/office/drawing/2014/main" id="{F83554C7-1A1D-DCCF-6770-28E3AD3BCB0B}"/>
+              </a:ext>
+            </a:extLst>
+          </p:cNvPr>
+          <p:cNvPicPr>
+            <a:picLocks noChangeAspect="1"/>
+          </p:cNvPicPr>
+          <p:nvPr/>
+        </p:nvPicPr>
+        <p:blipFill>
+          <a:blip r:embed="rId3"/>
+          <a:stretch>
+            <a:fillRect/>
+          </a:stretch>
+        </p:blipFill>
+        <p:spPr>
+          <a:xfrm>
+            <a:off x="6096000" y="1780278"/>
+            <a:ext cx="5514808" cy="4328535"/>
+          </a:xfrm>
+          <a:prstGeom prst="rect">
+            <a:avLst/>
+          </a:prstGeom>
+        </p:spPr>
+      </p:pic>
+      <p:sp>
+        <p:nvSpPr>
+          <p:cNvPr id="3" name="TextBox 2">
+            <a:extLst>
+              <a:ext uri="{FF2B5EF4-FFF2-40B4-BE49-F238E27FC236}">
+                <a16:creationId xmlns:a16="http://schemas.microsoft.com/office/drawing/2014/main" id="{94A0AC2E-631E-B4D3-E74C-187627BFA069}"/>
+              </a:ext>
+            </a:extLst>
+          </p:cNvPr>
+          <p:cNvSpPr txBox="1"/>
+          <p:nvPr/>
+        </p:nvSpPr>
+        <p:spPr>
+          <a:xfrm>
+            <a:off x="879049" y="1144513"/>
+            <a:ext cx="6094428" cy="369332"/>
+          </a:xfrm>
+          <a:prstGeom prst="rect">
+            <a:avLst/>
+          </a:prstGeom>
+          <a:noFill/>
+        </p:spPr>
+        <p:txBody>
+          <a:bodyPr wrap="square">
+            <a:spAutoFit/>
+          </a:bodyPr>
+          <a:lstStyle/>
+          <a:p>
+            <a:r>
+              <a:rPr lang="en-US" b="1" u="sng" dirty="0"/>
+              <a:t>Predict Salary</a:t>
+            </a:r>
+          </a:p>
+        </p:txBody>
+      </p:sp>
+      <p:sp>
+        <p:nvSpPr>
+          <p:cNvPr id="5" name="TextBox 4">
+            <a:extLst>
+              <a:ext uri="{FF2B5EF4-FFF2-40B4-BE49-F238E27FC236}">
+                <a16:creationId xmlns:a16="http://schemas.microsoft.com/office/drawing/2014/main" id="{09AD8E86-1CDB-BE26-1D16-E6E191B0CAE3}"/>
+              </a:ext>
+            </a:extLst>
+          </p:cNvPr>
+          <p:cNvSpPr txBox="1"/>
+          <p:nvPr/>
+        </p:nvSpPr>
+        <p:spPr>
+          <a:xfrm>
+            <a:off x="6308889" y="1144513"/>
+            <a:ext cx="6094428" cy="369332"/>
+          </a:xfrm>
+          <a:prstGeom prst="rect">
+            <a:avLst/>
+          </a:prstGeom>
+          <a:noFill/>
+        </p:spPr>
+        <p:txBody>
+          <a:bodyPr wrap="square">
+            <a:spAutoFit/>
+          </a:bodyPr>
+          <a:lstStyle/>
+          <a:p>
+            <a:r>
+              <a:rPr lang="en-US" b="1" u="sng" dirty="0"/>
+              <a:t>Drop Salary</a:t>
+            </a:r>
+          </a:p>
+        </p:txBody>
+      </p:sp>
+    </p:spTree>
+    <p:extLst>
+      <p:ext uri="{BB962C8B-B14F-4D97-AF65-F5344CB8AC3E}">
+        <p14:creationId xmlns:p14="http://schemas.microsoft.com/office/powerpoint/2010/main" val="339783192"/>
+      </p:ext>
+    </p:extLst>
+  </p:cSld>
+  <p:clrMapOvr>
+    <a:masterClrMapping/>
+  </p:clrMapOvr>
+</p:sld>
+</file>
+
+<file path=ppt/slides/slide16.xml><?xml version="1.0" encoding="utf-8"?>
+<p:sld xmlns:a="http://schemas.openxmlformats.org/drawingml/2006/main" xmlns:r="http://schemas.openxmlformats.org/officeDocument/2006/relationships" xmlns:p="http://schemas.openxmlformats.org/presentationml/2006/main">
+  <p:cSld>
+    <p:spTree>
+      <p:nvGrpSpPr>
+        <p:cNvPr id="1" name=""/>
+        <p:cNvGrpSpPr/>
+        <p:nvPr/>
+      </p:nvGrpSpPr>
+      <p:grpSpPr>
+        <a:xfrm>
+          <a:off x="0" y="0"/>
+          <a:ext cx="0" cy="0"/>
+          <a:chOff x="0" y="0"/>
+          <a:chExt cx="0" cy="0"/>
+        </a:xfrm>
+      </p:grpSpPr>
+      <p:pic>
+        <p:nvPicPr>
+          <p:cNvPr id="3" name="Picture 2">
+            <a:extLst>
+              <a:ext uri="{FF2B5EF4-FFF2-40B4-BE49-F238E27FC236}">
+                <a16:creationId xmlns:a16="http://schemas.microsoft.com/office/drawing/2014/main" id="{896B6154-2BC2-B0D8-456B-474701F20828}"/>
+              </a:ext>
+            </a:extLst>
+          </p:cNvPr>
+          <p:cNvPicPr>
+            <a:picLocks noChangeAspect="1"/>
+          </p:cNvPicPr>
+          <p:nvPr/>
+        </p:nvPicPr>
+        <p:blipFill>
+          <a:blip r:embed="rId2"/>
+          <a:stretch>
+            <a:fillRect/>
+          </a:stretch>
+        </p:blipFill>
+        <p:spPr>
+          <a:xfrm>
+            <a:off x="711425" y="1540949"/>
+            <a:ext cx="5075360" cy="4054191"/>
+          </a:xfrm>
+          <a:prstGeom prst="rect">
+            <a:avLst/>
+          </a:prstGeom>
+        </p:spPr>
+      </p:pic>
+      <p:pic>
+        <p:nvPicPr>
+          <p:cNvPr id="5" name="Picture 4">
+            <a:extLst>
+              <a:ext uri="{FF2B5EF4-FFF2-40B4-BE49-F238E27FC236}">
+                <a16:creationId xmlns:a16="http://schemas.microsoft.com/office/drawing/2014/main" id="{9E081212-D9CB-8DF6-F0E9-C51037B84343}"/>
+              </a:ext>
+            </a:extLst>
+          </p:cNvPr>
+          <p:cNvPicPr>
+            <a:picLocks noChangeAspect="1"/>
+          </p:cNvPicPr>
+          <p:nvPr/>
+        </p:nvPicPr>
+        <p:blipFill>
+          <a:blip r:embed="rId3"/>
+          <a:stretch>
+            <a:fillRect/>
+          </a:stretch>
+        </p:blipFill>
+        <p:spPr>
+          <a:xfrm>
+            <a:off x="6183984" y="1540949"/>
+            <a:ext cx="5618375" cy="4419983"/>
+          </a:xfrm>
+          <a:prstGeom prst="rect">
+            <a:avLst/>
+          </a:prstGeom>
+        </p:spPr>
+      </p:pic>
+      <p:sp>
+        <p:nvSpPr>
+          <p:cNvPr id="7" name="TextBox 6">
+            <a:extLst>
+              <a:ext uri="{FF2B5EF4-FFF2-40B4-BE49-F238E27FC236}">
+                <a16:creationId xmlns:a16="http://schemas.microsoft.com/office/drawing/2014/main" id="{D1C67788-C42B-3F41-56EA-AB1347C98370}"/>
+              </a:ext>
+            </a:extLst>
+          </p:cNvPr>
+          <p:cNvSpPr txBox="1"/>
+          <p:nvPr/>
+        </p:nvSpPr>
+        <p:spPr>
+          <a:xfrm>
+            <a:off x="850770" y="984257"/>
+            <a:ext cx="6094428" cy="369332"/>
+          </a:xfrm>
+          <a:prstGeom prst="rect">
+            <a:avLst/>
+          </a:prstGeom>
+          <a:noFill/>
+        </p:spPr>
+        <p:txBody>
+          <a:bodyPr wrap="square">
+            <a:spAutoFit/>
+          </a:bodyPr>
+          <a:lstStyle/>
+          <a:p>
+            <a:r>
+              <a:rPr lang="en-US" b="1" u="sng" dirty="0"/>
+              <a:t>Create Models</a:t>
+            </a:r>
+          </a:p>
+        </p:txBody>
+      </p:sp>
+      <p:sp>
+        <p:nvSpPr>
+          <p:cNvPr id="9" name="TextBox 8">
+            <a:extLst>
+              <a:ext uri="{FF2B5EF4-FFF2-40B4-BE49-F238E27FC236}">
+                <a16:creationId xmlns:a16="http://schemas.microsoft.com/office/drawing/2014/main" id="{D1DAA704-66B3-993F-EC7A-6B9D8F5FDCAE}"/>
+              </a:ext>
+            </a:extLst>
+          </p:cNvPr>
+          <p:cNvSpPr txBox="1"/>
+          <p:nvPr/>
+        </p:nvSpPr>
+        <p:spPr>
+          <a:xfrm>
+            <a:off x="6438508" y="897068"/>
+            <a:ext cx="6094428" cy="369332"/>
+          </a:xfrm>
+          <a:prstGeom prst="rect">
+            <a:avLst/>
+          </a:prstGeom>
+          <a:noFill/>
+        </p:spPr>
+        <p:txBody>
+          <a:bodyPr wrap="square">
+            <a:spAutoFit/>
+          </a:bodyPr>
+          <a:lstStyle/>
+          <a:p>
+            <a:r>
+              <a:rPr lang="en-US" b="1" u="sng" dirty="0"/>
+              <a:t>Order of Best Model</a:t>
+            </a:r>
+          </a:p>
+        </p:txBody>
+      </p:sp>
+    </p:spTree>
+    <p:extLst>
+      <p:ext uri="{BB962C8B-B14F-4D97-AF65-F5344CB8AC3E}">
+        <p14:creationId xmlns:p14="http://schemas.microsoft.com/office/powerpoint/2010/main" val="789282428"/>
+      </p:ext>
+    </p:extLst>
+  </p:cSld>
+  <p:clrMapOvr>
+    <a:masterClrMapping/>
+  </p:clrMapOvr>
+</p:sld>
+</file>
+
+<file path=ppt/slides/slide17.xml><?xml version="1.0" encoding="utf-8"?>
+<p:sld xmlns:a="http://schemas.openxmlformats.org/drawingml/2006/main" xmlns:r="http://schemas.openxmlformats.org/officeDocument/2006/relationships" xmlns:p="http://schemas.openxmlformats.org/presentationml/2006/main">
+  <p:cSld>
+    <p:spTree>
+      <p:nvGrpSpPr>
+        <p:cNvPr id="1" name=""/>
+        <p:cNvGrpSpPr/>
+        <p:nvPr/>
+      </p:nvGrpSpPr>
+      <p:grpSpPr>
+        <a:xfrm>
+          <a:off x="0" y="0"/>
+          <a:ext cx="0" cy="0"/>
+          <a:chOff x="0" y="0"/>
+          <a:chExt cx="0" cy="0"/>
+        </a:xfrm>
+      </p:grpSpPr>
+      <p:pic>
+        <p:nvPicPr>
+          <p:cNvPr id="3" name="Picture 2">
+            <a:extLst>
+              <a:ext uri="{FF2B5EF4-FFF2-40B4-BE49-F238E27FC236}">
+                <a16:creationId xmlns:a16="http://schemas.microsoft.com/office/drawing/2014/main" id="{B408AB81-3D89-470C-C9AF-2026A8A65FC4}"/>
+              </a:ext>
+            </a:extLst>
+          </p:cNvPr>
+          <p:cNvPicPr>
+            <a:picLocks noChangeAspect="1"/>
+          </p:cNvPicPr>
+          <p:nvPr/>
+        </p:nvPicPr>
+        <p:blipFill>
+          <a:blip r:embed="rId2"/>
+          <a:stretch>
+            <a:fillRect/>
+          </a:stretch>
+        </p:blipFill>
+        <p:spPr>
+          <a:xfrm>
+            <a:off x="1706499" y="1187778"/>
+            <a:ext cx="8779001" cy="5243984"/>
+          </a:xfrm>
+          <a:prstGeom prst="rect">
+            <a:avLst/>
+          </a:prstGeom>
+        </p:spPr>
+      </p:pic>
+      <p:sp>
+        <p:nvSpPr>
+          <p:cNvPr id="5" name="TextBox 4">
+            <a:extLst>
+              <a:ext uri="{FF2B5EF4-FFF2-40B4-BE49-F238E27FC236}">
+                <a16:creationId xmlns:a16="http://schemas.microsoft.com/office/drawing/2014/main" id="{41F5113C-A9EC-F468-C869-34CA55CE0AEF}"/>
+              </a:ext>
+            </a:extLst>
+          </p:cNvPr>
+          <p:cNvSpPr txBox="1"/>
+          <p:nvPr/>
+        </p:nvSpPr>
+        <p:spPr>
+          <a:xfrm>
+            <a:off x="2123388" y="721821"/>
+            <a:ext cx="6094428" cy="369332"/>
+          </a:xfrm>
+          <a:prstGeom prst="rect">
+            <a:avLst/>
+          </a:prstGeom>
+          <a:noFill/>
+        </p:spPr>
+        <p:txBody>
+          <a:bodyPr wrap="square">
+            <a:spAutoFit/>
+          </a:bodyPr>
+          <a:lstStyle/>
+          <a:p>
+            <a:r>
+              <a:rPr lang="en-US" dirty="0"/>
+              <a:t>Linear Regression Model</a:t>
+            </a:r>
+          </a:p>
+        </p:txBody>
+      </p:sp>
+    </p:spTree>
+    <p:extLst>
+      <p:ext uri="{BB962C8B-B14F-4D97-AF65-F5344CB8AC3E}">
+        <p14:creationId xmlns:p14="http://schemas.microsoft.com/office/powerpoint/2010/main" val="4162008498"/>
+      </p:ext>
+    </p:extLst>
+  </p:cSld>
+  <p:clrMapOvr>
+    <a:masterClrMapping/>
+  </p:clrMapOvr>
+</p:sld>
+</file>
+
+<file path=ppt/slides/slide18.xml><?xml version="1.0" encoding="utf-8"?>
+<p:sld xmlns:a="http://schemas.openxmlformats.org/drawingml/2006/main" xmlns:r="http://schemas.openxmlformats.org/officeDocument/2006/relationships" xmlns:p="http://schemas.openxmlformats.org/presentationml/2006/main">
+  <p:cSld>
+    <p:spTree>
+      <p:nvGrpSpPr>
+        <p:cNvPr id="1" name=""/>
+        <p:cNvGrpSpPr/>
+        <p:nvPr/>
+      </p:nvGrpSpPr>
+      <p:grpSpPr>
+        <a:xfrm>
+          <a:off x="0" y="0"/>
+          <a:ext cx="0" cy="0"/>
+          <a:chOff x="0" y="0"/>
+          <a:chExt cx="0" cy="0"/>
+        </a:xfrm>
+      </p:grpSpPr>
+      <p:pic>
+        <p:nvPicPr>
+          <p:cNvPr id="3" name="Picture 2">
+            <a:extLst>
+              <a:ext uri="{FF2B5EF4-FFF2-40B4-BE49-F238E27FC236}">
+                <a16:creationId xmlns:a16="http://schemas.microsoft.com/office/drawing/2014/main" id="{499DA86B-1B57-0349-B019-1B4711C81E56}"/>
+              </a:ext>
+            </a:extLst>
+          </p:cNvPr>
+          <p:cNvPicPr>
+            <a:picLocks noChangeAspect="1"/>
+          </p:cNvPicPr>
+          <p:nvPr/>
+        </p:nvPicPr>
+        <p:blipFill>
+          <a:blip r:embed="rId2"/>
+          <a:stretch>
+            <a:fillRect/>
+          </a:stretch>
+        </p:blipFill>
+        <p:spPr>
+          <a:xfrm>
+            <a:off x="754144" y="1234911"/>
+            <a:ext cx="4759604" cy="5166986"/>
+          </a:xfrm>
+          <a:prstGeom prst="rect">
+            <a:avLst/>
+          </a:prstGeom>
+        </p:spPr>
+      </p:pic>
+      <p:pic>
+        <p:nvPicPr>
+          <p:cNvPr id="5" name="Picture 4">
+            <a:extLst>
+              <a:ext uri="{FF2B5EF4-FFF2-40B4-BE49-F238E27FC236}">
+                <a16:creationId xmlns:a16="http://schemas.microsoft.com/office/drawing/2014/main" id="{4CE5CB21-0D6F-FB79-31E2-BFB29CF6F848}"/>
+              </a:ext>
+            </a:extLst>
+          </p:cNvPr>
+          <p:cNvPicPr>
+            <a:picLocks noChangeAspect="1"/>
+          </p:cNvPicPr>
+          <p:nvPr/>
+        </p:nvPicPr>
+        <p:blipFill>
+          <a:blip r:embed="rId3"/>
+          <a:stretch>
+            <a:fillRect/>
+          </a:stretch>
+        </p:blipFill>
+        <p:spPr>
+          <a:xfrm>
+            <a:off x="5692858" y="2304952"/>
+            <a:ext cx="5572174" cy="2248095"/>
+          </a:xfrm>
+          <a:prstGeom prst="rect">
+            <a:avLst/>
+          </a:prstGeom>
+        </p:spPr>
+      </p:pic>
+      <p:sp>
+        <p:nvSpPr>
+          <p:cNvPr id="7" name="TextBox 6">
+            <a:extLst>
+              <a:ext uri="{FF2B5EF4-FFF2-40B4-BE49-F238E27FC236}">
+                <a16:creationId xmlns:a16="http://schemas.microsoft.com/office/drawing/2014/main" id="{0E36A5E8-D0B3-7C49-5F40-44321F541D77}"/>
+              </a:ext>
+            </a:extLst>
+          </p:cNvPr>
+          <p:cNvSpPr txBox="1"/>
+          <p:nvPr/>
+        </p:nvSpPr>
+        <p:spPr>
+          <a:xfrm>
+            <a:off x="2943520" y="758014"/>
+            <a:ext cx="6094428" cy="369332"/>
+          </a:xfrm>
+          <a:prstGeom prst="rect">
+            <a:avLst/>
+          </a:prstGeom>
+          <a:noFill/>
+        </p:spPr>
+        <p:txBody>
+          <a:bodyPr wrap="square">
+            <a:spAutoFit/>
+          </a:bodyPr>
+          <a:lstStyle/>
+          <a:p>
+            <a:r>
+              <a:rPr lang="en-US" dirty="0"/>
+              <a:t>Decision Tree Model</a:t>
+            </a:r>
+          </a:p>
+        </p:txBody>
+      </p:sp>
+    </p:spTree>
+    <p:extLst>
+      <p:ext uri="{BB962C8B-B14F-4D97-AF65-F5344CB8AC3E}">
+        <p14:creationId xmlns:p14="http://schemas.microsoft.com/office/powerpoint/2010/main" val="929511817"/>
+      </p:ext>
+    </p:extLst>
+  </p:cSld>
+  <p:clrMapOvr>
+    <a:masterClrMapping/>
+  </p:clrMapOvr>
+</p:sld>
+</file>
+
+<file path=ppt/slides/slide19.xml><?xml version="1.0" encoding="utf-8"?>
+<p:sld xmlns:a="http://schemas.openxmlformats.org/drawingml/2006/main" xmlns:r="http://schemas.openxmlformats.org/officeDocument/2006/relationships" xmlns:p="http://schemas.openxmlformats.org/presentationml/2006/main">
+  <p:cSld>
+    <p:spTree>
+      <p:nvGrpSpPr>
+        <p:cNvPr id="1" name=""/>
+        <p:cNvGrpSpPr/>
+        <p:nvPr/>
+      </p:nvGrpSpPr>
+      <p:grpSpPr>
+        <a:xfrm>
+          <a:off x="0" y="0"/>
+          <a:ext cx="0" cy="0"/>
+          <a:chOff x="0" y="0"/>
+          <a:chExt cx="0" cy="0"/>
+        </a:xfrm>
+      </p:grpSpPr>
+      <p:pic>
+        <p:nvPicPr>
+          <p:cNvPr id="3" name="Picture 2">
+            <a:extLst>
+              <a:ext uri="{FF2B5EF4-FFF2-40B4-BE49-F238E27FC236}">
+                <a16:creationId xmlns:a16="http://schemas.microsoft.com/office/drawing/2014/main" id="{3FF90C18-25D7-AD75-900A-282DB0F72EC0}"/>
+              </a:ext>
+            </a:extLst>
+          </p:cNvPr>
+          <p:cNvPicPr>
+            <a:picLocks noChangeAspect="1"/>
+          </p:cNvPicPr>
+          <p:nvPr/>
+        </p:nvPicPr>
+        <p:blipFill>
+          <a:blip r:embed="rId2"/>
+          <a:stretch>
+            <a:fillRect/>
+          </a:stretch>
+        </p:blipFill>
+        <p:spPr>
+          <a:xfrm>
+            <a:off x="792020" y="1451728"/>
+            <a:ext cx="5303980" cy="4859117"/>
+          </a:xfrm>
+          <a:prstGeom prst="rect">
+            <a:avLst/>
+          </a:prstGeom>
+        </p:spPr>
+      </p:pic>
+      <p:pic>
+        <p:nvPicPr>
+          <p:cNvPr id="5" name="Picture 4">
+            <a:extLst>
+              <a:ext uri="{FF2B5EF4-FFF2-40B4-BE49-F238E27FC236}">
+                <a16:creationId xmlns:a16="http://schemas.microsoft.com/office/drawing/2014/main" id="{47892359-0A40-4F1C-13FA-47AEB755D6E0}"/>
+              </a:ext>
+            </a:extLst>
+          </p:cNvPr>
+          <p:cNvPicPr>
+            <a:picLocks noChangeAspect="1"/>
+          </p:cNvPicPr>
+          <p:nvPr/>
+        </p:nvPicPr>
+        <p:blipFill>
+          <a:blip r:embed="rId3"/>
+          <a:stretch>
+            <a:fillRect/>
+          </a:stretch>
+        </p:blipFill>
+        <p:spPr>
+          <a:xfrm>
+            <a:off x="6275109" y="2243987"/>
+            <a:ext cx="4688264" cy="2370025"/>
+          </a:xfrm>
+          <a:prstGeom prst="rect">
+            <a:avLst/>
+          </a:prstGeom>
+        </p:spPr>
+      </p:pic>
+      <p:sp>
+        <p:nvSpPr>
+          <p:cNvPr id="7" name="TextBox 6">
+            <a:extLst>
+              <a:ext uri="{FF2B5EF4-FFF2-40B4-BE49-F238E27FC236}">
+                <a16:creationId xmlns:a16="http://schemas.microsoft.com/office/drawing/2014/main" id="{0C383656-52CD-098D-C1F1-49A48DDCFFB3}"/>
+              </a:ext>
+            </a:extLst>
+          </p:cNvPr>
+          <p:cNvSpPr txBox="1"/>
+          <p:nvPr/>
+        </p:nvSpPr>
+        <p:spPr>
+          <a:xfrm>
+            <a:off x="1039306" y="814575"/>
+            <a:ext cx="6094428" cy="369332"/>
+          </a:xfrm>
+          <a:prstGeom prst="rect">
+            <a:avLst/>
+          </a:prstGeom>
+          <a:noFill/>
+        </p:spPr>
+        <p:txBody>
+          <a:bodyPr wrap="square">
+            <a:spAutoFit/>
+          </a:bodyPr>
+          <a:lstStyle/>
+          <a:p>
+            <a:r>
+              <a:rPr lang="en-US" dirty="0"/>
+              <a:t>Random forest model</a:t>
+            </a:r>
+          </a:p>
+        </p:txBody>
+      </p:sp>
+    </p:spTree>
+    <p:extLst>
+      <p:ext uri="{BB962C8B-B14F-4D97-AF65-F5344CB8AC3E}">
+        <p14:creationId xmlns:p14="http://schemas.microsoft.com/office/powerpoint/2010/main" val="130121594"/>
       </p:ext>
     </p:extLst>
   </p:cSld>
@@ -3747,7 +5688,7 @@
           <a:lstStyle/>
           <a:p>
             <a:r>
-              <a:rPr lang="en-US" sz="2400" dirty="0">
+              <a:rPr lang="en-US" sz="2400" b="1" dirty="0">
                 <a:latin typeface="Arial" panose="020B0604020202020204" pitchFamily="34" charset="0"/>
                 <a:cs typeface="Arial" panose="020B0604020202020204" pitchFamily="34" charset="0"/>
               </a:rPr>
@@ -3778,37 +5719,37 @@
           <a:lstStyle/>
           <a:p>
             <a:r>
-              <a:rPr lang="en-US" dirty="0"/>
-              <a:t>Problem Statement</a:t>
-            </a:r>
-          </a:p>
-          <a:p>
-            <a:r>
-              <a:rPr lang="en-US" dirty="0"/>
-              <a:t>System Development approach</a:t>
-            </a:r>
-          </a:p>
-          <a:p>
-            <a:r>
-              <a:rPr lang="en-US" dirty="0"/>
-              <a:t>Algorithm &amp; Deployment</a:t>
-            </a:r>
-          </a:p>
-          <a:p>
-            <a:r>
-              <a:rPr lang="en-US" dirty="0"/>
+              <a:rPr lang="en-US" sz="2400" dirty="0"/>
+              <a:t>Problem Statement (should not include solution)</a:t>
+            </a:r>
+          </a:p>
+          <a:p>
+            <a:r>
+              <a:rPr lang="en-US" sz="2400" dirty="0"/>
+              <a:t>System Development approach (Technology Used)</a:t>
+            </a:r>
+          </a:p>
+          <a:p>
+            <a:r>
+              <a:rPr lang="en-US" sz="2400" dirty="0"/>
+              <a:t>Algorithm &amp; Deployment( Step by Step Procedure)</a:t>
+            </a:r>
+          </a:p>
+          <a:p>
+            <a:r>
+              <a:rPr lang="en-US" sz="2400" dirty="0"/>
               <a:t>Result</a:t>
             </a:r>
           </a:p>
           <a:p>
             <a:r>
-              <a:rPr lang="en-US" dirty="0"/>
+              <a:rPr lang="en-US" sz="2400" dirty="0"/>
               <a:t>Conclusion</a:t>
             </a:r>
           </a:p>
           <a:p>
             <a:r>
-              <a:rPr lang="en-US" dirty="0"/>
+              <a:rPr lang="en-US" sz="2400" dirty="0"/>
               <a:t>References</a:t>
             </a:r>
           </a:p>
@@ -3824,6 +5765,1075 @@
     <p:extLst>
       <p:ext uri="{BB962C8B-B14F-4D97-AF65-F5344CB8AC3E}">
         <p14:creationId xmlns:p14="http://schemas.microsoft.com/office/powerpoint/2010/main" val="2450807564"/>
+      </p:ext>
+    </p:extLst>
+  </p:cSld>
+  <p:clrMapOvr>
+    <a:masterClrMapping/>
+  </p:clrMapOvr>
+</p:sld>
+</file>
+
+<file path=ppt/slides/slide20.xml><?xml version="1.0" encoding="utf-8"?>
+<p:sld xmlns:a="http://schemas.openxmlformats.org/drawingml/2006/main" xmlns:r="http://schemas.openxmlformats.org/officeDocument/2006/relationships" xmlns:p="http://schemas.openxmlformats.org/presentationml/2006/main">
+  <p:cSld>
+    <p:spTree>
+      <p:nvGrpSpPr>
+        <p:cNvPr id="1" name=""/>
+        <p:cNvGrpSpPr/>
+        <p:nvPr/>
+      </p:nvGrpSpPr>
+      <p:grpSpPr>
+        <a:xfrm>
+          <a:off x="0" y="0"/>
+          <a:ext cx="0" cy="0"/>
+          <a:chOff x="0" y="0"/>
+          <a:chExt cx="0" cy="0"/>
+        </a:xfrm>
+      </p:grpSpPr>
+      <p:sp>
+        <p:nvSpPr>
+          <p:cNvPr id="2" name="Title 1">
+            <a:extLst>
+              <a:ext uri="{FF2B5EF4-FFF2-40B4-BE49-F238E27FC236}">
+                <a16:creationId xmlns:a16="http://schemas.microsoft.com/office/drawing/2014/main" id="{9183A19C-357E-31AA-6E0C-EBC8D5A84696}"/>
+              </a:ext>
+            </a:extLst>
+          </p:cNvPr>
+          <p:cNvSpPr>
+            <a:spLocks noGrp="1"/>
+          </p:cNvSpPr>
+          <p:nvPr>
+            <p:ph type="title"/>
+          </p:nvPr>
+        </p:nvSpPr>
+        <p:spPr/>
+        <p:txBody>
+          <a:bodyPr/>
+          <a:lstStyle/>
+          <a:p>
+            <a:r>
+              <a:rPr lang="en-US" dirty="0"/>
+              <a:t>result</a:t>
+            </a:r>
+          </a:p>
+        </p:txBody>
+      </p:sp>
+      <p:sp>
+        <p:nvSpPr>
+          <p:cNvPr id="3" name="Content Placeholder 2">
+            <a:extLst>
+              <a:ext uri="{FF2B5EF4-FFF2-40B4-BE49-F238E27FC236}">
+                <a16:creationId xmlns:a16="http://schemas.microsoft.com/office/drawing/2014/main" id="{1C3A06D3-4084-60AB-2764-D841244E6ED1}"/>
+              </a:ext>
+            </a:extLst>
+          </p:cNvPr>
+          <p:cNvSpPr>
+            <a:spLocks noGrp="1"/>
+          </p:cNvSpPr>
+          <p:nvPr>
+            <p:ph idx="1"/>
+          </p:nvPr>
+        </p:nvSpPr>
+        <p:spPr>
+          <a:xfrm>
+            <a:off x="968829" y="2015732"/>
+            <a:ext cx="10668000" cy="3731377"/>
+          </a:xfrm>
+        </p:spPr>
+        <p:txBody>
+          <a:bodyPr/>
+          <a:lstStyle/>
+          <a:p>
+            <a:endParaRPr lang="en-US" dirty="0"/>
+          </a:p>
+          <a:p>
+            <a:pPr marL="0" indent="0">
+              <a:buNone/>
+            </a:pPr>
+            <a:endParaRPr lang="en-US" dirty="0"/>
+          </a:p>
+        </p:txBody>
+      </p:sp>
+      <p:pic>
+        <p:nvPicPr>
+          <p:cNvPr id="6" name="Picture 5">
+            <a:extLst>
+              <a:ext uri="{FF2B5EF4-FFF2-40B4-BE49-F238E27FC236}">
+                <a16:creationId xmlns:a16="http://schemas.microsoft.com/office/drawing/2014/main" id="{278541CA-4FB4-D4BC-491F-B25431B154B9}"/>
+              </a:ext>
+            </a:extLst>
+          </p:cNvPr>
+          <p:cNvPicPr>
+            <a:picLocks noChangeAspect="1"/>
+          </p:cNvPicPr>
+          <p:nvPr/>
+        </p:nvPicPr>
+        <p:blipFill>
+          <a:blip r:embed="rId2"/>
+          <a:stretch>
+            <a:fillRect/>
+          </a:stretch>
+        </p:blipFill>
+        <p:spPr>
+          <a:xfrm>
+            <a:off x="0" y="1734967"/>
+            <a:ext cx="12192000" cy="4012142"/>
+          </a:xfrm>
+          <a:prstGeom prst="rect">
+            <a:avLst/>
+          </a:prstGeom>
+        </p:spPr>
+      </p:pic>
+    </p:spTree>
+    <p:extLst>
+      <p:ext uri="{BB962C8B-B14F-4D97-AF65-F5344CB8AC3E}">
+        <p14:creationId xmlns:p14="http://schemas.microsoft.com/office/powerpoint/2010/main" val="200490874"/>
+      </p:ext>
+    </p:extLst>
+  </p:cSld>
+  <p:clrMapOvr>
+    <a:masterClrMapping/>
+  </p:clrMapOvr>
+</p:sld>
+</file>
+
+<file path=ppt/slides/slide21.xml><?xml version="1.0" encoding="utf-8"?>
+<p:sld xmlns:a="http://schemas.openxmlformats.org/drawingml/2006/main" xmlns:r="http://schemas.openxmlformats.org/officeDocument/2006/relationships" xmlns:p="http://schemas.openxmlformats.org/presentationml/2006/main">
+  <p:cSld>
+    <p:spTree>
+      <p:nvGrpSpPr>
+        <p:cNvPr id="1" name=""/>
+        <p:cNvGrpSpPr/>
+        <p:nvPr/>
+      </p:nvGrpSpPr>
+      <p:grpSpPr>
+        <a:xfrm>
+          <a:off x="0" y="0"/>
+          <a:ext cx="0" cy="0"/>
+          <a:chOff x="0" y="0"/>
+          <a:chExt cx="0" cy="0"/>
+        </a:xfrm>
+      </p:grpSpPr>
+      <p:sp>
+        <p:nvSpPr>
+          <p:cNvPr id="2" name="Title 1">
+            <a:extLst>
+              <a:ext uri="{FF2B5EF4-FFF2-40B4-BE49-F238E27FC236}">
+                <a16:creationId xmlns:a16="http://schemas.microsoft.com/office/drawing/2014/main" id="{E5EF3D48-677B-7AA1-1A5B-6E8FC9A98A0E}"/>
+              </a:ext>
+            </a:extLst>
+          </p:cNvPr>
+          <p:cNvSpPr>
+            <a:spLocks noGrp="1"/>
+          </p:cNvSpPr>
+          <p:nvPr>
+            <p:ph type="title"/>
+          </p:nvPr>
+        </p:nvSpPr>
+        <p:spPr/>
+        <p:txBody>
+          <a:bodyPr/>
+          <a:lstStyle/>
+          <a:p>
+            <a:r>
+              <a:rPr lang="en-US" dirty="0"/>
+              <a:t>result</a:t>
+            </a:r>
+          </a:p>
+        </p:txBody>
+      </p:sp>
+      <p:pic>
+        <p:nvPicPr>
+          <p:cNvPr id="5" name="Content Placeholder 4">
+            <a:extLst>
+              <a:ext uri="{FF2B5EF4-FFF2-40B4-BE49-F238E27FC236}">
+                <a16:creationId xmlns:a16="http://schemas.microsoft.com/office/drawing/2014/main" id="{96FA6467-F81D-4DE5-5066-E638F1C2BBE0}"/>
+              </a:ext>
+            </a:extLst>
+          </p:cNvPr>
+          <p:cNvPicPr>
+            <a:picLocks noGrp="1" noChangeAspect="1"/>
+          </p:cNvPicPr>
+          <p:nvPr>
+            <p:ph idx="1"/>
+          </p:nvPr>
+        </p:nvPicPr>
+        <p:blipFill>
+          <a:blip r:embed="rId2"/>
+          <a:stretch>
+            <a:fillRect/>
+          </a:stretch>
+        </p:blipFill>
+        <p:spPr>
+          <a:xfrm>
+            <a:off x="2578968" y="1301750"/>
+            <a:ext cx="7034063" cy="4673600"/>
+          </a:xfrm>
+        </p:spPr>
+      </p:pic>
+    </p:spTree>
+    <p:extLst>
+      <p:ext uri="{BB962C8B-B14F-4D97-AF65-F5344CB8AC3E}">
+        <p14:creationId xmlns:p14="http://schemas.microsoft.com/office/powerpoint/2010/main" val="702057652"/>
+      </p:ext>
+    </p:extLst>
+  </p:cSld>
+  <p:clrMapOvr>
+    <a:masterClrMapping/>
+  </p:clrMapOvr>
+</p:sld>
+</file>
+
+<file path=ppt/slides/slide22.xml><?xml version="1.0" encoding="utf-8"?>
+<p:sld xmlns:a="http://schemas.openxmlformats.org/drawingml/2006/main" xmlns:r="http://schemas.openxmlformats.org/officeDocument/2006/relationships" xmlns:p="http://schemas.openxmlformats.org/presentationml/2006/main">
+  <p:cSld>
+    <p:spTree>
+      <p:nvGrpSpPr>
+        <p:cNvPr id="1" name=""/>
+        <p:cNvGrpSpPr/>
+        <p:nvPr/>
+      </p:nvGrpSpPr>
+      <p:grpSpPr>
+        <a:xfrm>
+          <a:off x="0" y="0"/>
+          <a:ext cx="0" cy="0"/>
+          <a:chOff x="0" y="0"/>
+          <a:chExt cx="0" cy="0"/>
+        </a:xfrm>
+      </p:grpSpPr>
+      <p:sp>
+        <p:nvSpPr>
+          <p:cNvPr id="2" name="Title 1">
+            <a:extLst>
+              <a:ext uri="{FF2B5EF4-FFF2-40B4-BE49-F238E27FC236}">
+                <a16:creationId xmlns:a16="http://schemas.microsoft.com/office/drawing/2014/main" id="{AA5076F1-D9E6-DFAD-2C3E-DDE14EA179D3}"/>
+              </a:ext>
+            </a:extLst>
+          </p:cNvPr>
+          <p:cNvSpPr>
+            <a:spLocks noGrp="1"/>
+          </p:cNvSpPr>
+          <p:nvPr>
+            <p:ph type="title"/>
+          </p:nvPr>
+        </p:nvSpPr>
+        <p:spPr/>
+        <p:txBody>
+          <a:bodyPr/>
+          <a:lstStyle/>
+          <a:p>
+            <a:r>
+              <a:rPr lang="en-US" dirty="0"/>
+              <a:t>result</a:t>
+            </a:r>
+          </a:p>
+        </p:txBody>
+      </p:sp>
+      <p:pic>
+        <p:nvPicPr>
+          <p:cNvPr id="5" name="Content Placeholder 4">
+            <a:extLst>
+              <a:ext uri="{FF2B5EF4-FFF2-40B4-BE49-F238E27FC236}">
+                <a16:creationId xmlns:a16="http://schemas.microsoft.com/office/drawing/2014/main" id="{64BB0A48-1E1A-333C-BE2A-2B1BE2CF4B61}"/>
+              </a:ext>
+            </a:extLst>
+          </p:cNvPr>
+          <p:cNvPicPr>
+            <a:picLocks noGrp="1" noChangeAspect="1"/>
+          </p:cNvPicPr>
+          <p:nvPr>
+            <p:ph idx="1"/>
+          </p:nvPr>
+        </p:nvPicPr>
+        <p:blipFill>
+          <a:blip r:embed="rId2"/>
+          <a:stretch>
+            <a:fillRect/>
+          </a:stretch>
+        </p:blipFill>
+        <p:spPr>
+          <a:xfrm>
+            <a:off x="6683603" y="1857080"/>
+            <a:ext cx="4490301" cy="3384862"/>
+          </a:xfrm>
+        </p:spPr>
+      </p:pic>
+      <p:pic>
+        <p:nvPicPr>
+          <p:cNvPr id="7" name="Picture 6">
+            <a:extLst>
+              <a:ext uri="{FF2B5EF4-FFF2-40B4-BE49-F238E27FC236}">
+                <a16:creationId xmlns:a16="http://schemas.microsoft.com/office/drawing/2014/main" id="{A66BD15A-B532-9DBF-7903-5E7480A47861}"/>
+              </a:ext>
+            </a:extLst>
+          </p:cNvPr>
+          <p:cNvPicPr>
+            <a:picLocks noChangeAspect="1"/>
+          </p:cNvPicPr>
+          <p:nvPr/>
+        </p:nvPicPr>
+        <p:blipFill>
+          <a:blip r:embed="rId3"/>
+          <a:stretch>
+            <a:fillRect/>
+          </a:stretch>
+        </p:blipFill>
+        <p:spPr>
+          <a:xfrm>
+            <a:off x="879838" y="1857080"/>
+            <a:ext cx="4788816" cy="3436383"/>
+          </a:xfrm>
+          <a:prstGeom prst="rect">
+            <a:avLst/>
+          </a:prstGeom>
+        </p:spPr>
+      </p:pic>
+      <p:sp>
+        <p:nvSpPr>
+          <p:cNvPr id="11" name="TextBox 10">
+            <a:extLst>
+              <a:ext uri="{FF2B5EF4-FFF2-40B4-BE49-F238E27FC236}">
+                <a16:creationId xmlns:a16="http://schemas.microsoft.com/office/drawing/2014/main" id="{3B0141AF-1768-829B-004F-49A54A358E84}"/>
+              </a:ext>
+            </a:extLst>
+          </p:cNvPr>
+          <p:cNvSpPr txBox="1"/>
+          <p:nvPr/>
+        </p:nvSpPr>
+        <p:spPr>
+          <a:xfrm>
+            <a:off x="803635" y="1246726"/>
+            <a:ext cx="6094428" cy="369332"/>
+          </a:xfrm>
+          <a:prstGeom prst="rect">
+            <a:avLst/>
+          </a:prstGeom>
+          <a:noFill/>
+        </p:spPr>
+        <p:txBody>
+          <a:bodyPr wrap="square">
+            <a:spAutoFit/>
+          </a:bodyPr>
+          <a:lstStyle/>
+          <a:p>
+            <a:r>
+              <a:rPr lang="en-US" dirty="0"/>
+              <a:t>Decision Tree Model</a:t>
+            </a:r>
+          </a:p>
+        </p:txBody>
+      </p:sp>
+      <p:sp>
+        <p:nvSpPr>
+          <p:cNvPr id="13" name="TextBox 12">
+            <a:extLst>
+              <a:ext uri="{FF2B5EF4-FFF2-40B4-BE49-F238E27FC236}">
+                <a16:creationId xmlns:a16="http://schemas.microsoft.com/office/drawing/2014/main" id="{804C6B00-FC8C-EC2A-56C6-E3E8F5DF7DCD}"/>
+              </a:ext>
+            </a:extLst>
+          </p:cNvPr>
+          <p:cNvSpPr txBox="1"/>
+          <p:nvPr/>
+        </p:nvSpPr>
+        <p:spPr>
+          <a:xfrm>
+            <a:off x="6683603" y="1232452"/>
+            <a:ext cx="6094428" cy="369332"/>
+          </a:xfrm>
+          <a:prstGeom prst="rect">
+            <a:avLst/>
+          </a:prstGeom>
+          <a:noFill/>
+        </p:spPr>
+        <p:txBody>
+          <a:bodyPr wrap="square">
+            <a:spAutoFit/>
+          </a:bodyPr>
+          <a:lstStyle/>
+          <a:p>
+            <a:r>
+              <a:rPr lang="en-US" dirty="0"/>
+              <a:t>Random Forest Model</a:t>
+            </a:r>
+          </a:p>
+        </p:txBody>
+      </p:sp>
+    </p:spTree>
+    <p:extLst>
+      <p:ext uri="{BB962C8B-B14F-4D97-AF65-F5344CB8AC3E}">
+        <p14:creationId xmlns:p14="http://schemas.microsoft.com/office/powerpoint/2010/main" val="2231716241"/>
+      </p:ext>
+    </p:extLst>
+  </p:cSld>
+  <p:clrMapOvr>
+    <a:masterClrMapping/>
+  </p:clrMapOvr>
+</p:sld>
+</file>
+
+<file path=ppt/slides/slide23.xml><?xml version="1.0" encoding="utf-8"?>
+<p:sld xmlns:a="http://schemas.openxmlformats.org/drawingml/2006/main" xmlns:r="http://schemas.openxmlformats.org/officeDocument/2006/relationships" xmlns:p="http://schemas.openxmlformats.org/presentationml/2006/main">
+  <p:cSld>
+    <p:spTree>
+      <p:nvGrpSpPr>
+        <p:cNvPr id="1" name=""/>
+        <p:cNvGrpSpPr/>
+        <p:nvPr/>
+      </p:nvGrpSpPr>
+      <p:grpSpPr>
+        <a:xfrm>
+          <a:off x="0" y="0"/>
+          <a:ext cx="0" cy="0"/>
+          <a:chOff x="0" y="0"/>
+          <a:chExt cx="0" cy="0"/>
+        </a:xfrm>
+      </p:grpSpPr>
+      <p:pic>
+        <p:nvPicPr>
+          <p:cNvPr id="9" name="Picture 8">
+            <a:extLst>
+              <a:ext uri="{FF2B5EF4-FFF2-40B4-BE49-F238E27FC236}">
+                <a16:creationId xmlns:a16="http://schemas.microsoft.com/office/drawing/2014/main" id="{24602BF5-D034-E3C3-B75A-028710C1739F}"/>
+              </a:ext>
+            </a:extLst>
+          </p:cNvPr>
+          <p:cNvPicPr>
+            <a:picLocks noChangeAspect="1"/>
+          </p:cNvPicPr>
+          <p:nvPr/>
+        </p:nvPicPr>
+        <p:blipFill>
+          <a:blip r:embed="rId2"/>
+          <a:stretch>
+            <a:fillRect/>
+          </a:stretch>
+        </p:blipFill>
+        <p:spPr>
+          <a:xfrm>
+            <a:off x="1904214" y="2357377"/>
+            <a:ext cx="6674178" cy="3406435"/>
+          </a:xfrm>
+          <a:prstGeom prst="rect">
+            <a:avLst/>
+          </a:prstGeom>
+        </p:spPr>
+      </p:pic>
+      <p:sp>
+        <p:nvSpPr>
+          <p:cNvPr id="4" name="TextBox 3">
+            <a:extLst>
+              <a:ext uri="{FF2B5EF4-FFF2-40B4-BE49-F238E27FC236}">
+                <a16:creationId xmlns:a16="http://schemas.microsoft.com/office/drawing/2014/main" id="{0AC0DB9D-9D8F-53B4-F821-F3D4B76E266B}"/>
+              </a:ext>
+            </a:extLst>
+          </p:cNvPr>
+          <p:cNvSpPr txBox="1"/>
+          <p:nvPr/>
+        </p:nvSpPr>
+        <p:spPr>
+          <a:xfrm>
+            <a:off x="2019693" y="1094188"/>
+            <a:ext cx="6094428" cy="369332"/>
+          </a:xfrm>
+          <a:prstGeom prst="rect">
+            <a:avLst/>
+          </a:prstGeom>
+          <a:noFill/>
+        </p:spPr>
+        <p:txBody>
+          <a:bodyPr wrap="square">
+            <a:spAutoFit/>
+          </a:bodyPr>
+          <a:lstStyle/>
+          <a:p>
+            <a:r>
+              <a:rPr lang="en-US" dirty="0"/>
+              <a:t>Linear Regression Model</a:t>
+            </a:r>
+          </a:p>
+        </p:txBody>
+      </p:sp>
+    </p:spTree>
+    <p:extLst>
+      <p:ext uri="{BB962C8B-B14F-4D97-AF65-F5344CB8AC3E}">
+        <p14:creationId xmlns:p14="http://schemas.microsoft.com/office/powerpoint/2010/main" val="2354696535"/>
+      </p:ext>
+    </p:extLst>
+  </p:cSld>
+  <p:clrMapOvr>
+    <a:masterClrMapping/>
+  </p:clrMapOvr>
+</p:sld>
+</file>
+
+<file path=ppt/slides/slide24.xml><?xml version="1.0" encoding="utf-8"?>
+<p:sld xmlns:a="http://schemas.openxmlformats.org/drawingml/2006/main" xmlns:r="http://schemas.openxmlformats.org/officeDocument/2006/relationships" xmlns:p="http://schemas.openxmlformats.org/presentationml/2006/main">
+  <p:cSld>
+    <p:spTree>
+      <p:nvGrpSpPr>
+        <p:cNvPr id="1" name=""/>
+        <p:cNvGrpSpPr/>
+        <p:nvPr/>
+      </p:nvGrpSpPr>
+      <p:grpSpPr>
+        <a:xfrm>
+          <a:off x="0" y="0"/>
+          <a:ext cx="0" cy="0"/>
+          <a:chOff x="0" y="0"/>
+          <a:chExt cx="0" cy="0"/>
+        </a:xfrm>
+      </p:grpSpPr>
+      <p:pic>
+        <p:nvPicPr>
+          <p:cNvPr id="3" name="Picture 2">
+            <a:extLst>
+              <a:ext uri="{FF2B5EF4-FFF2-40B4-BE49-F238E27FC236}">
+                <a16:creationId xmlns:a16="http://schemas.microsoft.com/office/drawing/2014/main" id="{E78A5034-3E44-D370-2DED-5E4F80C1AA17}"/>
+              </a:ext>
+            </a:extLst>
+          </p:cNvPr>
+          <p:cNvPicPr>
+            <a:picLocks noChangeAspect="1"/>
+          </p:cNvPicPr>
+          <p:nvPr/>
+        </p:nvPicPr>
+        <p:blipFill>
+          <a:blip r:embed="rId2"/>
+          <a:stretch>
+            <a:fillRect/>
+          </a:stretch>
+        </p:blipFill>
+        <p:spPr>
+          <a:xfrm>
+            <a:off x="189855" y="642257"/>
+            <a:ext cx="11588488" cy="5836462"/>
+          </a:xfrm>
+          <a:prstGeom prst="rect">
+            <a:avLst/>
+          </a:prstGeom>
+        </p:spPr>
+      </p:pic>
+    </p:spTree>
+    <p:extLst>
+      <p:ext uri="{BB962C8B-B14F-4D97-AF65-F5344CB8AC3E}">
+        <p14:creationId xmlns:p14="http://schemas.microsoft.com/office/powerpoint/2010/main" val="2765403572"/>
+      </p:ext>
+    </p:extLst>
+  </p:cSld>
+  <p:clrMapOvr>
+    <a:masterClrMapping/>
+  </p:clrMapOvr>
+</p:sld>
+</file>
+
+<file path=ppt/slides/slide25.xml><?xml version="1.0" encoding="utf-8"?>
+<p:sld xmlns:a="http://schemas.openxmlformats.org/drawingml/2006/main" xmlns:r="http://schemas.openxmlformats.org/officeDocument/2006/relationships" xmlns:p="http://schemas.openxmlformats.org/presentationml/2006/main">
+  <p:cSld>
+    <p:spTree>
+      <p:nvGrpSpPr>
+        <p:cNvPr id="1" name=""/>
+        <p:cNvGrpSpPr/>
+        <p:nvPr/>
+      </p:nvGrpSpPr>
+      <p:grpSpPr>
+        <a:xfrm>
+          <a:off x="0" y="0"/>
+          <a:ext cx="0" cy="0"/>
+          <a:chOff x="0" y="0"/>
+          <a:chExt cx="0" cy="0"/>
+        </a:xfrm>
+      </p:grpSpPr>
+      <p:pic>
+        <p:nvPicPr>
+          <p:cNvPr id="4" name="Picture 3">
+            <a:extLst>
+              <a:ext uri="{FF2B5EF4-FFF2-40B4-BE49-F238E27FC236}">
+                <a16:creationId xmlns:a16="http://schemas.microsoft.com/office/drawing/2014/main" id="{362EDBFF-3C17-A81E-C462-D32479A58B88}"/>
+              </a:ext>
+            </a:extLst>
+          </p:cNvPr>
+          <p:cNvPicPr>
+            <a:picLocks noChangeAspect="1"/>
+          </p:cNvPicPr>
+          <p:nvPr/>
+        </p:nvPicPr>
+        <p:blipFill>
+          <a:blip r:embed="rId2"/>
+          <a:stretch>
+            <a:fillRect/>
+          </a:stretch>
+        </p:blipFill>
+        <p:spPr>
+          <a:xfrm>
+            <a:off x="113992" y="783772"/>
+            <a:ext cx="11964015" cy="5557280"/>
+          </a:xfrm>
+          <a:prstGeom prst="rect">
+            <a:avLst/>
+          </a:prstGeom>
+        </p:spPr>
+      </p:pic>
+    </p:spTree>
+    <p:extLst>
+      <p:ext uri="{BB962C8B-B14F-4D97-AF65-F5344CB8AC3E}">
+        <p14:creationId xmlns:p14="http://schemas.microsoft.com/office/powerpoint/2010/main" val="779826904"/>
+      </p:ext>
+    </p:extLst>
+  </p:cSld>
+  <p:clrMapOvr>
+    <a:masterClrMapping/>
+  </p:clrMapOvr>
+</p:sld>
+</file>
+
+<file path=ppt/slides/slide26.xml><?xml version="1.0" encoding="utf-8"?>
+<p:sld xmlns:a="http://schemas.openxmlformats.org/drawingml/2006/main" xmlns:r="http://schemas.openxmlformats.org/officeDocument/2006/relationships" xmlns:p="http://schemas.openxmlformats.org/presentationml/2006/main">
+  <p:cSld>
+    <p:spTree>
+      <p:nvGrpSpPr>
+        <p:cNvPr id="1" name=""/>
+        <p:cNvGrpSpPr/>
+        <p:nvPr/>
+      </p:nvGrpSpPr>
+      <p:grpSpPr>
+        <a:xfrm>
+          <a:off x="0" y="0"/>
+          <a:ext cx="0" cy="0"/>
+          <a:chOff x="0" y="0"/>
+          <a:chExt cx="0" cy="0"/>
+        </a:xfrm>
+      </p:grpSpPr>
+      <p:pic>
+        <p:nvPicPr>
+          <p:cNvPr id="3" name="Picture 2">
+            <a:extLst>
+              <a:ext uri="{FF2B5EF4-FFF2-40B4-BE49-F238E27FC236}">
+                <a16:creationId xmlns:a16="http://schemas.microsoft.com/office/drawing/2014/main" id="{2507AB27-10FA-4BE9-65D9-E266E2B40E89}"/>
+              </a:ext>
+            </a:extLst>
+          </p:cNvPr>
+          <p:cNvPicPr>
+            <a:picLocks noChangeAspect="1"/>
+          </p:cNvPicPr>
+          <p:nvPr/>
+        </p:nvPicPr>
+        <p:blipFill>
+          <a:blip r:embed="rId2"/>
+          <a:stretch>
+            <a:fillRect/>
+          </a:stretch>
+        </p:blipFill>
+        <p:spPr>
+          <a:xfrm>
+            <a:off x="206072" y="911095"/>
+            <a:ext cx="11797591" cy="5304648"/>
+          </a:xfrm>
+          <a:prstGeom prst="rect">
+            <a:avLst/>
+          </a:prstGeom>
+        </p:spPr>
+      </p:pic>
+    </p:spTree>
+    <p:extLst>
+      <p:ext uri="{BB962C8B-B14F-4D97-AF65-F5344CB8AC3E}">
+        <p14:creationId xmlns:p14="http://schemas.microsoft.com/office/powerpoint/2010/main" val="2259875709"/>
+      </p:ext>
+    </p:extLst>
+  </p:cSld>
+  <p:clrMapOvr>
+    <a:masterClrMapping/>
+  </p:clrMapOvr>
+</p:sld>
+</file>
+
+<file path=ppt/slides/slide27.xml><?xml version="1.0" encoding="utf-8"?>
+<p:sld xmlns:a="http://schemas.openxmlformats.org/drawingml/2006/main" xmlns:r="http://schemas.openxmlformats.org/officeDocument/2006/relationships" xmlns:p="http://schemas.openxmlformats.org/presentationml/2006/main">
+  <p:cSld>
+    <p:spTree>
+      <p:nvGrpSpPr>
+        <p:cNvPr id="1" name=""/>
+        <p:cNvGrpSpPr/>
+        <p:nvPr/>
+      </p:nvGrpSpPr>
+      <p:grpSpPr>
+        <a:xfrm>
+          <a:off x="0" y="0"/>
+          <a:ext cx="0" cy="0"/>
+          <a:chOff x="0" y="0"/>
+          <a:chExt cx="0" cy="0"/>
+        </a:xfrm>
+      </p:grpSpPr>
+      <p:pic>
+        <p:nvPicPr>
+          <p:cNvPr id="3" name="Picture 2">
+            <a:extLst>
+              <a:ext uri="{FF2B5EF4-FFF2-40B4-BE49-F238E27FC236}">
+                <a16:creationId xmlns:a16="http://schemas.microsoft.com/office/drawing/2014/main" id="{A89E1E70-E7AC-93D6-D19E-D6702691D691}"/>
+              </a:ext>
+            </a:extLst>
+          </p:cNvPr>
+          <p:cNvPicPr>
+            <a:picLocks noChangeAspect="1"/>
+          </p:cNvPicPr>
+          <p:nvPr/>
+        </p:nvPicPr>
+        <p:blipFill>
+          <a:blip r:embed="rId2"/>
+          <a:stretch>
+            <a:fillRect/>
+          </a:stretch>
+        </p:blipFill>
+        <p:spPr>
+          <a:xfrm>
+            <a:off x="1219199" y="790965"/>
+            <a:ext cx="9083612" cy="4477721"/>
+          </a:xfrm>
+          <a:prstGeom prst="rect">
+            <a:avLst/>
+          </a:prstGeom>
+        </p:spPr>
+      </p:pic>
+      <p:sp>
+        <p:nvSpPr>
+          <p:cNvPr id="5" name="TextBox 4">
+            <a:extLst>
+              <a:ext uri="{FF2B5EF4-FFF2-40B4-BE49-F238E27FC236}">
+                <a16:creationId xmlns:a16="http://schemas.microsoft.com/office/drawing/2014/main" id="{26178C6C-6AA5-741E-F857-62AA75A56A2A}"/>
+              </a:ext>
+            </a:extLst>
+          </p:cNvPr>
+          <p:cNvSpPr txBox="1"/>
+          <p:nvPr/>
+        </p:nvSpPr>
+        <p:spPr>
+          <a:xfrm>
+            <a:off x="898071" y="5882369"/>
+            <a:ext cx="7538358" cy="369332"/>
+          </a:xfrm>
+          <a:prstGeom prst="rect">
+            <a:avLst/>
+          </a:prstGeom>
+          <a:noFill/>
+        </p:spPr>
+        <p:txBody>
+          <a:bodyPr wrap="square">
+            <a:spAutoFit/>
+          </a:bodyPr>
+          <a:lstStyle/>
+          <a:p>
+            <a:r>
+              <a:rPr lang="en-US" dirty="0">
+                <a:hlinkClick r:id="rId3"/>
+              </a:rPr>
+              <a:t>https://github.com/chandramani21/Employee_salary_prediction.git</a:t>
+            </a:r>
+            <a:r>
+              <a:rPr lang="en-US" dirty="0"/>
+              <a:t> </a:t>
+            </a:r>
+          </a:p>
+        </p:txBody>
+      </p:sp>
+      <p:sp>
+        <p:nvSpPr>
+          <p:cNvPr id="7" name="TextBox 6">
+            <a:extLst>
+              <a:ext uri="{FF2B5EF4-FFF2-40B4-BE49-F238E27FC236}">
+                <a16:creationId xmlns:a16="http://schemas.microsoft.com/office/drawing/2014/main" id="{551E52E0-95F4-9096-A3C2-83AE1108E553}"/>
+              </a:ext>
+            </a:extLst>
+          </p:cNvPr>
+          <p:cNvSpPr txBox="1"/>
+          <p:nvPr/>
+        </p:nvSpPr>
+        <p:spPr>
+          <a:xfrm>
+            <a:off x="898071" y="5390861"/>
+            <a:ext cx="6096000" cy="369332"/>
+          </a:xfrm>
+          <a:prstGeom prst="rect">
+            <a:avLst/>
+          </a:prstGeom>
+          <a:noFill/>
+        </p:spPr>
+        <p:txBody>
+          <a:bodyPr wrap="square">
+            <a:spAutoFit/>
+          </a:bodyPr>
+          <a:lstStyle/>
+          <a:p>
+            <a:r>
+              <a:rPr lang="en-US" b="1" u="sng" dirty="0"/>
+              <a:t>GITHUB LINK</a:t>
+            </a:r>
+          </a:p>
+        </p:txBody>
+      </p:sp>
+    </p:spTree>
+    <p:extLst>
+      <p:ext uri="{BB962C8B-B14F-4D97-AF65-F5344CB8AC3E}">
+        <p14:creationId xmlns:p14="http://schemas.microsoft.com/office/powerpoint/2010/main" val="2954528580"/>
+      </p:ext>
+    </p:extLst>
+  </p:cSld>
+  <p:clrMapOvr>
+    <a:masterClrMapping/>
+  </p:clrMapOvr>
+</p:sld>
+</file>
+
+<file path=ppt/slides/slide28.xml><?xml version="1.0" encoding="utf-8"?>
+<p:sld xmlns:a="http://schemas.openxmlformats.org/drawingml/2006/main" xmlns:r="http://schemas.openxmlformats.org/officeDocument/2006/relationships" xmlns:p="http://schemas.openxmlformats.org/presentationml/2006/main">
+  <p:cSld>
+    <p:spTree>
+      <p:nvGrpSpPr>
+        <p:cNvPr id="1" name=""/>
+        <p:cNvGrpSpPr/>
+        <p:nvPr/>
+      </p:nvGrpSpPr>
+      <p:grpSpPr>
+        <a:xfrm>
+          <a:off x="0" y="0"/>
+          <a:ext cx="0" cy="0"/>
+          <a:chOff x="0" y="0"/>
+          <a:chExt cx="0" cy="0"/>
+        </a:xfrm>
+      </p:grpSpPr>
+    </p:spTree>
+    <p:extLst>
+      <p:ext uri="{BB962C8B-B14F-4D97-AF65-F5344CB8AC3E}">
+        <p14:creationId xmlns:p14="http://schemas.microsoft.com/office/powerpoint/2010/main" val="3841964156"/>
+      </p:ext>
+    </p:extLst>
+  </p:cSld>
+  <p:clrMapOvr>
+    <a:masterClrMapping/>
+  </p:clrMapOvr>
+</p:sld>
+</file>
+
+<file path=ppt/slides/slide29.xml><?xml version="1.0" encoding="utf-8"?>
+<p:sld xmlns:a="http://schemas.openxmlformats.org/drawingml/2006/main" xmlns:r="http://schemas.openxmlformats.org/officeDocument/2006/relationships" xmlns:p="http://schemas.openxmlformats.org/presentationml/2006/main">
+  <p:cSld>
+    <p:spTree>
+      <p:nvGrpSpPr>
+        <p:cNvPr id="1" name=""/>
+        <p:cNvGrpSpPr/>
+        <p:nvPr/>
+      </p:nvGrpSpPr>
+      <p:grpSpPr>
+        <a:xfrm>
+          <a:off x="0" y="0"/>
+          <a:ext cx="0" cy="0"/>
+          <a:chOff x="0" y="0"/>
+          <a:chExt cx="0" cy="0"/>
+        </a:xfrm>
+      </p:grpSpPr>
+      <p:sp>
+        <p:nvSpPr>
+          <p:cNvPr id="2" name="Title 1">
+            <a:extLst>
+              <a:ext uri="{FF2B5EF4-FFF2-40B4-BE49-F238E27FC236}">
+                <a16:creationId xmlns:a16="http://schemas.microsoft.com/office/drawing/2014/main" id="{98B26338-EE59-F961-9248-24246CF67595}"/>
+              </a:ext>
+            </a:extLst>
+          </p:cNvPr>
+          <p:cNvSpPr>
+            <a:spLocks noGrp="1"/>
+          </p:cNvSpPr>
+          <p:nvPr>
+            <p:ph type="title"/>
+          </p:nvPr>
+        </p:nvSpPr>
+        <p:spPr/>
+        <p:txBody>
+          <a:bodyPr>
+            <a:normAutofit fontScale="90000"/>
+          </a:bodyPr>
+          <a:lstStyle/>
+          <a:p>
+            <a:br>
+              <a:rPr lang="en-US" dirty="0"/>
+            </a:br>
+            <a:r>
+              <a:rPr lang="en-US" dirty="0"/>
+              <a:t>Conclusion</a:t>
+            </a:r>
+          </a:p>
+        </p:txBody>
+      </p:sp>
+      <p:sp>
+        <p:nvSpPr>
+          <p:cNvPr id="3" name="Content Placeholder 2">
+            <a:extLst>
+              <a:ext uri="{FF2B5EF4-FFF2-40B4-BE49-F238E27FC236}">
+                <a16:creationId xmlns:a16="http://schemas.microsoft.com/office/drawing/2014/main" id="{F4F4306E-429D-C56C-C630-2919CCAF107C}"/>
+              </a:ext>
+            </a:extLst>
+          </p:cNvPr>
+          <p:cNvSpPr>
+            <a:spLocks noGrp="1"/>
+          </p:cNvSpPr>
+          <p:nvPr>
+            <p:ph idx="1"/>
+          </p:nvPr>
+        </p:nvSpPr>
+        <p:spPr/>
+        <p:txBody>
+          <a:bodyPr>
+            <a:normAutofit/>
+          </a:bodyPr>
+          <a:lstStyle/>
+          <a:p>
+            <a:r>
+              <a:rPr lang="en-US" sz="1600" dirty="0"/>
+              <a:t>In this paper, we carried out a study between linear Regression and Random Forest . We discussed Which technique is more efficient compared to the other and found out that linear Regression is more efficient ,has lower error and has higher accuracy But as we tested on the same dataset, the conclusion is partial. After testing with another dataset, we can model gives flawless salary values and will proceed with that.</a:t>
+            </a:r>
+          </a:p>
+          <a:p>
+            <a:r>
+              <a:rPr lang="en-US" b="1" dirty="0"/>
+              <a:t>The Random Forest model achieved the highest R-squared score (1.0) and the lowest MSE, MAE, and RMSE values, indicating the best predictive performance among the three models.</a:t>
+            </a:r>
+            <a:endParaRPr lang="en-US" dirty="0"/>
+          </a:p>
+          <a:p>
+            <a:r>
+              <a:rPr lang="en-US" b="1" dirty="0"/>
+              <a:t>2. The Decision Tree model performed well with an R-squared score of (1.0) but had higher errors compared to the Random Forest.</a:t>
+            </a:r>
+            <a:endParaRPr lang="en-US" dirty="0"/>
+          </a:p>
+          <a:p>
+            <a:r>
+              <a:rPr lang="en-US" b="1" dirty="0"/>
+              <a:t>3. The Linear Regression model had the lowest R-squared score (0.948) and the highest errors, suggesting it may not capture the underlying patterns in the data as effectively as the ensemble models.</a:t>
+            </a:r>
+            <a:endParaRPr lang="en-US" dirty="0"/>
+          </a:p>
+          <a:p>
+            <a:r>
+              <a:rPr lang="en-US" dirty="0"/>
+              <a:t>In conclusion, the Random Forest model appears to be the most suitable for predicting salaries in this dataset, as it offers the highest predictive accuracy and the lowest error metrics. Further optimization and fine-tuning of the Random Forest model could potentially lead to even better results.</a:t>
+            </a:r>
+          </a:p>
+          <a:p>
+            <a:pPr marL="0" indent="0">
+              <a:buNone/>
+            </a:pPr>
+            <a:r>
+              <a:rPr lang="en-US" dirty="0"/>
+              <a:t>.</a:t>
+            </a:r>
+          </a:p>
+        </p:txBody>
+      </p:sp>
+      <p:sp>
+        <p:nvSpPr>
+          <p:cNvPr id="4" name="Rectangle 1">
+            <a:extLst>
+              <a:ext uri="{FF2B5EF4-FFF2-40B4-BE49-F238E27FC236}">
+                <a16:creationId xmlns:a16="http://schemas.microsoft.com/office/drawing/2014/main" id="{AAB99CE3-2929-6183-8540-1606A9D94FE4}"/>
+              </a:ext>
+            </a:extLst>
+          </p:cNvPr>
+          <p:cNvSpPr>
+            <a:spLocks noChangeArrowheads="1"/>
+          </p:cNvSpPr>
+          <p:nvPr/>
+        </p:nvSpPr>
+        <p:spPr bwMode="auto">
+          <a:xfrm>
+            <a:off x="0" y="167044"/>
+            <a:ext cx="25648" cy="123111"/>
+          </a:xfrm>
+          <a:prstGeom prst="rect">
+            <a:avLst/>
+          </a:prstGeom>
+          <a:solidFill>
+            <a:srgbClr val="FFFFFF"/>
+          </a:solidFill>
+          <a:ln>
+            <a:noFill/>
+          </a:ln>
+          <a:effectLst/>
+          <a:extLst>
+            <a:ext uri="{91240B29-F687-4F45-9708-019B960494DF}">
+              <a14:hiddenLine xmlns:a14="http://schemas.microsoft.com/office/drawing/2010/main" w="9525">
+                <a:solidFill>
+                  <a:schemeClr val="tx1"/>
+                </a:solidFill>
+                <a:miter lim="800000"/>
+                <a:headEnd/>
+                <a:tailEnd/>
+              </a14:hiddenLine>
+            </a:ext>
+            <a:ext uri="{AF507438-7753-43E0-B8FC-AC1667EBCBE1}">
+              <a14:hiddenEffects xmlns:a14="http://schemas.microsoft.com/office/drawing/2010/main">
+                <a:effectLst>
+                  <a:outerShdw dist="35921" dir="2700000" algn="ctr" rotWithShape="0">
+                    <a:schemeClr val="bg2"/>
+                  </a:outerShdw>
+                </a:effectLst>
+              </a14:hiddenEffects>
+            </a:ext>
+          </a:extLst>
+        </p:spPr>
+        <p:txBody>
+          <a:bodyPr vert="horz" wrap="none" lIns="0" tIns="0" rIns="0" bIns="0" numCol="1" anchor="ctr" anchorCtr="0" compatLnSpc="1">
+            <a:prstTxWarp prst="textNoShape">
+              <a:avLst/>
+            </a:prstTxWarp>
+            <a:spAutoFit/>
+          </a:bodyPr>
+          <a:lstStyle/>
+          <a:p>
+            <a:pPr marL="0" marR="0" lvl="0" indent="0" algn="l" defTabSz="914400" rtl="0" eaLnBrk="0" fontAlgn="base" latinLnBrk="0" hangingPunct="0">
+              <a:lnSpc>
+                <a:spcPct val="100000"/>
+              </a:lnSpc>
+              <a:spcBef>
+                <a:spcPct val="0"/>
+              </a:spcBef>
+              <a:spcAft>
+                <a:spcPct val="0"/>
+              </a:spcAft>
+              <a:buClrTx/>
+              <a:buSzTx/>
+              <a:buFontTx/>
+              <a:buNone/>
+              <a:tabLst/>
+            </a:pPr>
+            <a:r>
+              <a:rPr kumimoji="0" lang="en-US" altLang="en-US" sz="800" b="0" i="0" u="none" strike="noStrike" cap="none" normalizeH="0" baseline="0" dirty="0">
+                <a:ln>
+                  <a:noFill/>
+                </a:ln>
+                <a:solidFill>
+                  <a:schemeClr val="tx1"/>
+                </a:solidFill>
+                <a:effectLst/>
+              </a:rPr>
+              <a:t> </a:t>
+            </a:r>
+            <a:endParaRPr kumimoji="0" lang="en-US" altLang="en-US" sz="1800" b="0" i="0" u="none" strike="noStrike" cap="none" normalizeH="0" baseline="0" dirty="0">
+              <a:ln>
+                <a:noFill/>
+              </a:ln>
+              <a:solidFill>
+                <a:schemeClr val="tx1"/>
+              </a:solidFill>
+              <a:effectLst/>
+              <a:latin typeface="Arial" panose="020B0604020202020204" pitchFamily="34" charset="0"/>
+            </a:endParaRPr>
+          </a:p>
+        </p:txBody>
+      </p:sp>
+    </p:spTree>
+    <p:extLst>
+      <p:ext uri="{BB962C8B-B14F-4D97-AF65-F5344CB8AC3E}">
+        <p14:creationId xmlns:p14="http://schemas.microsoft.com/office/powerpoint/2010/main" val="3355347201"/>
       </p:ext>
     </p:extLst>
   </p:cSld>
@@ -3874,7 +6884,7 @@
           <a:lstStyle/>
           <a:p>
             <a:r>
-              <a:rPr lang="en-US" sz="2000" dirty="0">
+              <a:rPr lang="en-US" sz="2000" b="1" dirty="0">
                 <a:latin typeface="Arial" panose="020B0604020202020204" pitchFamily="34" charset="0"/>
                 <a:cs typeface="Arial" panose="020B0604020202020204" pitchFamily="34" charset="0"/>
               </a:rPr>
@@ -3904,6 +6914,48 @@
           <a:bodyPr/>
           <a:lstStyle/>
           <a:p>
+            <a:r>
+              <a:rPr lang="en-US" sz="1800" dirty="0"/>
+              <a:t>The primary reason employee switch companies nowadays is often due to the salary offered.</a:t>
+            </a:r>
+          </a:p>
+          <a:p>
+            <a:r>
+              <a:rPr lang="en-US" sz="1800" dirty="0"/>
+              <a:t>Employee frequently switch companies to secure the expected salary, resulting in a loss for the company.</a:t>
+            </a:r>
+          </a:p>
+          <a:p>
+            <a:r>
+              <a:rPr lang="en-US" sz="1800" dirty="0"/>
+              <a:t>To overcome this , we came up with an idea: what if the employee receives the desired or expected salary from the company or organization. </a:t>
+            </a:r>
+          </a:p>
+          <a:p>
+            <a:r>
+              <a:rPr lang="en-US" sz="1800" dirty="0"/>
+              <a:t>In this competitive world, everyone has higher expectations and goals. However, we cannot randomly provide everyone with their expected salary. </a:t>
+            </a:r>
+          </a:p>
+          <a:p>
+            <a:r>
+              <a:rPr lang="en-US" sz="1800" dirty="0"/>
+              <a:t>There should be a system that measure the employee’s ability to earn the expected salary.</a:t>
+            </a:r>
+          </a:p>
+          <a:p>
+            <a:r>
+              <a:rPr lang="en-US" sz="1800" dirty="0"/>
+              <a:t>We cannot decide the exact salary, but we can predict it by using specific data set.</a:t>
+            </a:r>
+          </a:p>
+          <a:p>
+            <a:r>
+              <a:rPr lang="en-US" sz="1800" dirty="0"/>
+              <a:t>A prediction is an assumption about a future event.</a:t>
+            </a:r>
+          </a:p>
+          <a:p>
             <a:endParaRPr lang="en-US" dirty="0"/>
           </a:p>
         </p:txBody>
@@ -3912,6 +6964,296 @@
     <p:extLst>
       <p:ext uri="{BB962C8B-B14F-4D97-AF65-F5344CB8AC3E}">
         <p14:creationId xmlns:p14="http://schemas.microsoft.com/office/powerpoint/2010/main" val="1741083997"/>
+      </p:ext>
+    </p:extLst>
+  </p:cSld>
+  <p:clrMapOvr>
+    <a:masterClrMapping/>
+  </p:clrMapOvr>
+</p:sld>
+</file>
+
+<file path=ppt/slides/slide30.xml><?xml version="1.0" encoding="utf-8"?>
+<p:sld xmlns:a="http://schemas.openxmlformats.org/drawingml/2006/main" xmlns:r="http://schemas.openxmlformats.org/officeDocument/2006/relationships" xmlns:p="http://schemas.openxmlformats.org/presentationml/2006/main">
+  <p:cSld>
+    <p:spTree>
+      <p:nvGrpSpPr>
+        <p:cNvPr id="1" name=""/>
+        <p:cNvGrpSpPr/>
+        <p:nvPr/>
+      </p:nvGrpSpPr>
+      <p:grpSpPr>
+        <a:xfrm>
+          <a:off x="0" y="0"/>
+          <a:ext cx="0" cy="0"/>
+          <a:chOff x="0" y="0"/>
+          <a:chExt cx="0" cy="0"/>
+        </a:xfrm>
+      </p:grpSpPr>
+      <p:sp>
+        <p:nvSpPr>
+          <p:cNvPr id="2" name="Title 1">
+            <a:extLst>
+              <a:ext uri="{FF2B5EF4-FFF2-40B4-BE49-F238E27FC236}">
+                <a16:creationId xmlns:a16="http://schemas.microsoft.com/office/drawing/2014/main" id="{AAAA06B3-62B6-29C0-92A0-D8CC3A999CD8}"/>
+              </a:ext>
+            </a:extLst>
+          </p:cNvPr>
+          <p:cNvSpPr>
+            <a:spLocks noGrp="1"/>
+          </p:cNvSpPr>
+          <p:nvPr>
+            <p:ph type="title"/>
+          </p:nvPr>
+        </p:nvSpPr>
+        <p:spPr/>
+        <p:txBody>
+          <a:bodyPr/>
+          <a:lstStyle/>
+          <a:p>
+            <a:r>
+              <a:rPr lang="en-US" dirty="0"/>
+              <a:t>Future scope</a:t>
+            </a:r>
+          </a:p>
+        </p:txBody>
+      </p:sp>
+      <p:sp>
+        <p:nvSpPr>
+          <p:cNvPr id="3" name="Content Placeholder 2">
+            <a:extLst>
+              <a:ext uri="{FF2B5EF4-FFF2-40B4-BE49-F238E27FC236}">
+                <a16:creationId xmlns:a16="http://schemas.microsoft.com/office/drawing/2014/main" id="{C18E4AB9-96BB-752C-44ED-E2BAB9693C32}"/>
+              </a:ext>
+            </a:extLst>
+          </p:cNvPr>
+          <p:cNvSpPr>
+            <a:spLocks noGrp="1"/>
+          </p:cNvSpPr>
+          <p:nvPr>
+            <p:ph idx="1"/>
+          </p:nvPr>
+        </p:nvSpPr>
+        <p:spPr/>
+        <p:txBody>
+          <a:bodyPr>
+            <a:normAutofit/>
+          </a:bodyPr>
+          <a:lstStyle/>
+          <a:p>
+            <a:r>
+              <a:rPr lang="en-US" sz="2400" dirty="0"/>
+              <a:t>In future work, we aim to deploy it on Heroku and generate a URL that allows anyone with access to use our model. And try to save and reuse the trained model. We also aim to increase accuracy by training the model with more data records</a:t>
+            </a:r>
+          </a:p>
+        </p:txBody>
+      </p:sp>
+    </p:spTree>
+    <p:extLst>
+      <p:ext uri="{BB962C8B-B14F-4D97-AF65-F5344CB8AC3E}">
+        <p14:creationId xmlns:p14="http://schemas.microsoft.com/office/powerpoint/2010/main" val="2196112905"/>
+      </p:ext>
+    </p:extLst>
+  </p:cSld>
+  <p:clrMapOvr>
+    <a:masterClrMapping/>
+  </p:clrMapOvr>
+</p:sld>
+</file>
+
+<file path=ppt/slides/slide31.xml><?xml version="1.0" encoding="utf-8"?>
+<p:sld xmlns:a="http://schemas.openxmlformats.org/drawingml/2006/main" xmlns:r="http://schemas.openxmlformats.org/officeDocument/2006/relationships" xmlns:p="http://schemas.openxmlformats.org/presentationml/2006/main">
+  <p:cSld>
+    <p:spTree>
+      <p:nvGrpSpPr>
+        <p:cNvPr id="1" name=""/>
+        <p:cNvGrpSpPr/>
+        <p:nvPr/>
+      </p:nvGrpSpPr>
+      <p:grpSpPr>
+        <a:xfrm>
+          <a:off x="0" y="0"/>
+          <a:ext cx="0" cy="0"/>
+          <a:chOff x="0" y="0"/>
+          <a:chExt cx="0" cy="0"/>
+        </a:xfrm>
+      </p:grpSpPr>
+      <p:sp>
+        <p:nvSpPr>
+          <p:cNvPr id="2" name="Title 1">
+            <a:extLst>
+              <a:ext uri="{FF2B5EF4-FFF2-40B4-BE49-F238E27FC236}">
+                <a16:creationId xmlns:a16="http://schemas.microsoft.com/office/drawing/2014/main" id="{9DA8D012-3017-F0F2-0EAB-AE0097A31CA6}"/>
+              </a:ext>
+            </a:extLst>
+          </p:cNvPr>
+          <p:cNvSpPr>
+            <a:spLocks noGrp="1"/>
+          </p:cNvSpPr>
+          <p:nvPr>
+            <p:ph type="title"/>
+          </p:nvPr>
+        </p:nvSpPr>
+        <p:spPr/>
+        <p:txBody>
+          <a:bodyPr>
+            <a:normAutofit fontScale="90000"/>
+          </a:bodyPr>
+          <a:lstStyle/>
+          <a:p>
+            <a:br>
+              <a:rPr lang="en-US" dirty="0"/>
+            </a:br>
+            <a:r>
+              <a:rPr lang="en-US" dirty="0"/>
+              <a:t>References</a:t>
+            </a:r>
+          </a:p>
+        </p:txBody>
+      </p:sp>
+      <p:sp>
+        <p:nvSpPr>
+          <p:cNvPr id="3" name="Content Placeholder 2">
+            <a:extLst>
+              <a:ext uri="{FF2B5EF4-FFF2-40B4-BE49-F238E27FC236}">
+                <a16:creationId xmlns:a16="http://schemas.microsoft.com/office/drawing/2014/main" id="{0BC64DCF-CCAD-C3F5-5DD3-C494B6DF4D00}"/>
+              </a:ext>
+            </a:extLst>
+          </p:cNvPr>
+          <p:cNvSpPr>
+            <a:spLocks noGrp="1"/>
+          </p:cNvSpPr>
+          <p:nvPr>
+            <p:ph idx="1"/>
+          </p:nvPr>
+        </p:nvSpPr>
+        <p:spPr/>
+        <p:txBody>
+          <a:bodyPr>
+            <a:normAutofit/>
+          </a:bodyPr>
+          <a:lstStyle/>
+          <a:p>
+            <a:r>
+              <a:rPr lang="en-US" dirty="0"/>
+              <a:t>Raziq, A., Maulabakhsh, R. 2015. Impact of Working Environment on Job Satisfaction. Procedia Economics and Finance, 23, 717-725, DOI: 10.1016/S2212-5671(15)00524-9. </a:t>
+            </a:r>
+          </a:p>
+          <a:p>
+            <a:r>
+              <a:rPr lang="en-US" dirty="0"/>
+              <a:t>Brenninger, H-J., 2015. Employee satisfaction and its impact on company value, Doctoral thesis. University Of Latvia, Faculty of Economics and Management, Riga Latvia. </a:t>
+            </a:r>
+          </a:p>
+          <a:p>
+            <a:r>
+              <a:rPr lang="en-US" dirty="0"/>
+              <a:t>Bin Shmailan, A.S., 2016. The relationship between job satisfaction, job performanceand employee engagement: An explorative study, Issues in Business Management and Economics, 4(1), 1-8, DOI:10.15739/IBME.16.001.</a:t>
+            </a:r>
+          </a:p>
+          <a:p>
+            <a:r>
+              <a:rPr lang="en-US" dirty="0"/>
+              <a:t>Susmita Ray," A Quick Review of Machine Learning Algorithms," 2019 International Conference on Machine Learning, Big Data, Cloud and Parallel Computing (ComIT-Con), India, 14th -16th Feb 2019.</a:t>
+            </a:r>
+          </a:p>
+          <a:p>
+            <a:r>
+              <a:rPr lang="en-US" dirty="0"/>
+              <a:t>Yashpandey474/salary-prediction-using-machine-learning</a:t>
+            </a:r>
+          </a:p>
+          <a:p>
+            <a:r>
+              <a:rPr lang="en-US" dirty="0"/>
+              <a:t>Kaggle</a:t>
+            </a:r>
+          </a:p>
+          <a:p>
+            <a:r>
+              <a:rPr lang="en-US" dirty="0"/>
+              <a:t>Stackoverflow</a:t>
+            </a:r>
+          </a:p>
+          <a:p>
+            <a:r>
+              <a:rPr lang="en-US" dirty="0"/>
+              <a:t>Pornthep Khongchai, Pokpong Songmuang, “Improving Students’ Motivation to Study using Salary Prediction System” 2016 13th International Joint Conference on Computer Science and Software Engineering (JCSSE).</a:t>
+            </a:r>
+          </a:p>
+        </p:txBody>
+      </p:sp>
+    </p:spTree>
+    <p:extLst>
+      <p:ext uri="{BB962C8B-B14F-4D97-AF65-F5344CB8AC3E}">
+        <p14:creationId xmlns:p14="http://schemas.microsoft.com/office/powerpoint/2010/main" val="2333207656"/>
+      </p:ext>
+    </p:extLst>
+  </p:cSld>
+  <p:clrMapOvr>
+    <a:masterClrMapping/>
+  </p:clrMapOvr>
+</p:sld>
+</file>
+
+<file path=ppt/slides/slide32.xml><?xml version="1.0" encoding="utf-8"?>
+<p:sld xmlns:a="http://schemas.openxmlformats.org/drawingml/2006/main" xmlns:r="http://schemas.openxmlformats.org/officeDocument/2006/relationships" xmlns:p="http://schemas.openxmlformats.org/presentationml/2006/main">
+  <p:cSld>
+    <p:spTree>
+      <p:nvGrpSpPr>
+        <p:cNvPr id="1" name=""/>
+        <p:cNvGrpSpPr/>
+        <p:nvPr/>
+      </p:nvGrpSpPr>
+      <p:grpSpPr>
+        <a:xfrm>
+          <a:off x="0" y="0"/>
+          <a:ext cx="0" cy="0"/>
+          <a:chOff x="0" y="0"/>
+          <a:chExt cx="0" cy="0"/>
+        </a:xfrm>
+      </p:grpSpPr>
+      <p:sp>
+        <p:nvSpPr>
+          <p:cNvPr id="3" name="TextBox 2">
+            <a:extLst>
+              <a:ext uri="{FF2B5EF4-FFF2-40B4-BE49-F238E27FC236}">
+                <a16:creationId xmlns:a16="http://schemas.microsoft.com/office/drawing/2014/main" id="{001093D8-BC68-3B9E-6A66-39944D0A5282}"/>
+              </a:ext>
+            </a:extLst>
+          </p:cNvPr>
+          <p:cNvSpPr txBox="1"/>
+          <p:nvPr/>
+        </p:nvSpPr>
+        <p:spPr>
+          <a:xfrm>
+            <a:off x="3048000" y="3244334"/>
+            <a:ext cx="6096000" cy="769441"/>
+          </a:xfrm>
+          <a:prstGeom prst="rect">
+            <a:avLst/>
+          </a:prstGeom>
+          <a:noFill/>
+        </p:spPr>
+        <p:txBody>
+          <a:bodyPr wrap="square">
+            <a:spAutoFit/>
+          </a:bodyPr>
+          <a:lstStyle/>
+          <a:p>
+            <a:r>
+              <a:rPr lang="en-US" sz="4400" b="1" dirty="0">
+                <a:latin typeface="Algerian" panose="04020705040A02060702" pitchFamily="82" charset="0"/>
+              </a:rPr>
+              <a:t>Thank you</a:t>
+            </a:r>
+          </a:p>
+        </p:txBody>
+      </p:sp>
+    </p:spTree>
+    <p:extLst>
+      <p:ext uri="{BB962C8B-B14F-4D97-AF65-F5344CB8AC3E}">
+        <p14:creationId xmlns:p14="http://schemas.microsoft.com/office/powerpoint/2010/main" val="3665875726"/>
       </p:ext>
     </p:extLst>
   </p:cSld>
@@ -3943,7 +7285,7 @@
           <p:cNvPr id="2" name="Title 1">
             <a:extLst>
               <a:ext uri="{FF2B5EF4-FFF2-40B4-BE49-F238E27FC236}">
-                <a16:creationId xmlns:a16="http://schemas.microsoft.com/office/drawing/2014/main" id="{B5E221F6-4016-A314-9604-C8131BDAA702}"/>
+                <a16:creationId xmlns:a16="http://schemas.microsoft.com/office/drawing/2014/main" id="{EC4B835C-F1B1-0987-B810-6C2F7C7D4FFA}"/>
               </a:ext>
             </a:extLst>
           </p:cNvPr>
@@ -3954,36 +7296,23 @@
             <p:ph type="title"/>
           </p:nvPr>
         </p:nvSpPr>
-        <p:spPr>
-          <a:xfrm>
-            <a:off x="1451579" y="566530"/>
-            <a:ext cx="9603275" cy="546653"/>
-          </a:xfrm>
-        </p:spPr>
-        <p:txBody>
-          <a:bodyPr>
-            <a:normAutofit fontScale="90000"/>
-          </a:bodyPr>
-          <a:lstStyle/>
-          <a:p>
-            <a:r>
-              <a:rPr lang="en-US" sz="2000" b="1" dirty="0">
+        <p:spPr/>
+        <p:txBody>
+          <a:bodyPr/>
+          <a:lstStyle/>
+          <a:p>
+            <a:r>
+              <a:rPr lang="en-US" b="1" dirty="0">
                 <a:latin typeface="Arial" panose="020B0604020202020204" pitchFamily="34" charset="0"/>
                 <a:cs typeface="Arial" panose="020B0604020202020204" pitchFamily="34" charset="0"/>
               </a:rPr>
               <a:t>System </a:t>
             </a:r>
             <a:r>
-              <a:rPr lang="en-US" sz="2000" b="1" dirty="0"/>
+              <a:rPr lang="en-US" b="1" dirty="0"/>
               <a:t>approach</a:t>
             </a:r>
-            <a:br>
-              <a:rPr lang="en-US" sz="2000" dirty="0"/>
-            </a:br>
-            <a:endParaRPr lang="en-US" sz="2000" dirty="0">
-              <a:latin typeface="Arial" panose="020B0604020202020204" pitchFamily="34" charset="0"/>
-              <a:cs typeface="Arial" panose="020B0604020202020204" pitchFamily="34" charset="0"/>
-            </a:endParaRPr>
+            <a:endParaRPr lang="en-US" dirty="0"/>
           </a:p>
         </p:txBody>
       </p:sp>
@@ -3992,7 +7321,7 @@
           <p:cNvPr id="3" name="Content Placeholder 2">
             <a:extLst>
               <a:ext uri="{FF2B5EF4-FFF2-40B4-BE49-F238E27FC236}">
-                <a16:creationId xmlns:a16="http://schemas.microsoft.com/office/drawing/2014/main" id="{60761572-EB49-16AC-9662-DCB9389F52AD}"/>
+                <a16:creationId xmlns:a16="http://schemas.microsoft.com/office/drawing/2014/main" id="{BE62952A-78CF-B771-08C6-F423F58F272F}"/>
               </a:ext>
             </a:extLst>
           </p:cNvPr>
@@ -4005,18 +7334,16 @@
         </p:nvSpPr>
         <p:spPr>
           <a:xfrm>
-            <a:off x="1451579" y="1113183"/>
-            <a:ext cx="9603275" cy="4899991"/>
-          </a:xfrm>
-        </p:spPr>
-        <p:txBody>
-          <a:bodyPr>
-            <a:normAutofit fontScale="25000" lnSpcReduction="20000"/>
-          </a:bodyPr>
-          <a:lstStyle/>
-          <a:p>
-            <a:r>
-              <a:rPr lang="en-US" sz="6400" dirty="0">
+            <a:off x="581192" y="1232452"/>
+            <a:ext cx="11029615" cy="4742897"/>
+          </a:xfrm>
+        </p:spPr>
+        <p:txBody>
+          <a:bodyPr/>
+          <a:lstStyle/>
+          <a:p>
+            <a:r>
+              <a:rPr lang="en-US" sz="1800" dirty="0">
                 <a:latin typeface="Arial Black" panose="020B0A04020102020204" pitchFamily="34" charset="0"/>
               </a:rPr>
               <a:t>System Requirement</a:t>
@@ -4026,41 +7353,54 @@
             <a:pPr marL="0" indent="0">
               <a:buNone/>
             </a:pPr>
-            <a:endParaRPr lang="en-US" sz="6400" dirty="0">
-              <a:latin typeface="Arial Narrow" panose="020B0606020202030204" pitchFamily="34" charset="0"/>
-            </a:endParaRPr>
+            <a:r>
+              <a:rPr lang="en-US" sz="1800" dirty="0">
+                <a:latin typeface="Arial Black" panose="020B0A04020102020204" pitchFamily="34" charset="0"/>
+              </a:rPr>
+              <a:t>         </a:t>
+            </a:r>
           </a:p>
           <a:p>
             <a:pPr marL="0" indent="0">
               <a:buNone/>
             </a:pPr>
-            <a:r>
-              <a:rPr lang="en-US" sz="6400" dirty="0">
-                <a:latin typeface="Arial Narrow" panose="020B0606020202030204" pitchFamily="34" charset="0"/>
-              </a:rPr>
-              <a:t>      Processor                                      :  Intel Core i3</a:t>
-            </a:r>
+            <a:endParaRPr lang="en-US" sz="1800" dirty="0">
+              <a:latin typeface="Arial Black" panose="020B0A04020102020204" pitchFamily="34" charset="0"/>
+            </a:endParaRPr>
           </a:p>
           <a:p>
             <a:pPr marL="0" indent="0">
               <a:buNone/>
             </a:pPr>
             <a:r>
-              <a:rPr lang="en-US" sz="6400" dirty="0">
+              <a:rPr lang="en-US" sz="1800" dirty="0">
+                <a:latin typeface="Arial Black" panose="020B0A04020102020204" pitchFamily="34" charset="0"/>
+              </a:rPr>
+              <a:t>         </a:t>
+            </a:r>
+            <a:r>
+              <a:rPr lang="en-US" sz="1800" dirty="0">
                 <a:latin typeface="Arial Narrow" panose="020B0606020202030204" pitchFamily="34" charset="0"/>
               </a:rPr>
-              <a:t>      Processor speed                           :  3.06 GHz</a:t>
-            </a:r>
+              <a:t>Processor                                       :  </a:t>
+            </a:r>
+            <a:r>
+              <a:rPr lang="en-US" sz="1800" dirty="0"/>
+              <a:t>Intel ® Core ™ i3</a:t>
+            </a:r>
+            <a:endParaRPr lang="en-US" sz="1800" dirty="0">
+              <a:latin typeface="Arial Narrow" panose="020B0606020202030204" pitchFamily="34" charset="0"/>
+            </a:endParaRPr>
           </a:p>
           <a:p>
             <a:pPr marL="0" indent="0">
               <a:buNone/>
             </a:pPr>
             <a:r>
-              <a:rPr lang="en-US" sz="6400" dirty="0">
+              <a:rPr lang="en-US" sz="1800" dirty="0">
                 <a:latin typeface="Arial Narrow" panose="020B0606020202030204" pitchFamily="34" charset="0"/>
               </a:rPr>
-              <a:t>      RAM                                               :  8GB</a:t>
+              <a:t>             Processor speed                            :  3.06 GHz</a:t>
             </a:r>
           </a:p>
           <a:p>
@@ -4068,17 +7408,28 @@
               <a:buNone/>
             </a:pPr>
             <a:r>
-              <a:rPr lang="en-US" sz="6400" dirty="0">
+              <a:rPr lang="en-US" sz="1800" dirty="0">
                 <a:latin typeface="Arial Narrow" panose="020B0606020202030204" pitchFamily="34" charset="0"/>
               </a:rPr>
-              <a:t>      </a:t>
-            </a:r>
-            <a:r>
-              <a:rPr lang="en-US" sz="6400" dirty="0">
+              <a:t>             RAM                                               :  8GB</a:t>
+            </a:r>
+          </a:p>
+          <a:p>
+            <a:pPr marL="0" indent="0">
+              <a:buNone/>
+            </a:pPr>
+            <a:r>
+              <a:rPr lang="en-US" sz="1800" dirty="0">
+                <a:latin typeface="Arial Narrow" panose="020B0606020202030204" pitchFamily="34" charset="0"/>
+              </a:rPr>
+              <a:t>             </a:t>
+            </a:r>
+            <a:r>
+              <a:rPr lang="en-US" sz="1800" dirty="0">
                 <a:latin typeface="Arial Narrow" panose="020B0606020202030204" pitchFamily="34" charset="0"/>
                 <a:cs typeface="Arial" panose="020B0604020202020204" pitchFamily="34" charset="0"/>
               </a:rPr>
-              <a:t>Hard Disk                                        :  1TB</a:t>
+              <a:t>Hard Disk                                       :  1TB</a:t>
             </a:r>
           </a:p>
           <a:p>
@@ -4086,122 +7437,36 @@
               <a:buNone/>
             </a:pPr>
             <a:r>
-              <a:rPr lang="en-US" sz="6400" dirty="0">
+              <a:rPr lang="en-US" sz="1800" dirty="0">
                 <a:latin typeface="Arial Narrow" panose="020B0606020202030204" pitchFamily="34" charset="0"/>
                 <a:cs typeface="Arial" panose="020B0604020202020204" pitchFamily="34" charset="0"/>
               </a:rPr>
-              <a:t>      Keyboard                                         :   Standard 104 enhanced keyboard</a:t>
+              <a:t>             Keyboard                                       :   Standard 104 enhanced keyboard</a:t>
             </a:r>
           </a:p>
           <a:p>
             <a:pPr marL="0" indent="0">
               <a:buNone/>
             </a:pPr>
-            <a:r>
-              <a:rPr lang="en-US" sz="6400" dirty="0">
-                <a:solidFill>
-                  <a:schemeClr val="accent2"/>
-                </a:solidFill>
-                <a:latin typeface="Arial Narrow" panose="020B0606020202030204" pitchFamily="34" charset="0"/>
-                <a:cs typeface="Arial" panose="020B0604020202020204" pitchFamily="34" charset="0"/>
-              </a:rPr>
-              <a:t>. </a:t>
-            </a:r>
-            <a:r>
-              <a:rPr lang="en-US" sz="6400" b="1" dirty="0">
-                <a:latin typeface="Arial Narrow" panose="020B0606020202030204" pitchFamily="34" charset="0"/>
-                <a:cs typeface="Arial" panose="020B0604020202020204" pitchFamily="34" charset="0"/>
-              </a:rPr>
-              <a:t>Library </a:t>
-            </a:r>
-            <a:r>
-              <a:rPr lang="en-US" sz="6400" b="1" dirty="0" err="1">
-                <a:latin typeface="Arial Narrow" panose="020B0606020202030204" pitchFamily="34" charset="0"/>
-                <a:cs typeface="Arial" panose="020B0604020202020204" pitchFamily="34" charset="0"/>
-              </a:rPr>
-              <a:t>Requiement</a:t>
-            </a:r>
-            <a:endParaRPr lang="en-US" sz="6400" b="1" dirty="0">
-              <a:latin typeface="Arial Narrow" panose="020B0606020202030204" pitchFamily="34" charset="0"/>
-              <a:cs typeface="Arial" panose="020B0604020202020204" pitchFamily="34" charset="0"/>
-            </a:endParaRPr>
-          </a:p>
-          <a:p>
-            <a:r>
-              <a:rPr lang="en-US" sz="6400" dirty="0"/>
-              <a:t>pandas</a:t>
-            </a:r>
-          </a:p>
-          <a:p>
-            <a:r>
-              <a:rPr lang="en-US" sz="6400" dirty="0"/>
-              <a:t>Seaborn</a:t>
-            </a:r>
-          </a:p>
-          <a:p>
-            <a:r>
-              <a:rPr lang="en-US" sz="6400" dirty="0"/>
-              <a:t>Matplotlib</a:t>
-            </a:r>
-          </a:p>
-          <a:p>
-            <a:r>
-              <a:rPr lang="en-US" sz="6400" dirty="0" err="1"/>
-              <a:t>Numpy</a:t>
-            </a:r>
-            <a:endParaRPr lang="en-US" sz="6400" dirty="0"/>
-          </a:p>
-          <a:p>
-            <a:r>
-              <a:rPr lang="en-US" sz="6400" dirty="0" err="1"/>
-              <a:t>sklearn</a:t>
-            </a:r>
-            <a:endParaRPr lang="en-US" sz="6400" b="1" dirty="0">
-              <a:latin typeface="Arial Narrow" panose="020B0606020202030204" pitchFamily="34" charset="0"/>
-              <a:cs typeface="Arial" panose="020B0604020202020204" pitchFamily="34" charset="0"/>
-            </a:endParaRPr>
-          </a:p>
-          <a:p>
-            <a:endParaRPr lang="en-US" sz="6400" dirty="0"/>
-          </a:p>
-          <a:p>
-            <a:endParaRPr lang="en-US" sz="6400" dirty="0"/>
+            <a:endParaRPr lang="en-US" sz="1800" dirty="0"/>
           </a:p>
           <a:p>
             <a:pPr marL="0" indent="0">
               <a:buNone/>
             </a:pPr>
-            <a:r>
-              <a:rPr lang="en-US" sz="6400" dirty="0">
-                <a:latin typeface="Arial Narrow" panose="020B0606020202030204" pitchFamily="34" charset="0"/>
-                <a:cs typeface="Arial" panose="020B0604020202020204" pitchFamily="34" charset="0"/>
-              </a:rPr>
-              <a:t>   </a:t>
-            </a:r>
-          </a:p>
-          <a:p>
-            <a:pPr marL="0" indent="0">
-              <a:buNone/>
-            </a:pPr>
-            <a:r>
-              <a:rPr lang="en-US" sz="6400" dirty="0">
-                <a:latin typeface="Arial Narrow" panose="020B0606020202030204" pitchFamily="34" charset="0"/>
-                <a:cs typeface="Arial" panose="020B0604020202020204" pitchFamily="34" charset="0"/>
-              </a:rPr>
-              <a:t>       </a:t>
-            </a:r>
-          </a:p>
-          <a:p>
-            <a:endParaRPr lang="en-US" dirty="0">
+            <a:endParaRPr lang="en-US" sz="1800" dirty="0">
               <a:latin typeface="Arial Black" panose="020B0A04020102020204" pitchFamily="34" charset="0"/>
             </a:endParaRPr>
+          </a:p>
+          <a:p>
+            <a:endParaRPr lang="en-US" dirty="0"/>
           </a:p>
         </p:txBody>
       </p:sp>
     </p:spTree>
     <p:extLst>
       <p:ext uri="{BB962C8B-B14F-4D97-AF65-F5344CB8AC3E}">
-        <p14:creationId xmlns:p14="http://schemas.microsoft.com/office/powerpoint/2010/main" val="884405561"/>
+        <p14:creationId xmlns:p14="http://schemas.microsoft.com/office/powerpoint/2010/main" val="2918897568"/>
       </p:ext>
     </p:extLst>
   </p:cSld>
@@ -4233,7 +7498,7 @@
           <p:cNvPr id="2" name="Title 1">
             <a:extLst>
               <a:ext uri="{FF2B5EF4-FFF2-40B4-BE49-F238E27FC236}">
-                <a16:creationId xmlns:a16="http://schemas.microsoft.com/office/drawing/2014/main" id="{A2C49D69-C358-CE0C-BFB2-9125C992C8B5}"/>
+                <a16:creationId xmlns:a16="http://schemas.microsoft.com/office/drawing/2014/main" id="{44061FBF-F7C7-6A90-EBF4-B8FDC7657807}"/>
               </a:ext>
             </a:extLst>
           </p:cNvPr>
@@ -4242,6 +7507,46 @@
           </p:cNvSpPr>
           <p:nvPr>
             <p:ph type="title"/>
+          </p:nvPr>
+        </p:nvSpPr>
+        <p:spPr/>
+        <p:txBody>
+          <a:bodyPr>
+            <a:normAutofit fontScale="90000"/>
+          </a:bodyPr>
+          <a:lstStyle/>
+          <a:p>
+            <a:br>
+              <a:rPr lang="en-US" b="1" dirty="0">
+                <a:latin typeface="Arial Narrow" panose="020B0606020202030204" pitchFamily="34" charset="0"/>
+                <a:cs typeface="Arial" panose="020B0604020202020204" pitchFamily="34" charset="0"/>
+              </a:rPr>
+            </a:br>
+            <a:r>
+              <a:rPr lang="en-US" b="1" dirty="0">
+                <a:latin typeface="Arial Narrow" panose="020B0606020202030204" pitchFamily="34" charset="0"/>
+                <a:cs typeface="Arial" panose="020B0604020202020204" pitchFamily="34" charset="0"/>
+              </a:rPr>
+              <a:t>Library Requirement</a:t>
+            </a:r>
+            <a:endParaRPr lang="en-US" dirty="0"/>
+          </a:p>
+        </p:txBody>
+      </p:sp>
+      <p:sp>
+        <p:nvSpPr>
+          <p:cNvPr id="3" name="Content Placeholder 2">
+            <a:extLst>
+              <a:ext uri="{FF2B5EF4-FFF2-40B4-BE49-F238E27FC236}">
+                <a16:creationId xmlns:a16="http://schemas.microsoft.com/office/drawing/2014/main" id="{97EA93C1-F7B5-0284-8AB3-00BFC94A1388}"/>
+              </a:ext>
+            </a:extLst>
+          </p:cNvPr>
+          <p:cNvSpPr>
+            <a:spLocks noGrp="1"/>
+          </p:cNvSpPr>
+          <p:nvPr>
+            <p:ph idx="1"/>
           </p:nvPr>
         </p:nvSpPr>
         <p:spPr/>
@@ -4252,11 +7557,484 @@
           <a:lstStyle/>
           <a:p>
             <a:r>
-              <a:rPr lang="en-US" sz="2400" dirty="0">
+              <a:rPr lang="en-US" sz="2400" b="1" u="sng" dirty="0"/>
+              <a:t>Seaborn:- </a:t>
+            </a:r>
+            <a:r>
+              <a:rPr lang="en-US" sz="2400" dirty="0"/>
+              <a:t>seaborn is an amazing visualization library for statistical graphics plotting in python. It provides beautiful default styles and color palettes to make statistical plots more attractive.</a:t>
+            </a:r>
+          </a:p>
+          <a:p>
+            <a:r>
+              <a:rPr lang="en-US" sz="2400" b="1" dirty="0"/>
+              <a:t>Pandas :- </a:t>
+            </a:r>
+            <a:r>
+              <a:rPr lang="en-US" sz="2400" dirty="0"/>
+              <a:t>pandas are software library written for the Python programming language for data manipulation and analysis. In particular, it offers data structures and operations for manipulating numerical tables and time series. It is well suited for working with tabular data such as </a:t>
+            </a:r>
+            <a:r>
+              <a:rPr lang="en-US" sz="2400" b="1" dirty="0"/>
+              <a:t>spreadsheets , SQL tables.</a:t>
+            </a:r>
+          </a:p>
+          <a:p>
+            <a:endParaRPr lang="en-US" dirty="0"/>
+          </a:p>
+        </p:txBody>
+      </p:sp>
+    </p:spTree>
+    <p:extLst>
+      <p:ext uri="{BB962C8B-B14F-4D97-AF65-F5344CB8AC3E}">
+        <p14:creationId xmlns:p14="http://schemas.microsoft.com/office/powerpoint/2010/main" val="703699899"/>
+      </p:ext>
+    </p:extLst>
+  </p:cSld>
+  <p:clrMapOvr>
+    <a:masterClrMapping/>
+  </p:clrMapOvr>
+</p:sld>
+</file>
+
+<file path=ppt/slides/slide6.xml><?xml version="1.0" encoding="utf-8"?>
+<p:sld xmlns:a="http://schemas.openxmlformats.org/drawingml/2006/main" xmlns:r="http://schemas.openxmlformats.org/officeDocument/2006/relationships" xmlns:p="http://schemas.openxmlformats.org/presentationml/2006/main">
+  <p:cSld>
+    <p:spTree>
+      <p:nvGrpSpPr>
+        <p:cNvPr id="1" name=""/>
+        <p:cNvGrpSpPr/>
+        <p:nvPr/>
+      </p:nvGrpSpPr>
+      <p:grpSpPr>
+        <a:xfrm>
+          <a:off x="0" y="0"/>
+          <a:ext cx="0" cy="0"/>
+          <a:chOff x="0" y="0"/>
+          <a:chExt cx="0" cy="0"/>
+        </a:xfrm>
+      </p:grpSpPr>
+      <p:sp>
+        <p:nvSpPr>
+          <p:cNvPr id="2" name="Title 1">
+            <a:extLst>
+              <a:ext uri="{FF2B5EF4-FFF2-40B4-BE49-F238E27FC236}">
+                <a16:creationId xmlns:a16="http://schemas.microsoft.com/office/drawing/2014/main" id="{98B98129-2F1E-CD40-4D6A-6E4DF1E92765}"/>
+              </a:ext>
+            </a:extLst>
+          </p:cNvPr>
+          <p:cNvSpPr>
+            <a:spLocks noGrp="1"/>
+          </p:cNvSpPr>
+          <p:nvPr>
+            <p:ph type="title"/>
+          </p:nvPr>
+        </p:nvSpPr>
+        <p:spPr/>
+        <p:txBody>
+          <a:bodyPr/>
+          <a:lstStyle/>
+          <a:p>
+            <a:r>
+              <a:rPr lang="en-US" b="1" dirty="0">
+                <a:latin typeface="Arial Narrow" panose="020B0606020202030204" pitchFamily="34" charset="0"/>
+                <a:cs typeface="Arial" panose="020B0604020202020204" pitchFamily="34" charset="0"/>
+              </a:rPr>
+              <a:t>Library Requirement</a:t>
+            </a:r>
+            <a:endParaRPr lang="en-US" dirty="0"/>
+          </a:p>
+        </p:txBody>
+      </p:sp>
+      <p:sp>
+        <p:nvSpPr>
+          <p:cNvPr id="3" name="Content Placeholder 2">
+            <a:extLst>
+              <a:ext uri="{FF2B5EF4-FFF2-40B4-BE49-F238E27FC236}">
+                <a16:creationId xmlns:a16="http://schemas.microsoft.com/office/drawing/2014/main" id="{8C67FD66-C42B-2CE9-C5EE-E7C68B4B2A07}"/>
+              </a:ext>
+            </a:extLst>
+          </p:cNvPr>
+          <p:cNvSpPr>
+            <a:spLocks noGrp="1"/>
+          </p:cNvSpPr>
+          <p:nvPr>
+            <p:ph idx="1"/>
+          </p:nvPr>
+        </p:nvSpPr>
+        <p:spPr/>
+        <p:txBody>
+          <a:bodyPr>
+            <a:normAutofit/>
+          </a:bodyPr>
+          <a:lstStyle/>
+          <a:p>
+            <a:r>
+              <a:rPr lang="en-US" sz="2400" b="1" u="sng" dirty="0"/>
+              <a:t>Matplotlib</a:t>
+            </a:r>
+            <a:r>
+              <a:rPr lang="en-US" sz="2400" dirty="0"/>
+              <a:t> :- It is a comprehensive library for creating static, animated, and interactive visualizations in Python.</a:t>
+            </a:r>
+          </a:p>
+          <a:p>
+            <a:r>
+              <a:rPr lang="en-US" sz="2400" b="1" u="sng" dirty="0"/>
+              <a:t>NumPy</a:t>
+            </a:r>
+            <a:r>
+              <a:rPr lang="en-US" sz="2400" dirty="0"/>
+              <a:t> :- NumPy is a general-purpose array-processing package. It provides a high-performance multidimensional array object, and tools for working with these arrays. It is open-source software and the fundamental package for scientific computing with Python. </a:t>
+            </a:r>
+          </a:p>
+          <a:p>
+            <a:r>
+              <a:rPr lang="en-US" sz="2400" b="1" u="sng" dirty="0"/>
+              <a:t>Scikit learn </a:t>
+            </a:r>
+            <a:r>
+              <a:rPr lang="en-US" sz="2400" dirty="0"/>
+              <a:t>:- it is a supervised and unsupervised learning algorithms . Scikit- learn can also be used for data-mining and data analysis</a:t>
+            </a:r>
+          </a:p>
+          <a:p>
+            <a:pPr marL="0" indent="0">
+              <a:buNone/>
+            </a:pPr>
+            <a:endParaRPr lang="en-US" sz="2400" b="1" dirty="0">
+              <a:latin typeface="Arial Narrow" panose="020B0606020202030204" pitchFamily="34" charset="0"/>
+              <a:cs typeface="Arial" panose="020B0604020202020204" pitchFamily="34" charset="0"/>
+            </a:endParaRPr>
+          </a:p>
+          <a:p>
+            <a:endParaRPr lang="en-US" dirty="0"/>
+          </a:p>
+        </p:txBody>
+      </p:sp>
+    </p:spTree>
+    <p:extLst>
+      <p:ext uri="{BB962C8B-B14F-4D97-AF65-F5344CB8AC3E}">
+        <p14:creationId xmlns:p14="http://schemas.microsoft.com/office/powerpoint/2010/main" val="297700131"/>
+      </p:ext>
+    </p:extLst>
+  </p:cSld>
+  <p:clrMapOvr>
+    <a:masterClrMapping/>
+  </p:clrMapOvr>
+</p:sld>
+</file>
+
+<file path=ppt/slides/slide7.xml><?xml version="1.0" encoding="utf-8"?>
+<p:sld xmlns:a="http://schemas.openxmlformats.org/drawingml/2006/main" xmlns:r="http://schemas.openxmlformats.org/officeDocument/2006/relationships" xmlns:p="http://schemas.openxmlformats.org/presentationml/2006/main">
+  <p:cSld>
+    <p:spTree>
+      <p:nvGrpSpPr>
+        <p:cNvPr id="1" name=""/>
+        <p:cNvGrpSpPr/>
+        <p:nvPr/>
+      </p:nvGrpSpPr>
+      <p:grpSpPr>
+        <a:xfrm>
+          <a:off x="0" y="0"/>
+          <a:ext cx="0" cy="0"/>
+          <a:chOff x="0" y="0"/>
+          <a:chExt cx="0" cy="0"/>
+        </a:xfrm>
+      </p:grpSpPr>
+      <p:sp>
+        <p:nvSpPr>
+          <p:cNvPr id="2" name="Title 1">
+            <a:extLst>
+              <a:ext uri="{FF2B5EF4-FFF2-40B4-BE49-F238E27FC236}">
+                <a16:creationId xmlns:a16="http://schemas.microsoft.com/office/drawing/2014/main" id="{CD794753-FB2C-1821-0911-DD426A7FB136}"/>
+              </a:ext>
+            </a:extLst>
+          </p:cNvPr>
+          <p:cNvSpPr>
+            <a:spLocks noGrp="1"/>
+          </p:cNvSpPr>
+          <p:nvPr>
+            <p:ph type="title"/>
+          </p:nvPr>
+        </p:nvSpPr>
+        <p:spPr/>
+        <p:txBody>
+          <a:bodyPr/>
+          <a:lstStyle/>
+          <a:p>
+            <a:r>
+              <a:rPr lang="en-US" b="1">
+                <a:latin typeface="Arial Narrow" panose="020B0606020202030204" pitchFamily="34" charset="0"/>
+                <a:cs typeface="Arial" panose="020B0604020202020204" pitchFamily="34" charset="0"/>
+              </a:rPr>
+              <a:t>Library Requirement</a:t>
+            </a:r>
+            <a:endParaRPr lang="en-US"/>
+          </a:p>
+        </p:txBody>
+      </p:sp>
+      <p:sp>
+        <p:nvSpPr>
+          <p:cNvPr id="3" name="Content Placeholder 2">
+            <a:extLst>
+              <a:ext uri="{FF2B5EF4-FFF2-40B4-BE49-F238E27FC236}">
+                <a16:creationId xmlns:a16="http://schemas.microsoft.com/office/drawing/2014/main" id="{6BC5CB8C-8865-B066-F2F6-C54C22C6CF0E}"/>
+              </a:ext>
+            </a:extLst>
+          </p:cNvPr>
+          <p:cNvSpPr>
+            <a:spLocks noGrp="1"/>
+          </p:cNvSpPr>
+          <p:nvPr>
+            <p:ph idx="1"/>
+          </p:nvPr>
+        </p:nvSpPr>
+        <p:spPr/>
+        <p:txBody>
+          <a:bodyPr>
+            <a:normAutofit/>
+          </a:bodyPr>
+          <a:lstStyle/>
+          <a:p>
+            <a:r>
+              <a:rPr lang="en-US" sz="2400" b="1" u="sng" dirty="0"/>
+              <a:t>Preprocessing</a:t>
+            </a:r>
+            <a:r>
+              <a:rPr lang="en-US" sz="2400" dirty="0"/>
+              <a:t> :- in data science transforming raw data into a clean structured format for analysis. It involves tasks like handing missing values, normalizing data and encoding variables.</a:t>
+            </a:r>
+          </a:p>
+          <a:p>
+            <a:r>
+              <a:rPr lang="en-US" sz="2400" dirty="0"/>
+              <a:t> </a:t>
+            </a:r>
+            <a:r>
+              <a:rPr lang="en-US" sz="2400" b="1" u="sng" dirty="0"/>
+              <a:t>Streamlit :- </a:t>
+            </a:r>
+            <a:r>
+              <a:rPr lang="en-US" sz="2400" dirty="0"/>
+              <a:t>Streamlit is a free and open-source framework to rapidly build and share   beautiful machine learning and data science web apps. It is a Python-based library specifically designed for machine learning engineers.                                                             </a:t>
+            </a:r>
+          </a:p>
+          <a:p>
+            <a:r>
+              <a:rPr lang="en-US" sz="2400" dirty="0"/>
+              <a:t>  Data scientists or machine learning engineers are not web developers and they're not interested in spending weeks learning to use these frameworks to build web apps.</a:t>
+            </a:r>
+          </a:p>
+          <a:p>
+            <a:endParaRPr lang="en-US" dirty="0"/>
+          </a:p>
+        </p:txBody>
+      </p:sp>
+    </p:spTree>
+    <p:extLst>
+      <p:ext uri="{BB962C8B-B14F-4D97-AF65-F5344CB8AC3E}">
+        <p14:creationId xmlns:p14="http://schemas.microsoft.com/office/powerpoint/2010/main" val="3674151463"/>
+      </p:ext>
+    </p:extLst>
+  </p:cSld>
+  <p:clrMapOvr>
+    <a:masterClrMapping/>
+  </p:clrMapOvr>
+</p:sld>
+</file>
+
+<file path=ppt/slides/slide8.xml><?xml version="1.0" encoding="utf-8"?>
+<p:sld xmlns:a="http://schemas.openxmlformats.org/drawingml/2006/main" xmlns:r="http://schemas.openxmlformats.org/officeDocument/2006/relationships" xmlns:p="http://schemas.openxmlformats.org/presentationml/2006/main">
+  <p:cSld>
+    <p:spTree>
+      <p:nvGrpSpPr>
+        <p:cNvPr id="1" name=""/>
+        <p:cNvGrpSpPr/>
+        <p:nvPr/>
+      </p:nvGrpSpPr>
+      <p:grpSpPr>
+        <a:xfrm>
+          <a:off x="0" y="0"/>
+          <a:ext cx="0" cy="0"/>
+          <a:chOff x="0" y="0"/>
+          <a:chExt cx="0" cy="0"/>
+        </a:xfrm>
+      </p:grpSpPr>
+      <p:sp>
+        <p:nvSpPr>
+          <p:cNvPr id="2" name="Title 1">
+            <a:extLst>
+              <a:ext uri="{FF2B5EF4-FFF2-40B4-BE49-F238E27FC236}">
+                <a16:creationId xmlns:a16="http://schemas.microsoft.com/office/drawing/2014/main" id="{CEEB185B-5F4C-6993-19C6-C842A49BC58C}"/>
+              </a:ext>
+            </a:extLst>
+          </p:cNvPr>
+          <p:cNvSpPr>
+            <a:spLocks noGrp="1"/>
+          </p:cNvSpPr>
+          <p:nvPr>
+            <p:ph type="title"/>
+          </p:nvPr>
+        </p:nvSpPr>
+        <p:spPr/>
+        <p:txBody>
+          <a:bodyPr>
+            <a:normAutofit fontScale="90000"/>
+          </a:bodyPr>
+          <a:lstStyle/>
+          <a:p>
+            <a:r>
+              <a:rPr lang="en-US" dirty="0">
+                <a:latin typeface="Arial Black" panose="020B0A04020102020204" pitchFamily="34" charset="0"/>
+              </a:rPr>
+              <a:t>  Algorithm &amp; deployment</a:t>
+            </a:r>
+            <a:endParaRPr lang="en-US" dirty="0"/>
+          </a:p>
+        </p:txBody>
+      </p:sp>
+      <p:sp>
+        <p:nvSpPr>
+          <p:cNvPr id="3" name="Content Placeholder 2">
+            <a:extLst>
+              <a:ext uri="{FF2B5EF4-FFF2-40B4-BE49-F238E27FC236}">
+                <a16:creationId xmlns:a16="http://schemas.microsoft.com/office/drawing/2014/main" id="{F5E724F3-14A6-92DE-CE0F-31DEE3A5A7DA}"/>
+              </a:ext>
+            </a:extLst>
+          </p:cNvPr>
+          <p:cNvSpPr>
+            <a:spLocks noGrp="1"/>
+          </p:cNvSpPr>
+          <p:nvPr>
+            <p:ph sz="half" idx="1"/>
+          </p:nvPr>
+        </p:nvSpPr>
+        <p:spPr/>
+        <p:txBody>
+          <a:bodyPr/>
+          <a:lstStyle/>
+          <a:p>
+            <a:r>
+              <a:rPr lang="en-US" b="1" u="sng" dirty="0"/>
+              <a:t>MODEL TESTING :- </a:t>
+            </a:r>
+            <a:r>
+              <a:rPr lang="en-US" dirty="0"/>
+              <a:t>Prior to building a linear model, we need to prepare a training set and a test set (part of standard procedure in a machine learning workflow). The training set will be used to train the model whereas the test set will be used to assess the performance of the trained model in predicting the result from unseen data.</a:t>
+            </a:r>
+          </a:p>
+          <a:p>
+            <a:r>
+              <a:rPr lang="en-US" dirty="0"/>
+              <a:t> </a:t>
+            </a:r>
+            <a:r>
+              <a:rPr lang="en-US" b="1" u="sng" dirty="0"/>
+              <a:t>LabelEncoder:-  </a:t>
+            </a:r>
+            <a:r>
+              <a:rPr lang="en-US" dirty="0"/>
+              <a:t>LabelEncoder in python is a class from the sklearn.preprocessing module of the scikit-learn library, used for converting categorical labels into numerical format.</a:t>
+            </a:r>
+          </a:p>
+          <a:p>
+            <a:endParaRPr lang="en-US" dirty="0"/>
+          </a:p>
+          <a:p>
+            <a:endParaRPr lang="en-US" dirty="0"/>
+          </a:p>
+        </p:txBody>
+      </p:sp>
+      <p:pic>
+        <p:nvPicPr>
+          <p:cNvPr id="6" name="Content Placeholder 5">
+            <a:extLst>
+              <a:ext uri="{FF2B5EF4-FFF2-40B4-BE49-F238E27FC236}">
+                <a16:creationId xmlns:a16="http://schemas.microsoft.com/office/drawing/2014/main" id="{0FF201CD-F4FA-9EF7-2BFE-35182719FC5C}"/>
+              </a:ext>
+            </a:extLst>
+          </p:cNvPr>
+          <p:cNvPicPr>
+            <a:picLocks noGrp="1" noChangeAspect="1"/>
+          </p:cNvPicPr>
+          <p:nvPr>
+            <p:ph sz="half" idx="2"/>
+          </p:nvPr>
+        </p:nvPicPr>
+        <p:blipFill>
+          <a:blip r:embed="rId2"/>
+          <a:stretch>
+            <a:fillRect/>
+          </a:stretch>
+        </p:blipFill>
+        <p:spPr>
+          <a:xfrm>
+            <a:off x="5910942" y="1391479"/>
+            <a:ext cx="5884647" cy="4905828"/>
+          </a:xfrm>
+        </p:spPr>
+      </p:pic>
+    </p:spTree>
+    <p:extLst>
+      <p:ext uri="{BB962C8B-B14F-4D97-AF65-F5344CB8AC3E}">
+        <p14:creationId xmlns:p14="http://schemas.microsoft.com/office/powerpoint/2010/main" val="1458812058"/>
+      </p:ext>
+    </p:extLst>
+  </p:cSld>
+  <p:clrMapOvr>
+    <a:masterClrMapping/>
+  </p:clrMapOvr>
+</p:sld>
+</file>
+
+<file path=ppt/slides/slide9.xml><?xml version="1.0" encoding="utf-8"?>
+<p:sld xmlns:a="http://schemas.openxmlformats.org/drawingml/2006/main" xmlns:r="http://schemas.openxmlformats.org/officeDocument/2006/relationships" xmlns:p="http://schemas.openxmlformats.org/presentationml/2006/main">
+  <p:cSld>
+    <p:spTree>
+      <p:nvGrpSpPr>
+        <p:cNvPr id="1" name=""/>
+        <p:cNvGrpSpPr/>
+        <p:nvPr/>
+      </p:nvGrpSpPr>
+      <p:grpSpPr>
+        <a:xfrm>
+          <a:off x="0" y="0"/>
+          <a:ext cx="0" cy="0"/>
+          <a:chOff x="0" y="0"/>
+          <a:chExt cx="0" cy="0"/>
+        </a:xfrm>
+      </p:grpSpPr>
+      <p:sp>
+        <p:nvSpPr>
+          <p:cNvPr id="2" name="Title 1">
+            <a:extLst>
+              <a:ext uri="{FF2B5EF4-FFF2-40B4-BE49-F238E27FC236}">
+                <a16:creationId xmlns:a16="http://schemas.microsoft.com/office/drawing/2014/main" id="{4117E189-8AED-E085-4086-D84459B21CD6}"/>
+              </a:ext>
+            </a:extLst>
+          </p:cNvPr>
+          <p:cNvSpPr>
+            <a:spLocks noGrp="1"/>
+          </p:cNvSpPr>
+          <p:nvPr>
+            <p:ph type="title"/>
+          </p:nvPr>
+        </p:nvSpPr>
+        <p:spPr/>
+        <p:txBody>
+          <a:bodyPr>
+            <a:normAutofit fontScale="90000"/>
+          </a:bodyPr>
+          <a:lstStyle/>
+          <a:p>
+            <a:r>
+              <a:rPr lang="en-US" dirty="0">
                 <a:latin typeface="Arial Black" panose="020B0A04020102020204" pitchFamily="34" charset="0"/>
               </a:rPr>
               <a:t>Algorithm &amp; deployment</a:t>
             </a:r>
+            <a:endParaRPr lang="en-US" dirty="0"/>
           </a:p>
         </p:txBody>
       </p:sp>
@@ -4265,37 +8043,85 @@
           <p:cNvPr id="3" name="Content Placeholder 2">
             <a:extLst>
               <a:ext uri="{FF2B5EF4-FFF2-40B4-BE49-F238E27FC236}">
-                <a16:creationId xmlns:a16="http://schemas.microsoft.com/office/drawing/2014/main" id="{CC486CC9-2011-9090-D02E-1537C9A22970}"/>
-              </a:ext>
-            </a:extLst>
-          </p:cNvPr>
-          <p:cNvSpPr>
-            <a:spLocks noGrp="1"/>
-          </p:cNvSpPr>
-          <p:nvPr>
-            <p:ph idx="1"/>
-          </p:nvPr>
-        </p:nvSpPr>
-        <p:spPr>
-          <a:xfrm>
-            <a:off x="1451579" y="2015732"/>
-            <a:ext cx="9603275" cy="3699268"/>
-          </a:xfrm>
-        </p:spPr>
-        <p:txBody>
-          <a:bodyPr>
-            <a:normAutofit/>
-          </a:bodyPr>
-          <a:lstStyle/>
+                <a16:creationId xmlns:a16="http://schemas.microsoft.com/office/drawing/2014/main" id="{F9C8151A-1927-C4E0-B009-EC80178E3E10}"/>
+              </a:ext>
+            </a:extLst>
+          </p:cNvPr>
+          <p:cNvSpPr>
+            <a:spLocks noGrp="1"/>
+          </p:cNvSpPr>
+          <p:nvPr>
+            <p:ph sz="half" idx="1"/>
+          </p:nvPr>
+        </p:nvSpPr>
+        <p:spPr/>
+        <p:txBody>
+          <a:bodyPr/>
+          <a:lstStyle/>
+          <a:p>
+            <a:r>
+              <a:rPr lang="en-US" sz="2400" dirty="0"/>
+              <a:t> </a:t>
+            </a:r>
+            <a:r>
+              <a:rPr lang="en-US" sz="2400" b="1" u="sng" dirty="0"/>
+              <a:t>LogisticRegression :-</a:t>
+            </a:r>
+            <a:r>
+              <a:rPr lang="en-US" sz="2400" dirty="0"/>
+              <a:t>LogisticRegression is a supervised machine learning algorithm used for classification problems. It is used for binary classification where the output can be one of two possible categories such as yes/no, true/false or 0/1.</a:t>
+            </a:r>
+          </a:p>
+          <a:p>
+            <a:pPr marL="0" indent="0">
+              <a:buNone/>
+            </a:pPr>
+            <a:r>
+              <a:rPr lang="en-US" dirty="0"/>
+              <a:t>     </a:t>
+            </a:r>
+          </a:p>
           <a:p>
             <a:endParaRPr lang="en-US" dirty="0"/>
           </a:p>
         </p:txBody>
       </p:sp>
+      <p:pic>
+        <p:nvPicPr>
+          <p:cNvPr id="13" name="Content Placeholder 12">
+            <a:extLst>
+              <a:ext uri="{FF2B5EF4-FFF2-40B4-BE49-F238E27FC236}">
+                <a16:creationId xmlns:a16="http://schemas.microsoft.com/office/drawing/2014/main" id="{58F82C15-E227-4E16-5E1B-87E211F3BECD}"/>
+              </a:ext>
+            </a:extLst>
+          </p:cNvPr>
+          <p:cNvPicPr>
+            <a:picLocks noGrp="1" noChangeAspect="1"/>
+          </p:cNvPicPr>
+          <p:nvPr>
+            <p:ph sz="half" idx="2"/>
+          </p:nvPr>
+        </p:nvPicPr>
+        <p:blipFill>
+          <a:blip r:embed="rId2"/>
+          <a:stretch>
+            <a:fillRect/>
+          </a:stretch>
+        </p:blipFill>
+        <p:spPr>
+          <a:xfrm>
+            <a:off x="6222170" y="849086"/>
+            <a:ext cx="5907362" cy="5377543"/>
+          </a:xfrm>
+          <a:prstGeom prst="rect">
+            <a:avLst/>
+          </a:prstGeom>
+        </p:spPr>
+      </p:pic>
     </p:spTree>
     <p:extLst>
       <p:ext uri="{BB962C8B-B14F-4D97-AF65-F5344CB8AC3E}">
-        <p14:creationId xmlns:p14="http://schemas.microsoft.com/office/powerpoint/2010/main" val="97733852"/>
+        <p14:creationId xmlns:p14="http://schemas.microsoft.com/office/powerpoint/2010/main" val="3013736251"/>
       </p:ext>
     </p:extLst>
   </p:cSld>
@@ -4306,9 +8132,9 @@
 </file>
 
 <file path=ppt/theme/theme1.xml><?xml version="1.0" encoding="utf-8"?>
-<a:theme xmlns:a="http://schemas.openxmlformats.org/drawingml/2006/main" name="Gallery">
+<a:theme xmlns:a="http://schemas.openxmlformats.org/drawingml/2006/main" name="DividendVTI">
   <a:themeElements>
-    <a:clrScheme name="Gallery">
+    <a:clrScheme name="Blue II">
       <a:dk1>
         <a:sysClr val="windowText" lastClr="000000"/>
       </a:dk1>
@@ -4316,81 +8142,48 @@
         <a:sysClr val="window" lastClr="FFFFFF"/>
       </a:lt1>
       <a:dk2>
-        <a:srgbClr val="454545"/>
+        <a:srgbClr val="335B74"/>
       </a:dk2>
       <a:lt2>
-        <a:srgbClr val="DFDBD5"/>
+        <a:srgbClr val="DFE3E5"/>
       </a:lt2>
       <a:accent1>
-        <a:srgbClr val="B71E42"/>
+        <a:srgbClr val="1CADE4"/>
       </a:accent1>
       <a:accent2>
-        <a:srgbClr val="DE478E"/>
+        <a:srgbClr val="2683C6"/>
       </a:accent2>
       <a:accent3>
-        <a:srgbClr val="BC72F0"/>
+        <a:srgbClr val="27CED7"/>
       </a:accent3>
       <a:accent4>
-        <a:srgbClr val="795FAF"/>
+        <a:srgbClr val="42BA97"/>
       </a:accent4>
       <a:accent5>
-        <a:srgbClr val="586EA6"/>
+        <a:srgbClr val="3E8853"/>
       </a:accent5>
       <a:accent6>
-        <a:srgbClr val="6892A0"/>
+        <a:srgbClr val="62A39F"/>
       </a:accent6>
       <a:hlink>
-        <a:srgbClr val="FA2B5C"/>
+        <a:srgbClr val="6EAC1C"/>
       </a:hlink>
       <a:folHlink>
-        <a:srgbClr val="BC658E"/>
+        <a:srgbClr val="B26B02"/>
       </a:folHlink>
     </a:clrScheme>
-    <a:fontScheme name="Gallery">
+    <a:fontScheme name="Dividend">
       <a:majorFont>
-        <a:latin typeface="Gill Sans MT" panose="020B0502020104020203"/>
+        <a:latin typeface="Franklin Gothic Demi"/>
         <a:ea typeface=""/>
         <a:cs typeface=""/>
-        <a:font script="Jpan" typeface="游ゴシック Light"/>
-        <a:font script="Hang" typeface="맑은 고딕"/>
-        <a:font script="Hans" typeface="等线 Light"/>
-        <a:font script="Hant" typeface="新細明體"/>
-        <a:font script="Arab" typeface="Times New Roman"/>
-        <a:font script="Hebr" typeface="Times New Roman"/>
-        <a:font script="Thai" typeface="Angsana New"/>
-        <a:font script="Ethi" typeface="Nyala"/>
-        <a:font script="Beng" typeface="Vrinda"/>
-        <a:font script="Gujr" typeface="Shruti"/>
-        <a:font script="Khmr" typeface="MoolBoran"/>
-        <a:font script="Knda" typeface="Tunga"/>
-        <a:font script="Guru" typeface="Raavi"/>
-        <a:font script="Cans" typeface="Euphemia"/>
-        <a:font script="Cher" typeface="Plantagenet Cherokee"/>
-        <a:font script="Yiii" typeface="Microsoft Yi Baiti"/>
-        <a:font script="Tibt" typeface="Microsoft Himalaya"/>
-        <a:font script="Thaa" typeface="MV Boli"/>
-        <a:font script="Deva" typeface="Mangal"/>
-        <a:font script="Telu" typeface="Gautami"/>
-        <a:font script="Taml" typeface="Latha"/>
-        <a:font script="Syrc" typeface="Estrangelo Edessa"/>
-        <a:font script="Orya" typeface="Kalinga"/>
-        <a:font script="Mlym" typeface="Kartika"/>
-        <a:font script="Laoo" typeface="DokChampa"/>
-        <a:font script="Sinh" typeface="Iskoola Pota"/>
-        <a:font script="Mong" typeface="Mongolian Baiti"/>
-        <a:font script="Viet" typeface="Times New Roman"/>
-        <a:font script="Uigh" typeface="Microsoft Uighur"/>
-        <a:font script="Geor" typeface="Sylfaen"/>
-      </a:majorFont>
-      <a:minorFont>
-        <a:latin typeface="Gill Sans MT" panose="020B0502020104020203"/>
-        <a:ea typeface=""/>
-        <a:cs typeface=""/>
-        <a:font script="Jpan" typeface="游ゴシック"/>
-        <a:font script="Hang" typeface="맑은 고딕"/>
-        <a:font script="Hans" typeface="等线"/>
-        <a:font script="Hant" typeface="新細明體"/>
-        <a:font script="Arab" typeface="Arial"/>
+        <a:font script="Grek" typeface="Corbel"/>
+        <a:font script="Cyrl" typeface="Corbel"/>
+        <a:font script="Jpan" typeface="HGｺﾞｼｯｸE"/>
+        <a:font script="Hang" typeface="휴먼매직체"/>
+        <a:font script="Hans" typeface="华文中宋"/>
+        <a:font script="Hant" typeface="微軟正黑體"/>
+        <a:font script="Arab" typeface="Majalla UI"/>
         <a:font script="Hebr" typeface="Arial"/>
         <a:font script="Thai" typeface="Cordia New"/>
         <a:font script="Ethi" typeface="Nyala"/>
@@ -4413,12 +8206,49 @@
         <a:font script="Laoo" typeface="DokChampa"/>
         <a:font script="Sinh" typeface="Iskoola Pota"/>
         <a:font script="Mong" typeface="Mongolian Baiti"/>
-        <a:font script="Viet" typeface="Arial"/>
+        <a:font script="Viet" typeface="Tahoma"/>
+        <a:font script="Uigh" typeface="Microsoft Uighur"/>
+        <a:font script="Geor" typeface="Sylfaen"/>
+      </a:majorFont>
+      <a:minorFont>
+        <a:latin typeface="Franklin Gothic Book"/>
+        <a:ea typeface=""/>
+        <a:cs typeface=""/>
+        <a:font script="Grek" typeface="Corbel"/>
+        <a:font script="Cyrl" typeface="Corbel"/>
+        <a:font script="Jpan" typeface="HGｺﾞｼｯｸE"/>
+        <a:font script="Hang" typeface="휴먼매직체"/>
+        <a:font script="Hans" typeface="华文中宋"/>
+        <a:font script="Hant" typeface="微軟正黑體"/>
+        <a:font script="Arab" typeface="Majalla UI"/>
+        <a:font script="Hebr" typeface="Arial"/>
+        <a:font script="Thai" typeface="Cordia New"/>
+        <a:font script="Ethi" typeface="Nyala"/>
+        <a:font script="Beng" typeface="Vrinda"/>
+        <a:font script="Gujr" typeface="Shruti"/>
+        <a:font script="Khmr" typeface="DaunPenh"/>
+        <a:font script="Knda" typeface="Tunga"/>
+        <a:font script="Guru" typeface="Raavi"/>
+        <a:font script="Cans" typeface="Euphemia"/>
+        <a:font script="Cher" typeface="Plantagenet Cherokee"/>
+        <a:font script="Yiii" typeface="Microsoft Yi Baiti"/>
+        <a:font script="Tibt" typeface="Microsoft Himalaya"/>
+        <a:font script="Thaa" typeface="MV Boli"/>
+        <a:font script="Deva" typeface="Mangal"/>
+        <a:font script="Telu" typeface="Gautami"/>
+        <a:font script="Taml" typeface="Latha"/>
+        <a:font script="Syrc" typeface="Estrangelo Edessa"/>
+        <a:font script="Orya" typeface="Kalinga"/>
+        <a:font script="Mlym" typeface="Kartika"/>
+        <a:font script="Laoo" typeface="DokChampa"/>
+        <a:font script="Sinh" typeface="Iskoola Pota"/>
+        <a:font script="Mong" typeface="Mongolian Baiti"/>
+        <a:font script="Viet" typeface="Tahoma"/>
         <a:font script="Uigh" typeface="Microsoft Uighur"/>
         <a:font script="Geor" typeface="Sylfaen"/>
       </a:minorFont>
     </a:fontScheme>
-    <a:fmtScheme name="Gallery">
+    <a:fmtScheme name="Dividend">
       <a:fillStyleLst>
         <a:solidFill>
           <a:schemeClr val="phClr"/>
@@ -4427,44 +8257,32 @@
           <a:gsLst>
             <a:gs pos="0">
               <a:schemeClr val="phClr">
-                <a:tint val="54000"/>
-                <a:alpha val="100000"/>
-                <a:satMod val="105000"/>
-                <a:lumMod val="110000"/>
+                <a:tint val="68000"/>
+                <a:alpha val="90000"/>
+                <a:lumMod val="100000"/>
               </a:schemeClr>
             </a:gs>
             <a:gs pos="100000">
               <a:schemeClr val="phClr">
-                <a:tint val="78000"/>
-                <a:alpha val="92000"/>
-                <a:satMod val="109000"/>
-                <a:lumMod val="100000"/>
+                <a:tint val="90000"/>
+                <a:lumMod val="95000"/>
               </a:schemeClr>
             </a:gs>
           </a:gsLst>
-          <a:lin ang="5400000" scaled="0"/>
+          <a:lin ang="5400000" scaled="1"/>
         </a:gradFill>
         <a:gradFill rotWithShape="1">
           <a:gsLst>
             <a:gs pos="0">
               <a:schemeClr val="phClr">
                 <a:tint val="98000"/>
-                <a:satMod val="110000"/>
-                <a:lumMod val="104000"/>
+                <a:lumMod val="110000"/>
               </a:schemeClr>
             </a:gs>
-            <a:gs pos="69000">
+            <a:gs pos="84000">
               <a:schemeClr val="phClr">
-                <a:shade val="88000"/>
-                <a:satMod val="130000"/>
-                <a:lumMod val="92000"/>
-              </a:schemeClr>
-            </a:gs>
-            <a:gs pos="100000">
-              <a:schemeClr val="phClr">
-                <a:shade val="78000"/>
-                <a:satMod val="130000"/>
-                <a:lumMod val="92000"/>
+                <a:shade val="90000"/>
+                <a:lumMod val="88000"/>
               </a:schemeClr>
             </a:gs>
           </a:gsLst>
@@ -4472,19 +8290,21 @@
         </a:gradFill>
       </a:fillStyleLst>
       <a:lnStyleLst>
-        <a:ln w="9525" cap="flat" cmpd="sng" algn="ctr">
+        <a:ln w="12700" cap="rnd" cmpd="sng" algn="ctr">
+          <a:solidFill>
+            <a:schemeClr val="phClr">
+              <a:lumMod val="90000"/>
+            </a:schemeClr>
+          </a:solidFill>
+          <a:prstDash val="solid"/>
+        </a:ln>
+        <a:ln w="22225" cap="rnd" cmpd="sng" algn="ctr">
           <a:solidFill>
             <a:schemeClr val="phClr"/>
           </a:solidFill>
           <a:prstDash val="solid"/>
         </a:ln>
-        <a:ln w="15875" cap="flat" cmpd="sng" algn="ctr">
-          <a:solidFill>
-            <a:schemeClr val="phClr"/>
-          </a:solidFill>
-          <a:prstDash val="solid"/>
-        </a:ln>
-        <a:ln w="22225" cap="flat" cmpd="sng" algn="ctr">
+        <a:ln w="25400" cap="rnd" cmpd="sng" algn="ctr">
           <a:solidFill>
             <a:schemeClr val="phClr"/>
           </a:solidFill>
@@ -4496,13 +8316,19 @@
           <a:effectLst/>
         </a:effectStyle>
         <a:effectStyle>
-          <a:effectLst/>
+          <a:effectLst>
+            <a:outerShdw blurRad="38100" dist="25400" dir="5400000" rotWithShape="0">
+              <a:srgbClr val="000000">
+                <a:alpha val="55000"/>
+              </a:srgbClr>
+            </a:outerShdw>
+          </a:effectLst>
         </a:effectStyle>
         <a:effectStyle>
           <a:effectLst>
-            <a:outerShdw blurRad="50800" dist="50800" dir="5400000" sx="96000" sy="96000" rotWithShape="0">
+            <a:outerShdw blurRad="88900" dist="38100" dir="5040000" rotWithShape="0">
               <a:srgbClr val="000000">
-                <a:alpha val="48000"/>
+                <a:alpha val="60000"/>
               </a:srgbClr>
             </a:outerShdw>
           </a:effectLst>
@@ -4510,12 +8336,12 @@
             <a:camera prst="orthographicFront">
               <a:rot lat="0" lon="0" rev="0"/>
             </a:camera>
-            <a:lightRig rig="balanced" dir="t">
-              <a:rot lat="0" lon="0" rev="1080000"/>
+            <a:lightRig rig="threePt" dir="tl">
+              <a:rot lat="0" lon="0" rev="1200000"/>
             </a:lightRig>
           </a:scene3d>
           <a:sp3d>
-            <a:bevelT w="38100" h="12700" prst="softRound"/>
+            <a:bevelT w="38100" h="50800"/>
           </a:sp3d>
         </a:effectStyle>
       </a:effectStyleLst>
@@ -4523,26 +8349,42 @@
         <a:solidFill>
           <a:schemeClr val="phClr"/>
         </a:solidFill>
-        <a:solidFill>
-          <a:schemeClr val="phClr"/>
-        </a:solidFill>
         <a:gradFill rotWithShape="1">
           <a:gsLst>
             <a:gs pos="0">
               <a:schemeClr val="phClr">
-                <a:tint val="94000"/>
-                <a:satMod val="80000"/>
-                <a:lumMod val="106000"/>
+                <a:tint val="90000"/>
+                <a:lumMod val="110000"/>
+              </a:schemeClr>
+            </a:gs>
+            <a:gs pos="88000">
+              <a:schemeClr val="phClr">
+                <a:shade val="94000"/>
+                <a:satMod val="110000"/>
+                <a:lumMod val="88000"/>
+              </a:schemeClr>
+            </a:gs>
+          </a:gsLst>
+          <a:lin ang="5400000" scaled="0"/>
+        </a:gradFill>
+        <a:gradFill rotWithShape="1">
+          <a:gsLst>
+            <a:gs pos="0">
+              <a:schemeClr val="phClr">
+                <a:tint val="90000"/>
+                <a:lumMod val="110000"/>
               </a:schemeClr>
             </a:gs>
             <a:gs pos="100000">
               <a:schemeClr val="phClr">
-                <a:shade val="80000"/>
+                <a:shade val="98000"/>
+                <a:satMod val="110000"/>
+                <a:lumMod val="86000"/>
               </a:schemeClr>
             </a:gs>
           </a:gsLst>
           <a:path path="circle">
-            <a:fillToRect l="43000" r="43000" b="100000"/>
+            <a:fillToRect l="50000" t="50000" r="100000" b="100000"/>
           </a:path>
         </a:gradFill>
       </a:bgFillStyleLst>
@@ -4552,7 +8394,7 @@
   <a:extraClrSchemeLst/>
   <a:extLst>
     <a:ext uri="{05A4C25C-085E-4340-85A3-A5531E510DB2}">
-      <thm15:themeFamily xmlns:thm15="http://schemas.microsoft.com/office/thememl/2012/main" name="Gallery" id="{BBFCD31E-59A1-489D-B089-A3EAD7CAE12E}" vid="{F5E91637-A7B6-4E27-B710-77DA7014EE1E}"/>
+      <thm15:themeFamily xmlns:thm15="http://schemas.microsoft.com/office/thememl/2012/main" name="DividendVTI" id="{97558BDE-0B66-457C-BB6F-7B1B22DAA9B8}" vid="{F53508A3-AC60-448A-AF37-934D5F1A0D5E}"/>
     </a:ext>
   </a:extLst>
 </a:theme>
